--- a/presentation_template.pptx
+++ b/presentation_template.pptx
@@ -9,21 +9,26 @@
     <p:sldId id="259" r:id="rId3"/>
     <p:sldId id="256" r:id="rId4"/>
     <p:sldId id="261" r:id="rId5"/>
-    <p:sldId id="265" r:id="rId6"/>
-    <p:sldId id="277" r:id="rId7"/>
-    <p:sldId id="274" r:id="rId8"/>
-    <p:sldId id="266" r:id="rId9"/>
-    <p:sldId id="262" r:id="rId10"/>
-    <p:sldId id="267" r:id="rId11"/>
-    <p:sldId id="257" r:id="rId12"/>
-    <p:sldId id="268" r:id="rId13"/>
-    <p:sldId id="269" r:id="rId14"/>
-    <p:sldId id="270" r:id="rId15"/>
-    <p:sldId id="258" r:id="rId16"/>
-    <p:sldId id="263" r:id="rId17"/>
-    <p:sldId id="272" r:id="rId18"/>
-    <p:sldId id="264" r:id="rId19"/>
-    <p:sldId id="273" r:id="rId20"/>
+    <p:sldId id="280" r:id="rId6"/>
+    <p:sldId id="281" r:id="rId7"/>
+    <p:sldId id="265" r:id="rId8"/>
+    <p:sldId id="277" r:id="rId9"/>
+    <p:sldId id="274" r:id="rId10"/>
+    <p:sldId id="266" r:id="rId11"/>
+    <p:sldId id="262" r:id="rId12"/>
+    <p:sldId id="267" r:id="rId13"/>
+    <p:sldId id="278" r:id="rId14"/>
+    <p:sldId id="257" r:id="rId15"/>
+    <p:sldId id="279" r:id="rId16"/>
+    <p:sldId id="268" r:id="rId17"/>
+    <p:sldId id="270" r:id="rId18"/>
+    <p:sldId id="282" r:id="rId19"/>
+    <p:sldId id="269" r:id="rId20"/>
+    <p:sldId id="258" r:id="rId21"/>
+    <p:sldId id="263" r:id="rId22"/>
+    <p:sldId id="272" r:id="rId23"/>
+    <p:sldId id="264" r:id="rId24"/>
+    <p:sldId id="273" r:id="rId25"/>
   </p:sldIdLst>
   <p:sldSz cx="12192000" cy="6858000"/>
   <p:notesSz cx="6858000" cy="9144000"/>
@@ -277,7 +282,7 @@
           <a:p>
             <a:fld id="{1E27CE76-79F2-4C52-95BD-F1BB7FE044A8}" type="datetimeFigureOut">
               <a:rPr lang="ko-KR" altLang="en-US" smtClean="0"/>
-              <a:t>2021-02-09</a:t>
+              <a:t>2021-02-14</a:t>
             </a:fld>
             <a:endParaRPr lang="ko-KR" altLang="en-US"/>
           </a:p>
@@ -475,7 +480,7 @@
           <a:p>
             <a:fld id="{1E27CE76-79F2-4C52-95BD-F1BB7FE044A8}" type="datetimeFigureOut">
               <a:rPr lang="ko-KR" altLang="en-US" smtClean="0"/>
-              <a:t>2021-02-09</a:t>
+              <a:t>2021-02-14</a:t>
             </a:fld>
             <a:endParaRPr lang="ko-KR" altLang="en-US"/>
           </a:p>
@@ -683,7 +688,7 @@
           <a:p>
             <a:fld id="{1E27CE76-79F2-4C52-95BD-F1BB7FE044A8}" type="datetimeFigureOut">
               <a:rPr lang="ko-KR" altLang="en-US" smtClean="0"/>
-              <a:t>2021-02-09</a:t>
+              <a:t>2021-02-14</a:t>
             </a:fld>
             <a:endParaRPr lang="ko-KR" altLang="en-US"/>
           </a:p>
@@ -881,7 +886,7 @@
           <a:p>
             <a:fld id="{1E27CE76-79F2-4C52-95BD-F1BB7FE044A8}" type="datetimeFigureOut">
               <a:rPr lang="ko-KR" altLang="en-US" smtClean="0"/>
-              <a:t>2021-02-09</a:t>
+              <a:t>2021-02-14</a:t>
             </a:fld>
             <a:endParaRPr lang="ko-KR" altLang="en-US"/>
           </a:p>
@@ -1156,7 +1161,7 @@
           <a:p>
             <a:fld id="{1E27CE76-79F2-4C52-95BD-F1BB7FE044A8}" type="datetimeFigureOut">
               <a:rPr lang="ko-KR" altLang="en-US" smtClean="0"/>
-              <a:t>2021-02-09</a:t>
+              <a:t>2021-02-14</a:t>
             </a:fld>
             <a:endParaRPr lang="ko-KR" altLang="en-US"/>
           </a:p>
@@ -1421,7 +1426,7 @@
           <a:p>
             <a:fld id="{1E27CE76-79F2-4C52-95BD-F1BB7FE044A8}" type="datetimeFigureOut">
               <a:rPr lang="ko-KR" altLang="en-US" smtClean="0"/>
-              <a:t>2021-02-09</a:t>
+              <a:t>2021-02-14</a:t>
             </a:fld>
             <a:endParaRPr lang="ko-KR" altLang="en-US"/>
           </a:p>
@@ -1833,7 +1838,7 @@
           <a:p>
             <a:fld id="{1E27CE76-79F2-4C52-95BD-F1BB7FE044A8}" type="datetimeFigureOut">
               <a:rPr lang="ko-KR" altLang="en-US" smtClean="0"/>
-              <a:t>2021-02-09</a:t>
+              <a:t>2021-02-14</a:t>
             </a:fld>
             <a:endParaRPr lang="ko-KR" altLang="en-US"/>
           </a:p>
@@ -1974,7 +1979,7 @@
           <a:p>
             <a:fld id="{1E27CE76-79F2-4C52-95BD-F1BB7FE044A8}" type="datetimeFigureOut">
               <a:rPr lang="ko-KR" altLang="en-US" smtClean="0"/>
-              <a:t>2021-02-09</a:t>
+              <a:t>2021-02-14</a:t>
             </a:fld>
             <a:endParaRPr lang="ko-KR" altLang="en-US"/>
           </a:p>
@@ -2087,7 +2092,7 @@
           <a:p>
             <a:fld id="{1E27CE76-79F2-4C52-95BD-F1BB7FE044A8}" type="datetimeFigureOut">
               <a:rPr lang="ko-KR" altLang="en-US" smtClean="0"/>
-              <a:t>2021-02-09</a:t>
+              <a:t>2021-02-14</a:t>
             </a:fld>
             <a:endParaRPr lang="ko-KR" altLang="en-US"/>
           </a:p>
@@ -2398,7 +2403,7 @@
           <a:p>
             <a:fld id="{1E27CE76-79F2-4C52-95BD-F1BB7FE044A8}" type="datetimeFigureOut">
               <a:rPr lang="ko-KR" altLang="en-US" smtClean="0"/>
-              <a:t>2021-02-09</a:t>
+              <a:t>2021-02-14</a:t>
             </a:fld>
             <a:endParaRPr lang="ko-KR" altLang="en-US"/>
           </a:p>
@@ -2686,7 +2691,7 @@
           <a:p>
             <a:fld id="{1E27CE76-79F2-4C52-95BD-F1BB7FE044A8}" type="datetimeFigureOut">
               <a:rPr lang="ko-KR" altLang="en-US" smtClean="0"/>
-              <a:t>2021-02-09</a:t>
+              <a:t>2021-02-14</a:t>
             </a:fld>
             <a:endParaRPr lang="ko-KR" altLang="en-US"/>
           </a:p>
@@ -2927,7 +2932,7 @@
           <a:p>
             <a:fld id="{1E27CE76-79F2-4C52-95BD-F1BB7FE044A8}" type="datetimeFigureOut">
               <a:rPr lang="ko-KR" altLang="en-US" smtClean="0"/>
-              <a:t>2021-02-09</a:t>
+              <a:t>2021-02-14</a:t>
             </a:fld>
             <a:endParaRPr lang="ko-KR" altLang="en-US"/>
           </a:p>
@@ -3445,7 +3450,7 @@
         </p:nvGraphicFramePr>
         <p:xfrm>
           <a:off x="3737113" y="4523038"/>
-          <a:ext cx="4240696" cy="1590654"/>
+          <a:ext cx="4240696" cy="1895454"/>
         </p:xfrm>
         <a:graphic>
           <a:graphicData uri="http://schemas.openxmlformats.org/drawingml/2006/table">
@@ -3859,7 +3864,7 @@
           <p:cNvPr id="4" name="TextBox 3">
             <a:extLst>
               <a:ext uri="{FF2B5EF4-FFF2-40B4-BE49-F238E27FC236}">
-                <a16:creationId xmlns:a16="http://schemas.microsoft.com/office/drawing/2014/main" id="{442E9F06-5DCA-4998-BADA-E59F4F6D57D9}"/>
+                <a16:creationId xmlns:a16="http://schemas.microsoft.com/office/drawing/2014/main" id="{0DC4E754-3401-402D-90C1-1D6DCE0DC6EE}"/>
               </a:ext>
             </a:extLst>
           </p:cNvPr>
@@ -3868,8 +3873,8 @@
         </p:nvSpPr>
         <p:spPr>
           <a:xfrm>
-            <a:off x="689113" y="653012"/>
-            <a:ext cx="6096000" cy="3884268"/>
+            <a:off x="609600" y="348213"/>
+            <a:ext cx="6096000" cy="560282"/>
           </a:xfrm>
           <a:prstGeom prst="rect">
             <a:avLst/>
@@ -3892,210 +3897,152 @@
                 <a:latin typeface="12롯데마트드림Medium" panose="02020603020101020101" pitchFamily="18" charset="-127"/>
                 <a:ea typeface="12롯데마트드림Medium" panose="02020603020101020101" pitchFamily="18" charset="-127"/>
               </a:rPr>
-              <a:t>프로젝트 설계</a:t>
+              <a:t>일정 </a:t>
+            </a:r>
+            <a:r>
+              <a:rPr lang="ko-KR" altLang="en-US" sz="2400" dirty="0" err="1">
+                <a:latin typeface="12롯데마트드림Medium" panose="02020603020101020101" pitchFamily="18" charset="-127"/>
+                <a:ea typeface="12롯데마트드림Medium" panose="02020603020101020101" pitchFamily="18" charset="-127"/>
+              </a:rPr>
+              <a:t>플래너</a:t>
             </a:r>
             <a:endParaRPr lang="en-US" altLang="ko-KR" sz="2400" dirty="0">
               <a:latin typeface="12롯데마트드림Medium" panose="02020603020101020101" pitchFamily="18" charset="-127"/>
               <a:ea typeface="12롯데마트드림Medium" panose="02020603020101020101" pitchFamily="18" charset="-127"/>
             </a:endParaRPr>
           </a:p>
-          <a:p>
-            <a:pPr latinLnBrk="1">
-              <a:lnSpc>
-                <a:spcPct val="150000"/>
-              </a:lnSpc>
-            </a:pPr>
-            <a:endParaRPr lang="en-US" altLang="ko-KR" sz="2400" dirty="0">
-              <a:latin typeface="12롯데마트드림Medium" panose="02020603020101020101" pitchFamily="18" charset="-127"/>
-              <a:ea typeface="12롯데마트드림Medium" panose="02020603020101020101" pitchFamily="18" charset="-127"/>
-            </a:endParaRPr>
-          </a:p>
-          <a:p>
-            <a:pPr latinLnBrk="1">
-              <a:lnSpc>
-                <a:spcPct val="150000"/>
-              </a:lnSpc>
-            </a:pPr>
-            <a:r>
-              <a:rPr lang="ko-KR" altLang="en-US" sz="2400" dirty="0">
-                <a:latin typeface="12롯데마트드림Medium" panose="02020603020101020101" pitchFamily="18" charset="-127"/>
-                <a:ea typeface="12롯데마트드림Medium" panose="02020603020101020101" pitchFamily="18" charset="-127"/>
-              </a:rPr>
-              <a:t>페이지 구성</a:t>
-            </a:r>
-            <a:endParaRPr lang="en-US" altLang="ko-KR" sz="2400" dirty="0">
-              <a:latin typeface="12롯데마트드림Medium" panose="02020603020101020101" pitchFamily="18" charset="-127"/>
-              <a:ea typeface="12롯데마트드림Medium" panose="02020603020101020101" pitchFamily="18" charset="-127"/>
-            </a:endParaRPr>
-          </a:p>
-          <a:p>
-            <a:pPr latinLnBrk="1">
-              <a:lnSpc>
-                <a:spcPct val="150000"/>
-              </a:lnSpc>
-            </a:pPr>
-            <a:r>
-              <a:rPr lang="ko-KR" altLang="en-US" sz="2400" dirty="0">
-                <a:latin typeface="12롯데마트드림Medium" panose="02020603020101020101" pitchFamily="18" charset="-127"/>
-                <a:ea typeface="12롯데마트드림Medium" panose="02020603020101020101" pitchFamily="18" charset="-127"/>
-              </a:rPr>
-              <a:t>화면 </a:t>
-            </a:r>
-            <a:r>
-              <a:rPr lang="en-US" altLang="ko-KR" sz="2400" dirty="0">
-                <a:latin typeface="12롯데마트드림Medium" panose="02020603020101020101" pitchFamily="18" charset="-127"/>
-                <a:ea typeface="12롯데마트드림Medium" panose="02020603020101020101" pitchFamily="18" charset="-127"/>
-              </a:rPr>
-              <a:t>UI </a:t>
-            </a:r>
-            <a:r>
-              <a:rPr lang="ko-KR" altLang="en-US" sz="2400" dirty="0">
-                <a:latin typeface="12롯데마트드림Medium" panose="02020603020101020101" pitchFamily="18" charset="-127"/>
-                <a:ea typeface="12롯데마트드림Medium" panose="02020603020101020101" pitchFamily="18" charset="-127"/>
-              </a:rPr>
-              <a:t>설계</a:t>
-            </a:r>
-            <a:r>
-              <a:rPr lang="en-US" altLang="ko-KR" sz="2400" dirty="0">
-                <a:latin typeface="12롯데마트드림Medium" panose="02020603020101020101" pitchFamily="18" charset="-127"/>
-                <a:ea typeface="12롯데마트드림Medium" panose="02020603020101020101" pitchFamily="18" charset="-127"/>
-              </a:rPr>
-              <a:t> – </a:t>
-            </a:r>
-            <a:r>
-              <a:rPr lang="ko-KR" altLang="en-US" sz="2400" dirty="0">
-                <a:latin typeface="12롯데마트드림Medium" panose="02020603020101020101" pitchFamily="18" charset="-127"/>
-                <a:ea typeface="12롯데마트드림Medium" panose="02020603020101020101" pitchFamily="18" charset="-127"/>
-              </a:rPr>
-              <a:t>카카오 오븐</a:t>
-            </a:r>
-            <a:r>
-              <a:rPr lang="en-US" altLang="ko-KR" sz="2400" dirty="0">
-                <a:latin typeface="12롯데마트드림Medium" panose="02020603020101020101" pitchFamily="18" charset="-127"/>
-                <a:ea typeface="12롯데마트드림Medium" panose="02020603020101020101" pitchFamily="18" charset="-127"/>
-              </a:rPr>
-              <a:t>(</a:t>
-            </a:r>
-            <a:r>
-              <a:rPr lang="ko-KR" altLang="en-US" sz="2400" dirty="0" err="1">
-                <a:latin typeface="12롯데마트드림Medium" panose="02020603020101020101" pitchFamily="18" charset="-127"/>
-                <a:ea typeface="12롯데마트드림Medium" panose="02020603020101020101" pitchFamily="18" charset="-127"/>
-              </a:rPr>
-              <a:t>목업</a:t>
-            </a:r>
-            <a:r>
-              <a:rPr lang="en-US" altLang="ko-KR" sz="2400" dirty="0">
-                <a:latin typeface="12롯데마트드림Medium" panose="02020603020101020101" pitchFamily="18" charset="-127"/>
-                <a:ea typeface="12롯데마트드림Medium" panose="02020603020101020101" pitchFamily="18" charset="-127"/>
-              </a:rPr>
-              <a:t>)</a:t>
-            </a:r>
-          </a:p>
-          <a:p>
-            <a:pPr latinLnBrk="1">
-              <a:lnSpc>
-                <a:spcPct val="150000"/>
-              </a:lnSpc>
-            </a:pPr>
-            <a:r>
-              <a:rPr lang="ko-KR" altLang="en-US" sz="2400" dirty="0">
-                <a:latin typeface="12롯데마트드림Medium" panose="02020603020101020101" pitchFamily="18" charset="-127"/>
-                <a:ea typeface="12롯데마트드림Medium" panose="02020603020101020101" pitchFamily="18" charset="-127"/>
-              </a:rPr>
-              <a:t>인터페이스 설계 </a:t>
-            </a:r>
-            <a:r>
-              <a:rPr lang="en-US" altLang="ko-KR" sz="2400" dirty="0">
-                <a:latin typeface="12롯데마트드림Medium" panose="02020603020101020101" pitchFamily="18" charset="-127"/>
-                <a:ea typeface="12롯데마트드림Medium" panose="02020603020101020101" pitchFamily="18" charset="-127"/>
-              </a:rPr>
-              <a:t>(Logic) – </a:t>
-            </a:r>
-            <a:r>
-              <a:rPr lang="ko-KR" altLang="en-US" sz="2400" dirty="0">
-                <a:latin typeface="12롯데마트드림Medium" panose="02020603020101020101" pitchFamily="18" charset="-127"/>
-                <a:ea typeface="12롯데마트드림Medium" panose="02020603020101020101" pitchFamily="18" charset="-127"/>
-              </a:rPr>
-              <a:t>시퀀스</a:t>
-            </a:r>
-            <a:r>
-              <a:rPr lang="en-US" altLang="ko-KR" sz="2400" dirty="0">
-                <a:latin typeface="12롯데마트드림Medium" panose="02020603020101020101" pitchFamily="18" charset="-127"/>
-                <a:ea typeface="12롯데마트드림Medium" panose="02020603020101020101" pitchFamily="18" charset="-127"/>
-              </a:rPr>
-              <a:t>, </a:t>
-            </a:r>
-            <a:r>
-              <a:rPr lang="ko-KR" altLang="en-US" sz="2400" dirty="0" err="1">
-                <a:latin typeface="12롯데마트드림Medium" panose="02020603020101020101" pitchFamily="18" charset="-127"/>
-                <a:ea typeface="12롯데마트드림Medium" panose="02020603020101020101" pitchFamily="18" charset="-127"/>
-              </a:rPr>
-              <a:t>플로우차트</a:t>
-            </a:r>
-            <a:endParaRPr lang="en-US" altLang="ko-KR" sz="2400" dirty="0">
-              <a:latin typeface="12롯데마트드림Medium" panose="02020603020101020101" pitchFamily="18" charset="-127"/>
-              <a:ea typeface="12롯데마트드림Medium" panose="02020603020101020101" pitchFamily="18" charset="-127"/>
-            </a:endParaRPr>
-          </a:p>
-          <a:p>
-            <a:pPr latinLnBrk="1">
-              <a:lnSpc>
-                <a:spcPct val="150000"/>
-              </a:lnSpc>
-            </a:pPr>
-            <a:r>
-              <a:rPr lang="en-US" altLang="ko-KR" sz="2400" dirty="0">
-                <a:latin typeface="12롯데마트드림Medium" panose="02020603020101020101" pitchFamily="18" charset="-127"/>
-                <a:ea typeface="12롯데마트드림Medium" panose="02020603020101020101" pitchFamily="18" charset="-127"/>
-              </a:rPr>
-              <a:t>DB </a:t>
-            </a:r>
-            <a:r>
-              <a:rPr lang="ko-KR" altLang="en-US" sz="2400" dirty="0">
-                <a:latin typeface="12롯데마트드림Medium" panose="02020603020101020101" pitchFamily="18" charset="-127"/>
-                <a:ea typeface="12롯데마트드림Medium" panose="02020603020101020101" pitchFamily="18" charset="-127"/>
-              </a:rPr>
-              <a:t>설계 </a:t>
-            </a:r>
-            <a:r>
-              <a:rPr lang="en-US" altLang="ko-KR" sz="2400" dirty="0">
-                <a:latin typeface="12롯데마트드림Medium" panose="02020603020101020101" pitchFamily="18" charset="-127"/>
-                <a:ea typeface="12롯데마트드림Medium" panose="02020603020101020101" pitchFamily="18" charset="-127"/>
-              </a:rPr>
-              <a:t>– ERD</a:t>
-            </a:r>
-          </a:p>
-          <a:p>
-            <a:pPr latinLnBrk="1">
-              <a:lnSpc>
-                <a:spcPct val="150000"/>
-              </a:lnSpc>
-            </a:pPr>
-            <a:r>
-              <a:rPr lang="en-US" altLang="ko-KR" sz="2400" dirty="0">
-                <a:latin typeface="12롯데마트드림Medium" panose="02020603020101020101" pitchFamily="18" charset="-127"/>
-                <a:ea typeface="12롯데마트드림Medium" panose="02020603020101020101" pitchFamily="18" charset="-127"/>
-              </a:rPr>
-              <a:t>API </a:t>
-            </a:r>
-            <a:r>
-              <a:rPr lang="ko-KR" altLang="en-US" sz="2400" dirty="0">
-                <a:latin typeface="12롯데마트드림Medium" panose="02020603020101020101" pitchFamily="18" charset="-127"/>
-                <a:ea typeface="12롯데마트드림Medium" panose="02020603020101020101" pitchFamily="18" charset="-127"/>
-              </a:rPr>
-              <a:t>명세서</a:t>
-            </a:r>
-            <a:endParaRPr lang="en-US" altLang="ko-KR" sz="2400" dirty="0">
-              <a:latin typeface="12롯데마트드림Medium" panose="02020603020101020101" pitchFamily="18" charset="-127"/>
-              <a:ea typeface="12롯데마트드림Medium" panose="02020603020101020101" pitchFamily="18" charset="-127"/>
-            </a:endParaRPr>
+        </p:txBody>
+      </p:sp>
+      <p:pic>
+        <p:nvPicPr>
+          <p:cNvPr id="5" name="그림 4">
+            <a:extLst>
+              <a:ext uri="{FF2B5EF4-FFF2-40B4-BE49-F238E27FC236}">
+                <a16:creationId xmlns:a16="http://schemas.microsoft.com/office/drawing/2014/main" id="{1801B434-EAC6-46E4-ADCA-8CF0BEDE5AB1}"/>
+              </a:ext>
+            </a:extLst>
+          </p:cNvPr>
+          <p:cNvPicPr>
+            <a:picLocks noChangeAspect="1"/>
+          </p:cNvPicPr>
+          <p:nvPr/>
+        </p:nvPicPr>
+        <p:blipFill rotWithShape="1">
+          <a:blip r:embed="rId2"/>
+          <a:srcRect l="1151"/>
+          <a:stretch/>
+        </p:blipFill>
+        <p:spPr>
+          <a:xfrm>
+            <a:off x="1208611" y="2635567"/>
+            <a:ext cx="9774778" cy="3704069"/>
+          </a:xfrm>
+          <a:prstGeom prst="rect">
+            <a:avLst/>
+          </a:prstGeom>
+          <a:ln>
+            <a:solidFill>
+              <a:schemeClr val="bg2"/>
+            </a:solidFill>
+          </a:ln>
+        </p:spPr>
+      </p:pic>
+      <p:sp>
+        <p:nvSpPr>
+          <p:cNvPr id="3" name="직사각형 2">
+            <a:extLst>
+              <a:ext uri="{FF2B5EF4-FFF2-40B4-BE49-F238E27FC236}">
+                <a16:creationId xmlns:a16="http://schemas.microsoft.com/office/drawing/2014/main" id="{F70F8910-5EA8-42EF-B4EA-DA8C36D7F2C5}"/>
+              </a:ext>
+            </a:extLst>
+          </p:cNvPr>
+          <p:cNvSpPr/>
+          <p:nvPr/>
+        </p:nvSpPr>
+        <p:spPr>
+          <a:xfrm>
+            <a:off x="7168243" y="518364"/>
+            <a:ext cx="3020786" cy="560282"/>
+          </a:xfrm>
+          <a:prstGeom prst="rect">
+            <a:avLst/>
+          </a:prstGeom>
+        </p:spPr>
+        <p:style>
+          <a:lnRef idx="2">
+            <a:schemeClr val="accent1">
+              <a:shade val="50000"/>
+            </a:schemeClr>
+          </a:lnRef>
+          <a:fillRef idx="1">
+            <a:schemeClr val="accent1"/>
+          </a:fillRef>
+          <a:effectRef idx="0">
+            <a:schemeClr val="accent1"/>
+          </a:effectRef>
+          <a:fontRef idx="minor">
+            <a:schemeClr val="lt1"/>
+          </a:fontRef>
+        </p:style>
+        <p:txBody>
+          <a:bodyPr rtlCol="0" anchor="ctr"/>
+          <a:lstStyle/>
+          <a:p>
+            <a:pPr algn="ctr"/>
+            <a:endParaRPr lang="ko-KR" altLang="en-US"/>
+          </a:p>
+        </p:txBody>
+      </p:sp>
+      <p:sp>
+        <p:nvSpPr>
+          <p:cNvPr id="6" name="직사각형 5">
+            <a:extLst>
+              <a:ext uri="{FF2B5EF4-FFF2-40B4-BE49-F238E27FC236}">
+                <a16:creationId xmlns:a16="http://schemas.microsoft.com/office/drawing/2014/main" id="{3CA792AB-D8C8-4BCE-AC1E-542C5F36A614}"/>
+              </a:ext>
+            </a:extLst>
+          </p:cNvPr>
+          <p:cNvSpPr/>
+          <p:nvPr/>
+        </p:nvSpPr>
+        <p:spPr>
+          <a:xfrm>
+            <a:off x="4098471" y="67915"/>
+            <a:ext cx="3020786" cy="1789192"/>
+          </a:xfrm>
+          <a:prstGeom prst="rect">
+            <a:avLst/>
+          </a:prstGeom>
+        </p:spPr>
+        <p:style>
+          <a:lnRef idx="2">
+            <a:schemeClr val="accent1">
+              <a:shade val="50000"/>
+            </a:schemeClr>
+          </a:lnRef>
+          <a:fillRef idx="1">
+            <a:schemeClr val="accent1"/>
+          </a:fillRef>
+          <a:effectRef idx="0">
+            <a:schemeClr val="accent1"/>
+          </a:effectRef>
+          <a:fontRef idx="minor">
+            <a:schemeClr val="lt1"/>
+          </a:fontRef>
+        </p:style>
+        <p:txBody>
+          <a:bodyPr rtlCol="0" anchor="ctr"/>
+          <a:lstStyle/>
+          <a:p>
+            <a:pPr algn="ctr"/>
+            <a:endParaRPr lang="ko-KR" altLang="en-US"/>
           </a:p>
         </p:txBody>
       </p:sp>
     </p:spTree>
     <p:extLst>
       <p:ext uri="{BB962C8B-B14F-4D97-AF65-F5344CB8AC3E}">
-        <p14:creationId xmlns:p14="http://schemas.microsoft.com/office/powerpoint/2010/main" val="159146545"/>
+        <p14:creationId xmlns:p14="http://schemas.microsoft.com/office/powerpoint/2010/main" val="966395617"/>
       </p:ext>
     </p:extLst>
   </p:cSld>
@@ -4124,10 +4071,10 @@
       </p:grpSpPr>
       <p:sp>
         <p:nvSpPr>
-          <p:cNvPr id="2" name="직사각형 1">
-            <a:extLst>
-              <a:ext uri="{FF2B5EF4-FFF2-40B4-BE49-F238E27FC236}">
-                <a16:creationId xmlns:a16="http://schemas.microsoft.com/office/drawing/2014/main" id="{21EBCD48-354A-4826-99EC-25EE05214BD8}"/>
+          <p:cNvPr id="4" name="직사각형 3">
+            <a:extLst>
+              <a:ext uri="{FF2B5EF4-FFF2-40B4-BE49-F238E27FC236}">
+                <a16:creationId xmlns:a16="http://schemas.microsoft.com/office/drawing/2014/main" id="{37941B40-C605-45E2-B154-9ACC9D0DD8F9}"/>
               </a:ext>
             </a:extLst>
           </p:cNvPr>
@@ -4136,14 +4083,17 @@
         </p:nvSpPr>
         <p:spPr>
           <a:xfrm>
-            <a:off x="4280452" y="1364980"/>
-            <a:ext cx="3631095" cy="795130"/>
+            <a:off x="3975652" y="1885121"/>
+            <a:ext cx="4240696" cy="3087757"/>
           </a:xfrm>
           <a:prstGeom prst="rect">
             <a:avLst/>
           </a:prstGeom>
           <a:solidFill>
-            <a:schemeClr val="tx1"/>
+            <a:schemeClr val="tx1">
+              <a:lumMod val="50000"/>
+              <a:lumOff val="50000"/>
+            </a:schemeClr>
           </a:solidFill>
           <a:ln>
             <a:noFill/>
@@ -4171,1283 +4121,26 @@
           <a:p>
             <a:pPr algn="ctr"/>
             <a:r>
-              <a:rPr lang="en-US" altLang="ko-KR" sz="2400" dirty="0" err="1">
+              <a:rPr lang="en-US" altLang="ko-KR" sz="3600" dirty="0">
                 <a:latin typeface="12롯데마트드림Bold" panose="02020603020101020101" pitchFamily="18" charset="-127"/>
                 <a:ea typeface="12롯데마트드림Bold" panose="02020603020101020101" pitchFamily="18" charset="-127"/>
               </a:rPr>
-              <a:t>AirBnB</a:t>
-            </a:r>
-            <a:r>
-              <a:rPr lang="en-US" altLang="ko-KR" sz="2400" dirty="0">
+              <a:t> </a:t>
+            </a:r>
+            <a:r>
+              <a:rPr lang="ko-KR" altLang="en-US" sz="3600" dirty="0">
                 <a:latin typeface="12롯데마트드림Bold" panose="02020603020101020101" pitchFamily="18" charset="-127"/>
                 <a:ea typeface="12롯데마트드림Bold" panose="02020603020101020101" pitchFamily="18" charset="-127"/>
               </a:rPr>
-              <a:t> Project</a:t>
-            </a:r>
-            <a:endParaRPr lang="ko-KR" altLang="en-US" sz="2400" dirty="0">
-              <a:latin typeface="12롯데마트드림Bold" panose="02020603020101020101" pitchFamily="18" charset="-127"/>
-              <a:ea typeface="12롯데마트드림Bold" panose="02020603020101020101" pitchFamily="18" charset="-127"/>
-            </a:endParaRPr>
-          </a:p>
-        </p:txBody>
-      </p:sp>
-      <p:sp>
-        <p:nvSpPr>
-          <p:cNvPr id="3" name="직사각형 2">
-            <a:extLst>
-              <a:ext uri="{FF2B5EF4-FFF2-40B4-BE49-F238E27FC236}">
-                <a16:creationId xmlns:a16="http://schemas.microsoft.com/office/drawing/2014/main" id="{B8046387-B08F-455D-A990-1AA81894961F}"/>
-              </a:ext>
-            </a:extLst>
-          </p:cNvPr>
-          <p:cNvSpPr/>
-          <p:nvPr/>
-        </p:nvSpPr>
-        <p:spPr>
-          <a:xfrm>
-            <a:off x="3491948" y="3170587"/>
-            <a:ext cx="2100469" cy="457199"/>
-          </a:xfrm>
-          <a:prstGeom prst="rect">
-            <a:avLst/>
-          </a:prstGeom>
-          <a:solidFill>
-            <a:schemeClr val="tx1"/>
-          </a:solidFill>
-          <a:ln>
-            <a:noFill/>
-          </a:ln>
-        </p:spPr>
-        <p:style>
-          <a:lnRef idx="2">
-            <a:schemeClr val="accent1">
-              <a:shade val="50000"/>
-            </a:schemeClr>
-          </a:lnRef>
-          <a:fillRef idx="1">
-            <a:schemeClr val="accent1"/>
-          </a:fillRef>
-          <a:effectRef idx="0">
-            <a:schemeClr val="accent1"/>
-          </a:effectRef>
-          <a:fontRef idx="minor">
-            <a:schemeClr val="lt1"/>
-          </a:fontRef>
-        </p:style>
-        <p:txBody>
-          <a:bodyPr rtlCol="0" anchor="ctr"/>
-          <a:lstStyle/>
-          <a:p>
-            <a:pPr algn="ctr"/>
-            <a:r>
-              <a:rPr lang="ko-KR" altLang="en-US" sz="2000" dirty="0">
-                <a:latin typeface="12롯데마트드림Bold" panose="02020603020101020101" pitchFamily="18" charset="-127"/>
-                <a:ea typeface="12롯데마트드림Bold" panose="02020603020101020101" pitchFamily="18" charset="-127"/>
-              </a:rPr>
-              <a:t>숙소 조회</a:t>
-            </a:r>
-          </a:p>
-        </p:txBody>
-      </p:sp>
-      <p:sp>
-        <p:nvSpPr>
-          <p:cNvPr id="4" name="직사각형 3">
-            <a:extLst>
-              <a:ext uri="{FF2B5EF4-FFF2-40B4-BE49-F238E27FC236}">
-                <a16:creationId xmlns:a16="http://schemas.microsoft.com/office/drawing/2014/main" id="{79CD471E-1345-4F3A-8BCC-FEEDDC76C92E}"/>
-              </a:ext>
-            </a:extLst>
-          </p:cNvPr>
-          <p:cNvSpPr/>
-          <p:nvPr/>
-        </p:nvSpPr>
-        <p:spPr>
-          <a:xfrm>
-            <a:off x="6447182" y="3170587"/>
-            <a:ext cx="2100469" cy="457199"/>
-          </a:xfrm>
-          <a:prstGeom prst="rect">
-            <a:avLst/>
-          </a:prstGeom>
-          <a:solidFill>
-            <a:schemeClr val="tx1"/>
-          </a:solidFill>
-          <a:ln>
-            <a:noFill/>
-          </a:ln>
-        </p:spPr>
-        <p:style>
-          <a:lnRef idx="2">
-            <a:schemeClr val="accent1">
-              <a:shade val="50000"/>
-            </a:schemeClr>
-          </a:lnRef>
-          <a:fillRef idx="1">
-            <a:schemeClr val="accent1"/>
-          </a:fillRef>
-          <a:effectRef idx="0">
-            <a:schemeClr val="accent1"/>
-          </a:effectRef>
-          <a:fontRef idx="minor">
-            <a:schemeClr val="lt1"/>
-          </a:fontRef>
-        </p:style>
-        <p:txBody>
-          <a:bodyPr rtlCol="0" anchor="ctr"/>
-          <a:lstStyle/>
-          <a:p>
-            <a:pPr algn="ctr"/>
-            <a:r>
-              <a:rPr lang="ko-KR" altLang="en-US" sz="2000">
-                <a:latin typeface="12롯데마트드림Bold" panose="02020603020101020101" pitchFamily="18" charset="-127"/>
-                <a:ea typeface="12롯데마트드림Bold" panose="02020603020101020101" pitchFamily="18" charset="-127"/>
-              </a:rPr>
-              <a:t>상세 페이지</a:t>
-            </a:r>
-            <a:endParaRPr lang="ko-KR" altLang="en-US" sz="2000" dirty="0">
-              <a:latin typeface="12롯데마트드림Bold" panose="02020603020101020101" pitchFamily="18" charset="-127"/>
-              <a:ea typeface="12롯데마트드림Bold" panose="02020603020101020101" pitchFamily="18" charset="-127"/>
-            </a:endParaRPr>
-          </a:p>
-        </p:txBody>
-      </p:sp>
-      <p:sp>
-        <p:nvSpPr>
-          <p:cNvPr id="5" name="직사각형 4">
-            <a:extLst>
-              <a:ext uri="{FF2B5EF4-FFF2-40B4-BE49-F238E27FC236}">
-                <a16:creationId xmlns:a16="http://schemas.microsoft.com/office/drawing/2014/main" id="{4E5BE2E4-E464-44F3-B521-8F71F0DD3953}"/>
-              </a:ext>
-            </a:extLst>
-          </p:cNvPr>
-          <p:cNvSpPr/>
-          <p:nvPr/>
-        </p:nvSpPr>
-        <p:spPr>
-          <a:xfrm>
-            <a:off x="536714" y="3187153"/>
-            <a:ext cx="2100469" cy="457199"/>
-          </a:xfrm>
-          <a:prstGeom prst="rect">
-            <a:avLst/>
-          </a:prstGeom>
-          <a:solidFill>
-            <a:schemeClr val="tx1"/>
-          </a:solidFill>
-          <a:ln>
-            <a:noFill/>
-          </a:ln>
-        </p:spPr>
-        <p:style>
-          <a:lnRef idx="2">
-            <a:schemeClr val="accent1">
-              <a:shade val="50000"/>
-            </a:schemeClr>
-          </a:lnRef>
-          <a:fillRef idx="1">
-            <a:schemeClr val="accent1"/>
-          </a:fillRef>
-          <a:effectRef idx="0">
-            <a:schemeClr val="accent1"/>
-          </a:effectRef>
-          <a:fontRef idx="minor">
-            <a:schemeClr val="lt1"/>
-          </a:fontRef>
-        </p:style>
-        <p:txBody>
-          <a:bodyPr rtlCol="0" anchor="ctr"/>
-          <a:lstStyle/>
-          <a:p>
-            <a:pPr algn="ctr"/>
-            <a:r>
-              <a:rPr lang="ko-KR" altLang="en-US" sz="2000">
-                <a:latin typeface="12롯데마트드림Bold" panose="02020603020101020101" pitchFamily="18" charset="-127"/>
-                <a:ea typeface="12롯데마트드림Bold" panose="02020603020101020101" pitchFamily="18" charset="-127"/>
-              </a:rPr>
-              <a:t>메인 페이지</a:t>
-            </a:r>
-            <a:endParaRPr lang="ko-KR" altLang="en-US" sz="2000" dirty="0">
-              <a:latin typeface="12롯데마트드림Bold" panose="02020603020101020101" pitchFamily="18" charset="-127"/>
-              <a:ea typeface="12롯데마트드림Bold" panose="02020603020101020101" pitchFamily="18" charset="-127"/>
-            </a:endParaRPr>
-          </a:p>
-        </p:txBody>
-      </p:sp>
-      <p:sp>
-        <p:nvSpPr>
-          <p:cNvPr id="6" name="직사각형 5">
-            <a:extLst>
-              <a:ext uri="{FF2B5EF4-FFF2-40B4-BE49-F238E27FC236}">
-                <a16:creationId xmlns:a16="http://schemas.microsoft.com/office/drawing/2014/main" id="{88518AF3-7EDF-4513-AD4F-2EC05A7AA5D5}"/>
-              </a:ext>
-            </a:extLst>
-          </p:cNvPr>
-          <p:cNvSpPr/>
-          <p:nvPr/>
-        </p:nvSpPr>
-        <p:spPr>
-          <a:xfrm>
-            <a:off x="9402416" y="3170586"/>
-            <a:ext cx="2100469" cy="457199"/>
-          </a:xfrm>
-          <a:prstGeom prst="rect">
-            <a:avLst/>
-          </a:prstGeom>
-          <a:solidFill>
-            <a:schemeClr val="tx1"/>
-          </a:solidFill>
-          <a:ln>
-            <a:noFill/>
-          </a:ln>
-        </p:spPr>
-        <p:style>
-          <a:lnRef idx="2">
-            <a:schemeClr val="accent1">
-              <a:shade val="50000"/>
-            </a:schemeClr>
-          </a:lnRef>
-          <a:fillRef idx="1">
-            <a:schemeClr val="accent1"/>
-          </a:fillRef>
-          <a:effectRef idx="0">
-            <a:schemeClr val="accent1"/>
-          </a:effectRef>
-          <a:fontRef idx="minor">
-            <a:schemeClr val="lt1"/>
-          </a:fontRef>
-        </p:style>
-        <p:txBody>
-          <a:bodyPr rtlCol="0" anchor="ctr"/>
-          <a:lstStyle/>
-          <a:p>
-            <a:pPr algn="ctr"/>
-            <a:r>
-              <a:rPr lang="ko-KR" altLang="en-US" sz="2000" dirty="0">
-                <a:latin typeface="12롯데마트드림Bold" panose="02020603020101020101" pitchFamily="18" charset="-127"/>
-                <a:ea typeface="12롯데마트드림Bold" panose="02020603020101020101" pitchFamily="18" charset="-127"/>
-              </a:rPr>
-              <a:t>커뮤니티</a:t>
-            </a:r>
-          </a:p>
-        </p:txBody>
-      </p:sp>
-      <p:sp>
-        <p:nvSpPr>
-          <p:cNvPr id="7" name="직사각형 6">
-            <a:extLst>
-              <a:ext uri="{FF2B5EF4-FFF2-40B4-BE49-F238E27FC236}">
-                <a16:creationId xmlns:a16="http://schemas.microsoft.com/office/drawing/2014/main" id="{F0D4236E-20EE-4CCA-B14B-C400A798AAB3}"/>
-              </a:ext>
-            </a:extLst>
-          </p:cNvPr>
-          <p:cNvSpPr/>
-          <p:nvPr/>
-        </p:nvSpPr>
-        <p:spPr>
-          <a:xfrm>
-            <a:off x="536713" y="3902771"/>
-            <a:ext cx="2100469" cy="457199"/>
-          </a:xfrm>
-          <a:prstGeom prst="rect">
-            <a:avLst/>
-          </a:prstGeom>
-          <a:noFill/>
-          <a:ln w="28575">
-            <a:solidFill>
-              <a:schemeClr val="bg2">
-                <a:lumMod val="90000"/>
-              </a:schemeClr>
-            </a:solidFill>
-          </a:ln>
-        </p:spPr>
-        <p:style>
-          <a:lnRef idx="2">
-            <a:schemeClr val="accent1">
-              <a:shade val="50000"/>
-            </a:schemeClr>
-          </a:lnRef>
-          <a:fillRef idx="1">
-            <a:schemeClr val="accent1"/>
-          </a:fillRef>
-          <a:effectRef idx="0">
-            <a:schemeClr val="accent1"/>
-          </a:effectRef>
-          <a:fontRef idx="minor">
-            <a:schemeClr val="lt1"/>
-          </a:fontRef>
-        </p:style>
-        <p:txBody>
-          <a:bodyPr rtlCol="0" anchor="ctr"/>
-          <a:lstStyle/>
-          <a:p>
-            <a:pPr algn="ctr"/>
-            <a:r>
-              <a:rPr lang="ko-KR" altLang="en-US" sz="2000">
-                <a:solidFill>
-                  <a:schemeClr val="tx1"/>
-                </a:solidFill>
-                <a:latin typeface="12롯데마트드림Medium" panose="02020603020101020101" pitchFamily="18" charset="-127"/>
-                <a:ea typeface="12롯데마트드림Medium" panose="02020603020101020101" pitchFamily="18" charset="-127"/>
-              </a:rPr>
-              <a:t>위치 별 목록</a:t>
-            </a:r>
-            <a:endParaRPr lang="ko-KR" altLang="en-US" sz="2000" dirty="0">
-              <a:solidFill>
-                <a:schemeClr val="tx1"/>
-              </a:solidFill>
-              <a:latin typeface="12롯데마트드림Medium" panose="02020603020101020101" pitchFamily="18" charset="-127"/>
-              <a:ea typeface="12롯데마트드림Medium" panose="02020603020101020101" pitchFamily="18" charset="-127"/>
-            </a:endParaRPr>
-          </a:p>
-        </p:txBody>
-      </p:sp>
-      <p:sp>
-        <p:nvSpPr>
-          <p:cNvPr id="8" name="직사각형 7">
-            <a:extLst>
-              <a:ext uri="{FF2B5EF4-FFF2-40B4-BE49-F238E27FC236}">
-                <a16:creationId xmlns:a16="http://schemas.microsoft.com/office/drawing/2014/main" id="{CE73797B-9B49-48CA-B57F-57DBFCA8374D}"/>
-              </a:ext>
-            </a:extLst>
-          </p:cNvPr>
-          <p:cNvSpPr/>
-          <p:nvPr/>
-        </p:nvSpPr>
-        <p:spPr>
-          <a:xfrm>
-            <a:off x="536713" y="4518997"/>
-            <a:ext cx="2100469" cy="457199"/>
-          </a:xfrm>
-          <a:prstGeom prst="rect">
-            <a:avLst/>
-          </a:prstGeom>
-          <a:noFill/>
-          <a:ln w="28575">
-            <a:solidFill>
-              <a:schemeClr val="bg2">
-                <a:lumMod val="90000"/>
-              </a:schemeClr>
-            </a:solidFill>
-          </a:ln>
-        </p:spPr>
-        <p:style>
-          <a:lnRef idx="2">
-            <a:schemeClr val="accent1">
-              <a:shade val="50000"/>
-            </a:schemeClr>
-          </a:lnRef>
-          <a:fillRef idx="1">
-            <a:schemeClr val="accent1"/>
-          </a:fillRef>
-          <a:effectRef idx="0">
-            <a:schemeClr val="accent1"/>
-          </a:effectRef>
-          <a:fontRef idx="minor">
-            <a:schemeClr val="lt1"/>
-          </a:fontRef>
-        </p:style>
-        <p:txBody>
-          <a:bodyPr rtlCol="0" anchor="ctr"/>
-          <a:lstStyle/>
-          <a:p>
-            <a:pPr algn="ctr"/>
-            <a:r>
-              <a:rPr lang="ko-KR" altLang="en-US" sz="2000" dirty="0" err="1">
-                <a:solidFill>
-                  <a:schemeClr val="tx1"/>
-                </a:solidFill>
-                <a:latin typeface="12롯데마트드림Medium" panose="02020603020101020101" pitchFamily="18" charset="-127"/>
-                <a:ea typeface="12롯데마트드림Medium" panose="02020603020101020101" pitchFamily="18" charset="-127"/>
-              </a:rPr>
-              <a:t>검색창</a:t>
-            </a:r>
-            <a:endParaRPr lang="ko-KR" altLang="en-US" sz="2000" dirty="0">
-              <a:solidFill>
-                <a:schemeClr val="tx1"/>
-              </a:solidFill>
-              <a:latin typeface="12롯데마트드림Medium" panose="02020603020101020101" pitchFamily="18" charset="-127"/>
-              <a:ea typeface="12롯데마트드림Medium" panose="02020603020101020101" pitchFamily="18" charset="-127"/>
-            </a:endParaRPr>
-          </a:p>
-        </p:txBody>
-      </p:sp>
-      <p:sp>
-        <p:nvSpPr>
-          <p:cNvPr id="9" name="직사각형 8">
-            <a:extLst>
-              <a:ext uri="{FF2B5EF4-FFF2-40B4-BE49-F238E27FC236}">
-                <a16:creationId xmlns:a16="http://schemas.microsoft.com/office/drawing/2014/main" id="{79268EAB-C946-47E9-94AA-5A68B0875D32}"/>
-              </a:ext>
-            </a:extLst>
-          </p:cNvPr>
-          <p:cNvSpPr/>
-          <p:nvPr/>
-        </p:nvSpPr>
-        <p:spPr>
-          <a:xfrm>
-            <a:off x="3491948" y="3902771"/>
-            <a:ext cx="2100469" cy="457199"/>
-          </a:xfrm>
-          <a:prstGeom prst="rect">
-            <a:avLst/>
-          </a:prstGeom>
-          <a:noFill/>
-          <a:ln w="28575">
-            <a:solidFill>
-              <a:schemeClr val="bg2">
-                <a:lumMod val="90000"/>
-              </a:schemeClr>
-            </a:solidFill>
-          </a:ln>
-        </p:spPr>
-        <p:style>
-          <a:lnRef idx="2">
-            <a:schemeClr val="accent1">
-              <a:shade val="50000"/>
-            </a:schemeClr>
-          </a:lnRef>
-          <a:fillRef idx="1">
-            <a:schemeClr val="accent1"/>
-          </a:fillRef>
-          <a:effectRef idx="0">
-            <a:schemeClr val="accent1"/>
-          </a:effectRef>
-          <a:fontRef idx="minor">
-            <a:schemeClr val="lt1"/>
-          </a:fontRef>
-        </p:style>
-        <p:txBody>
-          <a:bodyPr rtlCol="0" anchor="ctr"/>
-          <a:lstStyle/>
-          <a:p>
-            <a:pPr algn="ctr"/>
-            <a:r>
-              <a:rPr lang="ko-KR" altLang="en-US" sz="2000" dirty="0">
-                <a:solidFill>
-                  <a:schemeClr val="tx1"/>
-                </a:solidFill>
-                <a:latin typeface="12롯데마트드림Medium" panose="02020603020101020101" pitchFamily="18" charset="-127"/>
-                <a:ea typeface="12롯데마트드림Medium" panose="02020603020101020101" pitchFamily="18" charset="-127"/>
-              </a:rPr>
-              <a:t>숙소 리스트</a:t>
-            </a:r>
-          </a:p>
-        </p:txBody>
-      </p:sp>
-      <p:sp>
-        <p:nvSpPr>
-          <p:cNvPr id="10" name="직사각형 9">
-            <a:extLst>
-              <a:ext uri="{FF2B5EF4-FFF2-40B4-BE49-F238E27FC236}">
-                <a16:creationId xmlns:a16="http://schemas.microsoft.com/office/drawing/2014/main" id="{09AB7C64-9AE7-4206-ACF4-CF06F116864E}"/>
-              </a:ext>
-            </a:extLst>
-          </p:cNvPr>
-          <p:cNvSpPr/>
-          <p:nvPr/>
-        </p:nvSpPr>
-        <p:spPr>
-          <a:xfrm>
-            <a:off x="3491948" y="4518997"/>
-            <a:ext cx="2100469" cy="457199"/>
-          </a:xfrm>
-          <a:prstGeom prst="rect">
-            <a:avLst/>
-          </a:prstGeom>
-          <a:noFill/>
-          <a:ln w="28575">
-            <a:solidFill>
-              <a:schemeClr val="bg2">
-                <a:lumMod val="90000"/>
-              </a:schemeClr>
-            </a:solidFill>
-          </a:ln>
-        </p:spPr>
-        <p:style>
-          <a:lnRef idx="2">
-            <a:schemeClr val="accent1">
-              <a:shade val="50000"/>
-            </a:schemeClr>
-          </a:lnRef>
-          <a:fillRef idx="1">
-            <a:schemeClr val="accent1"/>
-          </a:fillRef>
-          <a:effectRef idx="0">
-            <a:schemeClr val="accent1"/>
-          </a:effectRef>
-          <a:fontRef idx="minor">
-            <a:schemeClr val="lt1"/>
-          </a:fontRef>
-        </p:style>
-        <p:txBody>
-          <a:bodyPr rtlCol="0" anchor="ctr"/>
-          <a:lstStyle/>
-          <a:p>
-            <a:pPr algn="ctr"/>
-            <a:r>
-              <a:rPr lang="ko-KR" altLang="en-US" sz="2000" dirty="0" err="1">
-                <a:solidFill>
-                  <a:schemeClr val="tx1"/>
-                </a:solidFill>
-                <a:latin typeface="12롯데마트드림Medium" panose="02020603020101020101" pitchFamily="18" charset="-127"/>
-                <a:ea typeface="12롯데마트드림Medium" panose="02020603020101020101" pitchFamily="18" charset="-127"/>
-              </a:rPr>
-              <a:t>검색창</a:t>
-            </a:r>
-            <a:endParaRPr lang="ko-KR" altLang="en-US" sz="2000" dirty="0">
-              <a:solidFill>
-                <a:schemeClr val="tx1"/>
-              </a:solidFill>
-              <a:latin typeface="12롯데마트드림Medium" panose="02020603020101020101" pitchFamily="18" charset="-127"/>
-              <a:ea typeface="12롯데마트드림Medium" panose="02020603020101020101" pitchFamily="18" charset="-127"/>
-            </a:endParaRPr>
-          </a:p>
-        </p:txBody>
-      </p:sp>
-      <p:sp>
-        <p:nvSpPr>
-          <p:cNvPr id="12" name="직사각형 11">
-            <a:extLst>
-              <a:ext uri="{FF2B5EF4-FFF2-40B4-BE49-F238E27FC236}">
-                <a16:creationId xmlns:a16="http://schemas.microsoft.com/office/drawing/2014/main" id="{04007CEE-BB7E-450A-AF67-8791CD37045C}"/>
-              </a:ext>
-            </a:extLst>
-          </p:cNvPr>
-          <p:cNvSpPr/>
-          <p:nvPr/>
-        </p:nvSpPr>
-        <p:spPr>
-          <a:xfrm>
-            <a:off x="6447182" y="3902771"/>
-            <a:ext cx="2100469" cy="457199"/>
-          </a:xfrm>
-          <a:prstGeom prst="rect">
-            <a:avLst/>
-          </a:prstGeom>
-          <a:noFill/>
-          <a:ln w="28575">
-            <a:solidFill>
-              <a:schemeClr val="bg2">
-                <a:lumMod val="90000"/>
-              </a:schemeClr>
-            </a:solidFill>
-          </a:ln>
-        </p:spPr>
-        <p:style>
-          <a:lnRef idx="2">
-            <a:schemeClr val="accent1">
-              <a:shade val="50000"/>
-            </a:schemeClr>
-          </a:lnRef>
-          <a:fillRef idx="1">
-            <a:schemeClr val="accent1"/>
-          </a:fillRef>
-          <a:effectRef idx="0">
-            <a:schemeClr val="accent1"/>
-          </a:effectRef>
-          <a:fontRef idx="minor">
-            <a:schemeClr val="lt1"/>
-          </a:fontRef>
-        </p:style>
-        <p:txBody>
-          <a:bodyPr rtlCol="0" anchor="ctr"/>
-          <a:lstStyle/>
-          <a:p>
-            <a:pPr algn="ctr"/>
-            <a:r>
-              <a:rPr lang="ko-KR" altLang="en-US" sz="2000" dirty="0">
-                <a:solidFill>
-                  <a:schemeClr val="tx1"/>
-                </a:solidFill>
-                <a:latin typeface="12롯데마트드림Medium" panose="02020603020101020101" pitchFamily="18" charset="-127"/>
-                <a:ea typeface="12롯데마트드림Medium" panose="02020603020101020101" pitchFamily="18" charset="-127"/>
-              </a:rPr>
-              <a:t>숙소 이름</a:t>
-            </a:r>
-          </a:p>
-        </p:txBody>
-      </p:sp>
-      <p:sp>
-        <p:nvSpPr>
-          <p:cNvPr id="13" name="직사각형 12">
-            <a:extLst>
-              <a:ext uri="{FF2B5EF4-FFF2-40B4-BE49-F238E27FC236}">
-                <a16:creationId xmlns:a16="http://schemas.microsoft.com/office/drawing/2014/main" id="{7E0939EF-47DC-4E1B-A677-4DED759E210B}"/>
-              </a:ext>
-            </a:extLst>
-          </p:cNvPr>
-          <p:cNvSpPr/>
-          <p:nvPr/>
-        </p:nvSpPr>
-        <p:spPr>
-          <a:xfrm>
-            <a:off x="6447182" y="4518997"/>
-            <a:ext cx="2100469" cy="457199"/>
-          </a:xfrm>
-          <a:prstGeom prst="rect">
-            <a:avLst/>
-          </a:prstGeom>
-          <a:noFill/>
-          <a:ln w="28575">
-            <a:solidFill>
-              <a:schemeClr val="bg2">
-                <a:lumMod val="90000"/>
-              </a:schemeClr>
-            </a:solidFill>
-          </a:ln>
-        </p:spPr>
-        <p:style>
-          <a:lnRef idx="2">
-            <a:schemeClr val="accent1">
-              <a:shade val="50000"/>
-            </a:schemeClr>
-          </a:lnRef>
-          <a:fillRef idx="1">
-            <a:schemeClr val="accent1"/>
-          </a:fillRef>
-          <a:effectRef idx="0">
-            <a:schemeClr val="accent1"/>
-          </a:effectRef>
-          <a:fontRef idx="minor">
-            <a:schemeClr val="lt1"/>
-          </a:fontRef>
-        </p:style>
-        <p:txBody>
-          <a:bodyPr rtlCol="0" anchor="ctr"/>
-          <a:lstStyle/>
-          <a:p>
-            <a:pPr algn="ctr"/>
-            <a:r>
-              <a:rPr lang="ko-KR" altLang="en-US" sz="2000" dirty="0">
-                <a:solidFill>
-                  <a:schemeClr val="tx1"/>
-                </a:solidFill>
-                <a:latin typeface="12롯데마트드림Medium" panose="02020603020101020101" pitchFamily="18" charset="-127"/>
-                <a:ea typeface="12롯데마트드림Medium" panose="02020603020101020101" pitchFamily="18" charset="-127"/>
-              </a:rPr>
-              <a:t>숙소 평점</a:t>
-            </a:r>
-          </a:p>
-        </p:txBody>
-      </p:sp>
-      <p:sp>
-        <p:nvSpPr>
-          <p:cNvPr id="14" name="직사각형 13">
-            <a:extLst>
-              <a:ext uri="{FF2B5EF4-FFF2-40B4-BE49-F238E27FC236}">
-                <a16:creationId xmlns:a16="http://schemas.microsoft.com/office/drawing/2014/main" id="{A2DD615F-BBE7-43B7-8BAC-A955F88CCC63}"/>
-              </a:ext>
-            </a:extLst>
-          </p:cNvPr>
-          <p:cNvSpPr/>
-          <p:nvPr/>
-        </p:nvSpPr>
-        <p:spPr>
-          <a:xfrm>
-            <a:off x="6447182" y="5135223"/>
-            <a:ext cx="2100469" cy="457199"/>
-          </a:xfrm>
-          <a:prstGeom prst="rect">
-            <a:avLst/>
-          </a:prstGeom>
-          <a:noFill/>
-          <a:ln w="28575">
-            <a:solidFill>
-              <a:schemeClr val="bg2">
-                <a:lumMod val="90000"/>
-              </a:schemeClr>
-            </a:solidFill>
-          </a:ln>
-        </p:spPr>
-        <p:style>
-          <a:lnRef idx="2">
-            <a:schemeClr val="accent1">
-              <a:shade val="50000"/>
-            </a:schemeClr>
-          </a:lnRef>
-          <a:fillRef idx="1">
-            <a:schemeClr val="accent1"/>
-          </a:fillRef>
-          <a:effectRef idx="0">
-            <a:schemeClr val="accent1"/>
-          </a:effectRef>
-          <a:fontRef idx="minor">
-            <a:schemeClr val="lt1"/>
-          </a:fontRef>
-        </p:style>
-        <p:txBody>
-          <a:bodyPr rtlCol="0" anchor="ctr"/>
-          <a:lstStyle/>
-          <a:p>
-            <a:pPr algn="ctr"/>
-            <a:r>
-              <a:rPr lang="ko-KR" altLang="en-US" sz="2000" dirty="0">
-                <a:solidFill>
-                  <a:schemeClr val="tx1"/>
-                </a:solidFill>
-                <a:latin typeface="12롯데마트드림Medium" panose="02020603020101020101" pitchFamily="18" charset="-127"/>
-                <a:ea typeface="12롯데마트드림Medium" panose="02020603020101020101" pitchFamily="18" charset="-127"/>
-              </a:rPr>
-              <a:t>숙소 리뷰</a:t>
-            </a:r>
-          </a:p>
-        </p:txBody>
-      </p:sp>
-      <p:sp>
-        <p:nvSpPr>
-          <p:cNvPr id="15" name="직사각형 14">
-            <a:extLst>
-              <a:ext uri="{FF2B5EF4-FFF2-40B4-BE49-F238E27FC236}">
-                <a16:creationId xmlns:a16="http://schemas.microsoft.com/office/drawing/2014/main" id="{E39B3643-62FA-4F07-8CD4-01010D12684A}"/>
-              </a:ext>
-            </a:extLst>
-          </p:cNvPr>
-          <p:cNvSpPr/>
-          <p:nvPr/>
-        </p:nvSpPr>
-        <p:spPr>
-          <a:xfrm>
-            <a:off x="9462050" y="3902771"/>
-            <a:ext cx="2014331" cy="417444"/>
-          </a:xfrm>
-          <a:prstGeom prst="rect">
-            <a:avLst/>
-          </a:prstGeom>
-          <a:noFill/>
-          <a:ln w="28575">
-            <a:solidFill>
-              <a:schemeClr val="bg2">
-                <a:lumMod val="90000"/>
-              </a:schemeClr>
-            </a:solidFill>
-          </a:ln>
-        </p:spPr>
-        <p:style>
-          <a:lnRef idx="2">
-            <a:schemeClr val="accent1">
-              <a:shade val="50000"/>
-            </a:schemeClr>
-          </a:lnRef>
-          <a:fillRef idx="1">
-            <a:schemeClr val="accent1"/>
-          </a:fillRef>
-          <a:effectRef idx="0">
-            <a:schemeClr val="accent1"/>
-          </a:effectRef>
-          <a:fontRef idx="minor">
-            <a:schemeClr val="lt1"/>
-          </a:fontRef>
-        </p:style>
-        <p:txBody>
-          <a:bodyPr rtlCol="0" anchor="ctr"/>
-          <a:lstStyle/>
-          <a:p>
-            <a:pPr algn="ctr"/>
-            <a:r>
-              <a:rPr lang="ko-KR" altLang="en-US" sz="2000" dirty="0">
-                <a:solidFill>
-                  <a:schemeClr val="tx1"/>
-                </a:solidFill>
-                <a:latin typeface="12롯데마트드림Medium" panose="02020603020101020101" pitchFamily="18" charset="-127"/>
-                <a:ea typeface="12롯데마트드림Medium" panose="02020603020101020101" pitchFamily="18" charset="-127"/>
-              </a:rPr>
-              <a:t>게시글 목록</a:t>
-            </a:r>
-          </a:p>
-        </p:txBody>
-      </p:sp>
-      <p:sp>
-        <p:nvSpPr>
-          <p:cNvPr id="16" name="직사각형 15">
-            <a:extLst>
-              <a:ext uri="{FF2B5EF4-FFF2-40B4-BE49-F238E27FC236}">
-                <a16:creationId xmlns:a16="http://schemas.microsoft.com/office/drawing/2014/main" id="{81F027D9-EBBD-4CDE-A5EA-5DBF2E2EDD33}"/>
-              </a:ext>
-            </a:extLst>
-          </p:cNvPr>
-          <p:cNvSpPr/>
-          <p:nvPr/>
-        </p:nvSpPr>
-        <p:spPr>
-          <a:xfrm>
-            <a:off x="9462050" y="4518997"/>
-            <a:ext cx="2014331" cy="417444"/>
-          </a:xfrm>
-          <a:prstGeom prst="rect">
-            <a:avLst/>
-          </a:prstGeom>
-          <a:noFill/>
-          <a:ln w="28575">
-            <a:solidFill>
-              <a:schemeClr val="bg2">
-                <a:lumMod val="90000"/>
-              </a:schemeClr>
-            </a:solidFill>
-          </a:ln>
-        </p:spPr>
-        <p:style>
-          <a:lnRef idx="2">
-            <a:schemeClr val="accent1">
-              <a:shade val="50000"/>
-            </a:schemeClr>
-          </a:lnRef>
-          <a:fillRef idx="1">
-            <a:schemeClr val="accent1"/>
-          </a:fillRef>
-          <a:effectRef idx="0">
-            <a:schemeClr val="accent1"/>
-          </a:effectRef>
-          <a:fontRef idx="minor">
-            <a:schemeClr val="lt1"/>
-          </a:fontRef>
-        </p:style>
-        <p:txBody>
-          <a:bodyPr rtlCol="0" anchor="ctr"/>
-          <a:lstStyle/>
-          <a:p>
-            <a:pPr algn="ctr"/>
-            <a:r>
-              <a:rPr lang="ko-KR" altLang="en-US" sz="2000" dirty="0">
-                <a:solidFill>
-                  <a:schemeClr val="tx1"/>
-                </a:solidFill>
-                <a:latin typeface="12롯데마트드림Medium" panose="02020603020101020101" pitchFamily="18" charset="-127"/>
-                <a:ea typeface="12롯데마트드림Medium" panose="02020603020101020101" pitchFamily="18" charset="-127"/>
-              </a:rPr>
-              <a:t>게시글 작성</a:t>
-            </a:r>
-          </a:p>
-        </p:txBody>
-      </p:sp>
-      <p:sp>
-        <p:nvSpPr>
-          <p:cNvPr id="17" name="직사각형 16">
-            <a:extLst>
-              <a:ext uri="{FF2B5EF4-FFF2-40B4-BE49-F238E27FC236}">
-                <a16:creationId xmlns:a16="http://schemas.microsoft.com/office/drawing/2014/main" id="{FF07E225-C415-4171-AD80-43F477E95176}"/>
-              </a:ext>
-            </a:extLst>
-          </p:cNvPr>
-          <p:cNvSpPr/>
-          <p:nvPr/>
-        </p:nvSpPr>
-        <p:spPr>
-          <a:xfrm>
-            <a:off x="9462050" y="5135223"/>
-            <a:ext cx="2014331" cy="417444"/>
-          </a:xfrm>
-          <a:prstGeom prst="rect">
-            <a:avLst/>
-          </a:prstGeom>
-          <a:noFill/>
-          <a:ln w="28575">
-            <a:solidFill>
-              <a:schemeClr val="bg2">
-                <a:lumMod val="90000"/>
-              </a:schemeClr>
-            </a:solidFill>
-          </a:ln>
-        </p:spPr>
-        <p:style>
-          <a:lnRef idx="2">
-            <a:schemeClr val="accent1">
-              <a:shade val="50000"/>
-            </a:schemeClr>
-          </a:lnRef>
-          <a:fillRef idx="1">
-            <a:schemeClr val="accent1"/>
-          </a:fillRef>
-          <a:effectRef idx="0">
-            <a:schemeClr val="accent1"/>
-          </a:effectRef>
-          <a:fontRef idx="minor">
-            <a:schemeClr val="lt1"/>
-          </a:fontRef>
-        </p:style>
-        <p:txBody>
-          <a:bodyPr rtlCol="0" anchor="ctr"/>
-          <a:lstStyle/>
-          <a:p>
-            <a:pPr algn="ctr"/>
-            <a:r>
-              <a:rPr lang="ko-KR" altLang="en-US" sz="2000" dirty="0">
-                <a:solidFill>
-                  <a:schemeClr val="tx1"/>
-                </a:solidFill>
-                <a:latin typeface="12롯데마트드림Medium" panose="02020603020101020101" pitchFamily="18" charset="-127"/>
-                <a:ea typeface="12롯데마트드림Medium" panose="02020603020101020101" pitchFamily="18" charset="-127"/>
-              </a:rPr>
-              <a:t>댓글</a:t>
-            </a:r>
-          </a:p>
-        </p:txBody>
-      </p:sp>
-      <p:sp>
-        <p:nvSpPr>
-          <p:cNvPr id="20" name="직사각형 19">
-            <a:extLst>
-              <a:ext uri="{FF2B5EF4-FFF2-40B4-BE49-F238E27FC236}">
-                <a16:creationId xmlns:a16="http://schemas.microsoft.com/office/drawing/2014/main" id="{E246554F-034A-4F34-9DA2-34CAEDA4843B}"/>
-              </a:ext>
-            </a:extLst>
-          </p:cNvPr>
-          <p:cNvSpPr/>
-          <p:nvPr/>
-        </p:nvSpPr>
-        <p:spPr>
-          <a:xfrm>
-            <a:off x="3491948" y="5135223"/>
-            <a:ext cx="2100469" cy="457199"/>
-          </a:xfrm>
-          <a:prstGeom prst="rect">
-            <a:avLst/>
-          </a:prstGeom>
-          <a:noFill/>
-          <a:ln w="28575">
-            <a:solidFill>
-              <a:schemeClr val="bg2">
-                <a:lumMod val="90000"/>
-              </a:schemeClr>
-            </a:solidFill>
-          </a:ln>
-        </p:spPr>
-        <p:style>
-          <a:lnRef idx="2">
-            <a:schemeClr val="accent1">
-              <a:shade val="50000"/>
-            </a:schemeClr>
-          </a:lnRef>
-          <a:fillRef idx="1">
-            <a:schemeClr val="accent1"/>
-          </a:fillRef>
-          <a:effectRef idx="0">
-            <a:schemeClr val="accent1"/>
-          </a:effectRef>
-          <a:fontRef idx="minor">
-            <a:schemeClr val="lt1"/>
-          </a:fontRef>
-        </p:style>
-        <p:txBody>
-          <a:bodyPr rtlCol="0" anchor="ctr"/>
-          <a:lstStyle/>
-          <a:p>
-            <a:pPr algn="ctr"/>
-            <a:r>
-              <a:rPr lang="ko-KR" altLang="en-US" sz="2000" dirty="0">
-                <a:solidFill>
-                  <a:schemeClr val="tx1"/>
-                </a:solidFill>
-                <a:latin typeface="12롯데마트드림Medium" panose="02020603020101020101" pitchFamily="18" charset="-127"/>
-                <a:ea typeface="12롯데마트드림Medium" panose="02020603020101020101" pitchFamily="18" charset="-127"/>
-              </a:rPr>
-              <a:t>지도</a:t>
-            </a:r>
-          </a:p>
-        </p:txBody>
-      </p:sp>
-      <p:sp>
-        <p:nvSpPr>
-          <p:cNvPr id="21" name="직사각형 20">
-            <a:extLst>
-              <a:ext uri="{FF2B5EF4-FFF2-40B4-BE49-F238E27FC236}">
-                <a16:creationId xmlns:a16="http://schemas.microsoft.com/office/drawing/2014/main" id="{819184B7-20DF-4016-96BC-05A38DC2159A}"/>
-              </a:ext>
-            </a:extLst>
-          </p:cNvPr>
-          <p:cNvSpPr/>
-          <p:nvPr/>
-        </p:nvSpPr>
-        <p:spPr>
-          <a:xfrm>
-            <a:off x="9462050" y="5751450"/>
-            <a:ext cx="2014331" cy="417444"/>
-          </a:xfrm>
-          <a:prstGeom prst="rect">
-            <a:avLst/>
-          </a:prstGeom>
-          <a:noFill/>
-          <a:ln w="28575">
-            <a:solidFill>
-              <a:schemeClr val="bg2">
-                <a:lumMod val="90000"/>
-              </a:schemeClr>
-            </a:solidFill>
-          </a:ln>
-        </p:spPr>
-        <p:style>
-          <a:lnRef idx="2">
-            <a:schemeClr val="accent1">
-              <a:shade val="50000"/>
-            </a:schemeClr>
-          </a:lnRef>
-          <a:fillRef idx="1">
-            <a:schemeClr val="accent1"/>
-          </a:fillRef>
-          <a:effectRef idx="0">
-            <a:schemeClr val="accent1"/>
-          </a:effectRef>
-          <a:fontRef idx="minor">
-            <a:schemeClr val="lt1"/>
-          </a:fontRef>
-        </p:style>
-        <p:txBody>
-          <a:bodyPr rtlCol="0" anchor="ctr"/>
-          <a:lstStyle/>
-          <a:p>
-            <a:pPr algn="ctr"/>
-            <a:r>
-              <a:rPr lang="ko-KR" altLang="en-US" sz="2000" dirty="0">
-                <a:solidFill>
-                  <a:schemeClr val="tx1"/>
-                </a:solidFill>
-                <a:latin typeface="12롯데마트드림Medium" panose="02020603020101020101" pitchFamily="18" charset="-127"/>
-                <a:ea typeface="12롯데마트드림Medium" panose="02020603020101020101" pitchFamily="18" charset="-127"/>
-              </a:rPr>
-              <a:t>로그인</a:t>
-            </a:r>
-          </a:p>
-        </p:txBody>
-      </p:sp>
-      <p:cxnSp>
-        <p:nvCxnSpPr>
-          <p:cNvPr id="23" name="연결선: 꺾임 22">
-            <a:extLst>
-              <a:ext uri="{FF2B5EF4-FFF2-40B4-BE49-F238E27FC236}">
-                <a16:creationId xmlns:a16="http://schemas.microsoft.com/office/drawing/2014/main" id="{C5DDEC54-3C47-486E-9FBD-13EACD44B0FB}"/>
-              </a:ext>
-            </a:extLst>
-          </p:cNvPr>
-          <p:cNvCxnSpPr>
-            <a:stCxn id="2" idx="2"/>
-            <a:endCxn id="5" idx="0"/>
-          </p:cNvCxnSpPr>
-          <p:nvPr/>
-        </p:nvCxnSpPr>
-        <p:spPr>
-          <a:xfrm rot="5400000">
-            <a:off x="3327954" y="419106"/>
-            <a:ext cx="1027043" cy="4509051"/>
-          </a:xfrm>
-          <a:prstGeom prst="bentConnector3">
-            <a:avLst/>
-          </a:prstGeom>
-          <a:ln>
-            <a:solidFill>
-              <a:schemeClr val="tx1">
-                <a:lumMod val="50000"/>
-                <a:lumOff val="50000"/>
-              </a:schemeClr>
-            </a:solidFill>
-          </a:ln>
-        </p:spPr>
-        <p:style>
-          <a:lnRef idx="1">
-            <a:schemeClr val="accent1"/>
-          </a:lnRef>
-          <a:fillRef idx="0">
-            <a:schemeClr val="accent1"/>
-          </a:fillRef>
-          <a:effectRef idx="0">
-            <a:schemeClr val="accent1"/>
-          </a:effectRef>
-          <a:fontRef idx="minor">
-            <a:schemeClr val="tx1"/>
-          </a:fontRef>
-        </p:style>
-      </p:cxnSp>
-      <p:cxnSp>
-        <p:nvCxnSpPr>
-          <p:cNvPr id="25" name="연결선: 꺾임 24">
-            <a:extLst>
-              <a:ext uri="{FF2B5EF4-FFF2-40B4-BE49-F238E27FC236}">
-                <a16:creationId xmlns:a16="http://schemas.microsoft.com/office/drawing/2014/main" id="{97DD3384-A73A-4B2A-B445-94CE27CB5919}"/>
-              </a:ext>
-            </a:extLst>
-          </p:cNvPr>
-          <p:cNvCxnSpPr>
-            <a:cxnSpLocks/>
-            <a:stCxn id="2" idx="2"/>
-            <a:endCxn id="6" idx="0"/>
-          </p:cNvCxnSpPr>
-          <p:nvPr/>
-        </p:nvCxnSpPr>
-        <p:spPr>
-          <a:xfrm rot="16200000" flipH="1">
-            <a:off x="7769087" y="487022"/>
-            <a:ext cx="1010476" cy="4356651"/>
-          </a:xfrm>
-          <a:prstGeom prst="bentConnector3">
-            <a:avLst/>
-          </a:prstGeom>
-          <a:ln>
-            <a:solidFill>
-              <a:schemeClr val="tx1">
-                <a:lumMod val="50000"/>
-                <a:lumOff val="50000"/>
-              </a:schemeClr>
-            </a:solidFill>
-          </a:ln>
-        </p:spPr>
-        <p:style>
-          <a:lnRef idx="1">
-            <a:schemeClr val="accent1"/>
-          </a:lnRef>
-          <a:fillRef idx="0">
-            <a:schemeClr val="accent1"/>
-          </a:fillRef>
-          <a:effectRef idx="0">
-            <a:schemeClr val="accent1"/>
-          </a:effectRef>
-          <a:fontRef idx="minor">
-            <a:schemeClr val="tx1"/>
-          </a:fontRef>
-        </p:style>
-      </p:cxnSp>
-      <p:cxnSp>
-        <p:nvCxnSpPr>
-          <p:cNvPr id="28" name="연결선: 꺾임 27">
-            <a:extLst>
-              <a:ext uri="{FF2B5EF4-FFF2-40B4-BE49-F238E27FC236}">
-                <a16:creationId xmlns:a16="http://schemas.microsoft.com/office/drawing/2014/main" id="{49741513-6CC8-48A7-9A8F-BD0DA75E2BF9}"/>
-              </a:ext>
-            </a:extLst>
-          </p:cNvPr>
-          <p:cNvCxnSpPr>
-            <a:stCxn id="2" idx="2"/>
-            <a:endCxn id="3" idx="0"/>
-          </p:cNvCxnSpPr>
-          <p:nvPr/>
-        </p:nvCxnSpPr>
-        <p:spPr>
-          <a:xfrm rot="5400000">
-            <a:off x="4813854" y="1888440"/>
-            <a:ext cx="1010477" cy="1553817"/>
-          </a:xfrm>
-          <a:prstGeom prst="bentConnector3">
-            <a:avLst/>
-          </a:prstGeom>
-          <a:ln>
-            <a:solidFill>
-              <a:schemeClr val="tx1">
-                <a:lumMod val="50000"/>
-                <a:lumOff val="50000"/>
-              </a:schemeClr>
-            </a:solidFill>
-          </a:ln>
-        </p:spPr>
-        <p:style>
-          <a:lnRef idx="1">
-            <a:schemeClr val="accent1"/>
-          </a:lnRef>
-          <a:fillRef idx="0">
-            <a:schemeClr val="accent1"/>
-          </a:fillRef>
-          <a:effectRef idx="0">
-            <a:schemeClr val="accent1"/>
-          </a:effectRef>
-          <a:fontRef idx="minor">
-            <a:schemeClr val="tx1"/>
-          </a:fontRef>
-        </p:style>
-      </p:cxnSp>
-      <p:cxnSp>
-        <p:nvCxnSpPr>
-          <p:cNvPr id="30" name="연결선: 꺾임 29">
-            <a:extLst>
-              <a:ext uri="{FF2B5EF4-FFF2-40B4-BE49-F238E27FC236}">
-                <a16:creationId xmlns:a16="http://schemas.microsoft.com/office/drawing/2014/main" id="{65FD01FC-DEA9-4808-889A-75BE9A674D19}"/>
-              </a:ext>
-            </a:extLst>
-          </p:cNvPr>
-          <p:cNvCxnSpPr>
-            <a:stCxn id="2" idx="2"/>
-            <a:endCxn id="4" idx="0"/>
-          </p:cNvCxnSpPr>
-          <p:nvPr/>
-        </p:nvCxnSpPr>
-        <p:spPr>
-          <a:xfrm rot="16200000" flipH="1">
-            <a:off x="6291470" y="1964639"/>
-            <a:ext cx="1010477" cy="1401417"/>
-          </a:xfrm>
-          <a:prstGeom prst="bentConnector3">
-            <a:avLst/>
-          </a:prstGeom>
-          <a:ln>
-            <a:solidFill>
-              <a:schemeClr val="tx1">
-                <a:lumMod val="50000"/>
-                <a:lumOff val="50000"/>
-              </a:schemeClr>
-            </a:solidFill>
-          </a:ln>
-        </p:spPr>
-        <p:style>
-          <a:lnRef idx="1">
-            <a:schemeClr val="accent1"/>
-          </a:lnRef>
-          <a:fillRef idx="0">
-            <a:schemeClr val="accent1"/>
-          </a:fillRef>
-          <a:effectRef idx="0">
-            <a:schemeClr val="accent1"/>
-          </a:effectRef>
-          <a:fontRef idx="minor">
-            <a:schemeClr val="tx1"/>
-          </a:fontRef>
-        </p:style>
-      </p:cxnSp>
-      <p:sp>
-        <p:nvSpPr>
-          <p:cNvPr id="31" name="TextBox 30">
-            <a:extLst>
-              <a:ext uri="{FF2B5EF4-FFF2-40B4-BE49-F238E27FC236}">
-                <a16:creationId xmlns:a16="http://schemas.microsoft.com/office/drawing/2014/main" id="{56D36225-0207-4954-A26C-C8E8489BF226}"/>
-              </a:ext>
-            </a:extLst>
-          </p:cNvPr>
-          <p:cNvSpPr txBox="1"/>
-          <p:nvPr/>
-        </p:nvSpPr>
-        <p:spPr>
-          <a:xfrm>
-            <a:off x="536713" y="392217"/>
-            <a:ext cx="6096000" cy="560282"/>
-          </a:xfrm>
-          <a:prstGeom prst="rect">
-            <a:avLst/>
-          </a:prstGeom>
-          <a:noFill/>
-        </p:spPr>
-        <p:txBody>
-          <a:bodyPr wrap="square">
-            <a:spAutoFit/>
-          </a:bodyPr>
-          <a:lstStyle/>
-          <a:p>
-            <a:pPr latinLnBrk="1">
-              <a:lnSpc>
-                <a:spcPct val="150000"/>
-              </a:lnSpc>
-            </a:pPr>
-            <a:r>
-              <a:rPr lang="ko-KR" altLang="en-US" sz="2400" dirty="0">
-                <a:latin typeface="12롯데마트드림Medium" panose="02020603020101020101" pitchFamily="18" charset="-127"/>
-                <a:ea typeface="12롯데마트드림Medium" panose="02020603020101020101" pitchFamily="18" charset="-127"/>
-              </a:rPr>
-              <a:t>페이지 구성</a:t>
-            </a:r>
-            <a:endParaRPr lang="en-US" altLang="ko-KR" sz="2400" dirty="0">
-              <a:latin typeface="12롯데마트드림Medium" panose="02020603020101020101" pitchFamily="18" charset="-127"/>
-              <a:ea typeface="12롯데마트드림Medium" panose="02020603020101020101" pitchFamily="18" charset="-127"/>
-            </a:endParaRPr>
+              <a:t>프로젝트 설계</a:t>
+            </a:r>
           </a:p>
         </p:txBody>
       </p:sp>
     </p:spTree>
     <p:extLst>
       <p:ext uri="{BB962C8B-B14F-4D97-AF65-F5344CB8AC3E}">
-        <p14:creationId xmlns:p14="http://schemas.microsoft.com/office/powerpoint/2010/main" val="3549695615"/>
+        <p14:creationId xmlns:p14="http://schemas.microsoft.com/office/powerpoint/2010/main" val="790206975"/>
       </p:ext>
     </p:extLst>
   </p:cSld>
@@ -5476,10 +4169,10 @@
       </p:grpSpPr>
       <p:sp>
         <p:nvSpPr>
-          <p:cNvPr id="2" name="TextBox 1">
-            <a:extLst>
-              <a:ext uri="{FF2B5EF4-FFF2-40B4-BE49-F238E27FC236}">
-                <a16:creationId xmlns:a16="http://schemas.microsoft.com/office/drawing/2014/main" id="{237BCB7B-2454-4B1B-9678-2B2248AC3FF3}"/>
+          <p:cNvPr id="4" name="TextBox 3">
+            <a:extLst>
+              <a:ext uri="{FF2B5EF4-FFF2-40B4-BE49-F238E27FC236}">
+                <a16:creationId xmlns:a16="http://schemas.microsoft.com/office/drawing/2014/main" id="{442E9F06-5DCA-4998-BADA-E59F4F6D57D9}"/>
               </a:ext>
             </a:extLst>
           </p:cNvPr>
@@ -5488,8 +4181,8 @@
         </p:nvSpPr>
         <p:spPr>
           <a:xfrm>
-            <a:off x="536713" y="392217"/>
-            <a:ext cx="6096000" cy="560282"/>
+            <a:off x="689113" y="653012"/>
+            <a:ext cx="6096000" cy="3884268"/>
           </a:xfrm>
           <a:prstGeom prst="rect">
             <a:avLst/>
@@ -5512,33 +4205,210 @@
                 <a:latin typeface="12롯데마트드림Medium" panose="02020603020101020101" pitchFamily="18" charset="-127"/>
                 <a:ea typeface="12롯데마트드림Medium" panose="02020603020101020101" pitchFamily="18" charset="-127"/>
               </a:rPr>
-              <a:t>화면 </a:t>
-            </a:r>
-            <a:r>
-              <a:rPr lang="en-US" altLang="ko-KR" sz="2400" dirty="0">
-                <a:latin typeface="12롯데마트드림Medium" panose="02020603020101020101" pitchFamily="18" charset="-127"/>
-                <a:ea typeface="12롯데마트드림Medium" panose="02020603020101020101" pitchFamily="18" charset="-127"/>
-              </a:rPr>
-              <a:t>UI </a:t>
-            </a:r>
-            <a:r>
-              <a:rPr lang="ko-KR" altLang="en-US" sz="2400" dirty="0">
-                <a:latin typeface="12롯데마트드림Medium" panose="02020603020101020101" pitchFamily="18" charset="-127"/>
-                <a:ea typeface="12롯데마트드림Medium" panose="02020603020101020101" pitchFamily="18" charset="-127"/>
-              </a:rPr>
-              <a:t>설계</a:t>
+              <a:t>프로젝트 설계</a:t>
             </a:r>
             <a:endParaRPr lang="en-US" altLang="ko-KR" sz="2400" dirty="0">
               <a:latin typeface="12롯데마트드림Medium" panose="02020603020101020101" pitchFamily="18" charset="-127"/>
               <a:ea typeface="12롯데마트드림Medium" panose="02020603020101020101" pitchFamily="18" charset="-127"/>
             </a:endParaRPr>
           </a:p>
+          <a:p>
+            <a:pPr latinLnBrk="1">
+              <a:lnSpc>
+                <a:spcPct val="150000"/>
+              </a:lnSpc>
+            </a:pPr>
+            <a:endParaRPr lang="en-US" altLang="ko-KR" sz="2400" dirty="0">
+              <a:latin typeface="12롯데마트드림Medium" panose="02020603020101020101" pitchFamily="18" charset="-127"/>
+              <a:ea typeface="12롯데마트드림Medium" panose="02020603020101020101" pitchFamily="18" charset="-127"/>
+            </a:endParaRPr>
+          </a:p>
+          <a:p>
+            <a:pPr latinLnBrk="1">
+              <a:lnSpc>
+                <a:spcPct val="150000"/>
+              </a:lnSpc>
+            </a:pPr>
+            <a:r>
+              <a:rPr lang="ko-KR" altLang="en-US" sz="2400" dirty="0">
+                <a:latin typeface="12롯데마트드림Medium" panose="02020603020101020101" pitchFamily="18" charset="-127"/>
+                <a:ea typeface="12롯데마트드림Medium" panose="02020603020101020101" pitchFamily="18" charset="-127"/>
+              </a:rPr>
+              <a:t>페이지 구성</a:t>
+            </a:r>
+            <a:endParaRPr lang="en-US" altLang="ko-KR" sz="2400" dirty="0">
+              <a:latin typeface="12롯데마트드림Medium" panose="02020603020101020101" pitchFamily="18" charset="-127"/>
+              <a:ea typeface="12롯데마트드림Medium" panose="02020603020101020101" pitchFamily="18" charset="-127"/>
+            </a:endParaRPr>
+          </a:p>
+          <a:p>
+            <a:pPr latinLnBrk="1">
+              <a:lnSpc>
+                <a:spcPct val="150000"/>
+              </a:lnSpc>
+            </a:pPr>
+            <a:r>
+              <a:rPr lang="ko-KR" altLang="en-US" sz="2400" dirty="0">
+                <a:latin typeface="12롯데마트드림Medium" panose="02020603020101020101" pitchFamily="18" charset="-127"/>
+                <a:ea typeface="12롯데마트드림Medium" panose="02020603020101020101" pitchFamily="18" charset="-127"/>
+              </a:rPr>
+              <a:t>화면 </a:t>
+            </a:r>
+            <a:r>
+              <a:rPr lang="en-US" altLang="ko-KR" sz="2400" dirty="0">
+                <a:latin typeface="12롯데마트드림Medium" panose="02020603020101020101" pitchFamily="18" charset="-127"/>
+                <a:ea typeface="12롯데마트드림Medium" panose="02020603020101020101" pitchFamily="18" charset="-127"/>
+              </a:rPr>
+              <a:t>UI </a:t>
+            </a:r>
+            <a:r>
+              <a:rPr lang="ko-KR" altLang="en-US" sz="2400" dirty="0">
+                <a:latin typeface="12롯데마트드림Medium" panose="02020603020101020101" pitchFamily="18" charset="-127"/>
+                <a:ea typeface="12롯데마트드림Medium" panose="02020603020101020101" pitchFamily="18" charset="-127"/>
+              </a:rPr>
+              <a:t>설계</a:t>
+            </a:r>
+            <a:r>
+              <a:rPr lang="en-US" altLang="ko-KR" sz="2400" dirty="0">
+                <a:latin typeface="12롯데마트드림Medium" panose="02020603020101020101" pitchFamily="18" charset="-127"/>
+                <a:ea typeface="12롯데마트드림Medium" panose="02020603020101020101" pitchFamily="18" charset="-127"/>
+              </a:rPr>
+              <a:t> – </a:t>
+            </a:r>
+            <a:r>
+              <a:rPr lang="ko-KR" altLang="en-US" sz="2400" dirty="0">
+                <a:latin typeface="12롯데마트드림Medium" panose="02020603020101020101" pitchFamily="18" charset="-127"/>
+                <a:ea typeface="12롯데마트드림Medium" panose="02020603020101020101" pitchFamily="18" charset="-127"/>
+              </a:rPr>
+              <a:t>카카오 오븐</a:t>
+            </a:r>
+            <a:r>
+              <a:rPr lang="en-US" altLang="ko-KR" sz="2400" dirty="0">
+                <a:latin typeface="12롯데마트드림Medium" panose="02020603020101020101" pitchFamily="18" charset="-127"/>
+                <a:ea typeface="12롯데마트드림Medium" panose="02020603020101020101" pitchFamily="18" charset="-127"/>
+              </a:rPr>
+              <a:t>(</a:t>
+            </a:r>
+            <a:r>
+              <a:rPr lang="ko-KR" altLang="en-US" sz="2400" dirty="0" err="1">
+                <a:latin typeface="12롯데마트드림Medium" panose="02020603020101020101" pitchFamily="18" charset="-127"/>
+                <a:ea typeface="12롯데마트드림Medium" panose="02020603020101020101" pitchFamily="18" charset="-127"/>
+              </a:rPr>
+              <a:t>목업</a:t>
+            </a:r>
+            <a:r>
+              <a:rPr lang="en-US" altLang="ko-KR" sz="2400" dirty="0">
+                <a:latin typeface="12롯데마트드림Medium" panose="02020603020101020101" pitchFamily="18" charset="-127"/>
+                <a:ea typeface="12롯데마트드림Medium" panose="02020603020101020101" pitchFamily="18" charset="-127"/>
+              </a:rPr>
+              <a:t>)</a:t>
+            </a:r>
+          </a:p>
+          <a:p>
+            <a:pPr latinLnBrk="1">
+              <a:lnSpc>
+                <a:spcPct val="150000"/>
+              </a:lnSpc>
+            </a:pPr>
+            <a:r>
+              <a:rPr lang="ko-KR" altLang="en-US" sz="2400" dirty="0">
+                <a:latin typeface="12롯데마트드림Medium" panose="02020603020101020101" pitchFamily="18" charset="-127"/>
+                <a:ea typeface="12롯데마트드림Medium" panose="02020603020101020101" pitchFamily="18" charset="-127"/>
+              </a:rPr>
+              <a:t>인터페이스 설계 </a:t>
+            </a:r>
+            <a:r>
+              <a:rPr lang="en-US" altLang="ko-KR" sz="2400" dirty="0">
+                <a:latin typeface="12롯데마트드림Medium" panose="02020603020101020101" pitchFamily="18" charset="-127"/>
+                <a:ea typeface="12롯데마트드림Medium" panose="02020603020101020101" pitchFamily="18" charset="-127"/>
+              </a:rPr>
+              <a:t>(Logic) – </a:t>
+            </a:r>
+            <a:r>
+              <a:rPr lang="ko-KR" altLang="en-US" sz="2400" dirty="0">
+                <a:latin typeface="12롯데마트드림Medium" panose="02020603020101020101" pitchFamily="18" charset="-127"/>
+                <a:ea typeface="12롯데마트드림Medium" panose="02020603020101020101" pitchFamily="18" charset="-127"/>
+              </a:rPr>
+              <a:t>시퀀스</a:t>
+            </a:r>
+            <a:r>
+              <a:rPr lang="en-US" altLang="ko-KR" sz="2400" dirty="0">
+                <a:latin typeface="12롯데마트드림Medium" panose="02020603020101020101" pitchFamily="18" charset="-127"/>
+                <a:ea typeface="12롯데마트드림Medium" panose="02020603020101020101" pitchFamily="18" charset="-127"/>
+              </a:rPr>
+              <a:t>, </a:t>
+            </a:r>
+            <a:r>
+              <a:rPr lang="ko-KR" altLang="en-US" sz="2400" dirty="0" err="1">
+                <a:latin typeface="12롯데마트드림Medium" panose="02020603020101020101" pitchFamily="18" charset="-127"/>
+                <a:ea typeface="12롯데마트드림Medium" panose="02020603020101020101" pitchFamily="18" charset="-127"/>
+              </a:rPr>
+              <a:t>플로우차트</a:t>
+            </a:r>
+            <a:endParaRPr lang="en-US" altLang="ko-KR" sz="2400" dirty="0">
+              <a:latin typeface="12롯데마트드림Medium" panose="02020603020101020101" pitchFamily="18" charset="-127"/>
+              <a:ea typeface="12롯데마트드림Medium" panose="02020603020101020101" pitchFamily="18" charset="-127"/>
+            </a:endParaRPr>
+          </a:p>
+          <a:p>
+            <a:pPr latinLnBrk="1">
+              <a:lnSpc>
+                <a:spcPct val="150000"/>
+              </a:lnSpc>
+            </a:pPr>
+            <a:r>
+              <a:rPr lang="en-US" altLang="ko-KR" sz="2400" dirty="0">
+                <a:latin typeface="12롯데마트드림Medium" panose="02020603020101020101" pitchFamily="18" charset="-127"/>
+                <a:ea typeface="12롯데마트드림Medium" panose="02020603020101020101" pitchFamily="18" charset="-127"/>
+              </a:rPr>
+              <a:t>DB </a:t>
+            </a:r>
+            <a:r>
+              <a:rPr lang="ko-KR" altLang="en-US" sz="2400" dirty="0">
+                <a:latin typeface="12롯데마트드림Medium" panose="02020603020101020101" pitchFamily="18" charset="-127"/>
+                <a:ea typeface="12롯데마트드림Medium" panose="02020603020101020101" pitchFamily="18" charset="-127"/>
+              </a:rPr>
+              <a:t>설계 </a:t>
+            </a:r>
+            <a:r>
+              <a:rPr lang="en-US" altLang="ko-KR" sz="2400" dirty="0">
+                <a:latin typeface="12롯데마트드림Medium" panose="02020603020101020101" pitchFamily="18" charset="-127"/>
+                <a:ea typeface="12롯데마트드림Medium" panose="02020603020101020101" pitchFamily="18" charset="-127"/>
+              </a:rPr>
+              <a:t>– ERD</a:t>
+            </a:r>
+          </a:p>
+          <a:p>
+            <a:pPr latinLnBrk="1">
+              <a:lnSpc>
+                <a:spcPct val="150000"/>
+              </a:lnSpc>
+            </a:pPr>
+            <a:r>
+              <a:rPr lang="en-US" altLang="ko-KR" sz="2400" dirty="0">
+                <a:latin typeface="12롯데마트드림Medium" panose="02020603020101020101" pitchFamily="18" charset="-127"/>
+                <a:ea typeface="12롯데마트드림Medium" panose="02020603020101020101" pitchFamily="18" charset="-127"/>
+              </a:rPr>
+              <a:t>API </a:t>
+            </a:r>
+            <a:r>
+              <a:rPr lang="ko-KR" altLang="en-US" sz="2400" dirty="0">
+                <a:latin typeface="12롯데마트드림Medium" panose="02020603020101020101" pitchFamily="18" charset="-127"/>
+                <a:ea typeface="12롯데마트드림Medium" panose="02020603020101020101" pitchFamily="18" charset="-127"/>
+              </a:rPr>
+              <a:t>명세서</a:t>
+            </a:r>
+            <a:endParaRPr lang="en-US" altLang="ko-KR" sz="2400" dirty="0">
+              <a:latin typeface="12롯데마트드림Medium" panose="02020603020101020101" pitchFamily="18" charset="-127"/>
+              <a:ea typeface="12롯데마트드림Medium" panose="02020603020101020101" pitchFamily="18" charset="-127"/>
+            </a:endParaRPr>
+          </a:p>
         </p:txBody>
       </p:sp>
     </p:spTree>
     <p:extLst>
       <p:ext uri="{BB962C8B-B14F-4D97-AF65-F5344CB8AC3E}">
-        <p14:creationId xmlns:p14="http://schemas.microsoft.com/office/powerpoint/2010/main" val="3926842463"/>
+        <p14:creationId xmlns:p14="http://schemas.microsoft.com/office/powerpoint/2010/main" val="159146545"/>
       </p:ext>
     </p:extLst>
   </p:cSld>
@@ -5570,7 +4440,7 @@
           <p:cNvPr id="2" name="TextBox 1">
             <a:extLst>
               <a:ext uri="{FF2B5EF4-FFF2-40B4-BE49-F238E27FC236}">
-                <a16:creationId xmlns:a16="http://schemas.microsoft.com/office/drawing/2014/main" id="{237BCB7B-2454-4B1B-9678-2B2248AC3FF3}"/>
+                <a16:creationId xmlns:a16="http://schemas.microsoft.com/office/drawing/2014/main" id="{0C595A4F-B443-42C0-B690-87EA12C95BE9}"/>
               </a:ext>
             </a:extLst>
           </p:cNvPr>
@@ -5579,8 +4449,8 @@
         </p:nvSpPr>
         <p:spPr>
           <a:xfrm>
-            <a:off x="536713" y="392217"/>
-            <a:ext cx="6096000" cy="560282"/>
+            <a:off x="351543" y="1674674"/>
+            <a:ext cx="13070542" cy="3416320"/>
           </a:xfrm>
           <a:prstGeom prst="rect">
             <a:avLst/>
@@ -5588,116 +4458,251 @@
           <a:noFill/>
         </p:spPr>
         <p:txBody>
-          <a:bodyPr wrap="square">
+          <a:bodyPr wrap="square" rtlCol="0">
             <a:spAutoFit/>
           </a:bodyPr>
           <a:lstStyle/>
           <a:p>
-            <a:pPr latinLnBrk="1">
-              <a:lnSpc>
-                <a:spcPct val="150000"/>
-              </a:lnSpc>
-            </a:pPr>
-            <a:r>
-              <a:rPr lang="ko-KR" altLang="en-US" sz="2400" dirty="0">
-                <a:latin typeface="12롯데마트드림Medium" panose="02020603020101020101" pitchFamily="18" charset="-127"/>
-                <a:ea typeface="12롯데마트드림Medium" panose="02020603020101020101" pitchFamily="18" charset="-127"/>
-              </a:rPr>
-              <a:t>인터페이스</a:t>
-            </a:r>
-            <a:r>
-              <a:rPr lang="en-US" altLang="ko-KR" sz="2400" dirty="0">
-                <a:latin typeface="12롯데마트드림Medium" panose="02020603020101020101" pitchFamily="18" charset="-127"/>
-                <a:ea typeface="12롯데마트드림Medium" panose="02020603020101020101" pitchFamily="18" charset="-127"/>
-              </a:rPr>
+            <a:r>
+              <a:rPr lang="en-US" altLang="ko-KR"/>
+              <a:t>1. </a:t>
+            </a:r>
+            <a:r>
+              <a:rPr lang="ko-KR" altLang="en-US"/>
+              <a:t>기능 설계 </a:t>
+            </a:r>
+            <a:r>
+              <a:rPr lang="en-US" altLang="ko-KR"/>
+              <a:t>- </a:t>
+            </a:r>
+            <a:r>
+              <a:rPr lang="ko-KR" altLang="en-US"/>
+              <a:t>어떤 기능을 구현할지 </a:t>
+            </a:r>
+            <a:r>
+              <a:rPr lang="en-US" altLang="ko-KR"/>
+              <a:t>, </a:t>
+            </a:r>
+            <a:r>
+              <a:rPr lang="ko-KR" altLang="en-US"/>
+              <a:t>숙소 검색 및 조회 </a:t>
+            </a:r>
+            <a:r>
+              <a:rPr lang="en-US" altLang="ko-KR"/>
+              <a:t>/ </a:t>
+            </a:r>
+            <a:r>
+              <a:rPr lang="ko-KR" altLang="en-US"/>
+              <a:t>커뮤니티 기능 </a:t>
+            </a:r>
+            <a:r>
+              <a:rPr lang="en-US" altLang="ko-KR"/>
+              <a:t>/ </a:t>
+            </a:r>
+            <a:r>
+              <a:rPr lang="ko-KR" altLang="en-US"/>
+              <a:t>로그인</a:t>
+            </a:r>
+            <a:r>
+              <a:rPr lang="en-US" altLang="ko-KR"/>
+              <a:t>-</a:t>
+            </a:r>
+            <a:r>
+              <a:rPr lang="ko-KR" altLang="en-US"/>
+              <a:t>회원가입 기능</a:t>
+            </a:r>
+            <a:endParaRPr lang="en-US" altLang="ko-KR"/>
+          </a:p>
+          <a:p>
+            <a:r>
+              <a:rPr lang="en-US" altLang="ko-KR"/>
               <a:t> </a:t>
             </a:r>
-            <a:r>
-              <a:rPr lang="ko-KR" altLang="en-US" sz="2400" dirty="0">
-                <a:latin typeface="12롯데마트드림Medium" panose="02020603020101020101" pitchFamily="18" charset="-127"/>
-                <a:ea typeface="12롯데마트드림Medium" panose="02020603020101020101" pitchFamily="18" charset="-127"/>
-              </a:rPr>
-              <a:t>설계</a:t>
-            </a:r>
-            <a:endParaRPr lang="en-US" altLang="ko-KR" sz="2400" dirty="0">
-              <a:latin typeface="12롯데마트드림Medium" panose="02020603020101020101" pitchFamily="18" charset="-127"/>
-              <a:ea typeface="12롯데마트드림Medium" panose="02020603020101020101" pitchFamily="18" charset="-127"/>
-            </a:endParaRPr>
-          </a:p>
-        </p:txBody>
-      </p:sp>
-      <p:sp>
-        <p:nvSpPr>
-          <p:cNvPr id="3" name="TextBox 2">
-            <a:extLst>
-              <a:ext uri="{FF2B5EF4-FFF2-40B4-BE49-F238E27FC236}">
-                <a16:creationId xmlns:a16="http://schemas.microsoft.com/office/drawing/2014/main" id="{911B447C-78AF-4DF8-AA47-BB506BCF54CF}"/>
-              </a:ext>
-            </a:extLst>
-          </p:cNvPr>
-          <p:cNvSpPr txBox="1"/>
-          <p:nvPr/>
-        </p:nvSpPr>
-        <p:spPr>
-          <a:xfrm>
-            <a:off x="649356" y="1302369"/>
-            <a:ext cx="6096000" cy="560282"/>
-          </a:xfrm>
-          <a:prstGeom prst="rect">
-            <a:avLst/>
-          </a:prstGeom>
-          <a:noFill/>
-        </p:spPr>
-        <p:txBody>
-          <a:bodyPr wrap="square">
-            <a:spAutoFit/>
-          </a:bodyPr>
-          <a:lstStyle/>
-          <a:p>
-            <a:pPr latinLnBrk="1">
-              <a:lnSpc>
-                <a:spcPct val="150000"/>
-              </a:lnSpc>
-            </a:pPr>
-            <a:r>
-              <a:rPr lang="ko-KR" altLang="en-US" sz="2400" dirty="0">
-                <a:latin typeface="12롯데마트드림Medium" panose="02020603020101020101" pitchFamily="18" charset="-127"/>
-                <a:ea typeface="12롯데마트드림Medium" panose="02020603020101020101" pitchFamily="18" charset="-127"/>
-              </a:rPr>
-              <a:t>시퀀스 다이어그램 </a:t>
-            </a:r>
-            <a:r>
-              <a:rPr lang="en-US" altLang="ko-KR" sz="2400" dirty="0">
-                <a:latin typeface="12롯데마트드림Medium" panose="02020603020101020101" pitchFamily="18" charset="-127"/>
-                <a:ea typeface="12롯데마트드림Medium" panose="02020603020101020101" pitchFamily="18" charset="-127"/>
-              </a:rPr>
-              <a:t>or </a:t>
-            </a:r>
-            <a:r>
-              <a:rPr lang="ko-KR" altLang="en-US" sz="2400" dirty="0">
-                <a:latin typeface="12롯데마트드림Medium" panose="02020603020101020101" pitchFamily="18" charset="-127"/>
-                <a:ea typeface="12롯데마트드림Medium" panose="02020603020101020101" pitchFamily="18" charset="-127"/>
-              </a:rPr>
-              <a:t>데이터 </a:t>
-            </a:r>
-            <a:r>
-              <a:rPr lang="ko-KR" altLang="en-US" sz="2400" dirty="0" err="1">
-                <a:latin typeface="12롯데마트드림Medium" panose="02020603020101020101" pitchFamily="18" charset="-127"/>
-                <a:ea typeface="12롯데마트드림Medium" panose="02020603020101020101" pitchFamily="18" charset="-127"/>
-              </a:rPr>
-              <a:t>플로우차트</a:t>
-            </a:r>
-            <a:endParaRPr lang="en-US" altLang="ko-KR" sz="2400" dirty="0">
-              <a:latin typeface="12롯데마트드림Medium" panose="02020603020101020101" pitchFamily="18" charset="-127"/>
-              <a:ea typeface="12롯데마트드림Medium" panose="02020603020101020101" pitchFamily="18" charset="-127"/>
-            </a:endParaRPr>
+          </a:p>
+          <a:p>
+            <a:r>
+              <a:rPr lang="en-US" altLang="ko-KR"/>
+              <a:t>2. Model (</a:t>
+            </a:r>
+            <a:r>
+              <a:rPr lang="ko-KR" altLang="en-US"/>
+              <a:t>테이블</a:t>
+            </a:r>
+            <a:r>
+              <a:rPr lang="en-US" altLang="ko-KR"/>
+              <a:t>) </a:t>
+            </a:r>
+            <a:r>
+              <a:rPr lang="ko-KR" altLang="en-US"/>
+              <a:t>설계 </a:t>
+            </a:r>
+            <a:r>
+              <a:rPr lang="en-US" altLang="ko-KR"/>
+              <a:t>- </a:t>
+            </a:r>
+            <a:r>
+              <a:rPr lang="ko-KR" altLang="en-US"/>
+              <a:t>필요한 데이터에 따른 테이블 구성 </a:t>
+            </a:r>
+            <a:r>
+              <a:rPr lang="en-US" altLang="ko-KR"/>
+              <a:t>(</a:t>
+            </a:r>
+            <a:r>
+              <a:rPr lang="ko-KR" altLang="en-US"/>
+              <a:t>숙소 정보 </a:t>
+            </a:r>
+            <a:r>
+              <a:rPr lang="en-US" altLang="ko-KR"/>
+              <a:t>/ </a:t>
+            </a:r>
+            <a:r>
+              <a:rPr lang="ko-KR" altLang="en-US"/>
+              <a:t>상세 룸 정보 </a:t>
+            </a:r>
+            <a:r>
+              <a:rPr lang="en-US" altLang="ko-KR"/>
+              <a:t>/ </a:t>
+            </a:r>
+            <a:r>
+              <a:rPr lang="ko-KR" altLang="en-US"/>
+              <a:t>리뷰 정보 </a:t>
+            </a:r>
+            <a:r>
+              <a:rPr lang="en-US" altLang="ko-KR"/>
+              <a:t>/ </a:t>
+            </a:r>
+            <a:r>
+              <a:rPr lang="ko-KR" altLang="en-US"/>
+              <a:t>게시글 정보 </a:t>
+            </a:r>
+            <a:r>
+              <a:rPr lang="en-US" altLang="ko-KR"/>
+              <a:t>/ </a:t>
+            </a:r>
+            <a:r>
+              <a:rPr lang="ko-KR" altLang="en-US"/>
+              <a:t>댓글 </a:t>
+            </a:r>
+            <a:r>
+              <a:rPr lang="en-US" altLang="ko-KR"/>
+              <a:t>/ ID  </a:t>
+            </a:r>
+          </a:p>
+          <a:p>
+            <a:endParaRPr lang="en-US" altLang="ko-KR"/>
+          </a:p>
+          <a:p>
+            <a:r>
+              <a:rPr lang="en-US" altLang="ko-KR"/>
+              <a:t>3. Templates / UI </a:t>
+            </a:r>
+            <a:r>
+              <a:rPr lang="ko-KR" altLang="en-US"/>
+              <a:t>설계 </a:t>
+            </a:r>
+            <a:r>
+              <a:rPr lang="en-US" altLang="ko-KR"/>
+              <a:t>- </a:t>
+            </a:r>
+            <a:r>
+              <a:rPr lang="ko-KR" altLang="en-US"/>
+              <a:t>어떻게 페이지를 구성할지 </a:t>
+            </a:r>
+            <a:r>
+              <a:rPr lang="en-US" altLang="ko-KR"/>
+              <a:t>, templates </a:t>
+            </a:r>
+            <a:r>
+              <a:rPr lang="ko-KR" altLang="en-US"/>
+              <a:t>파일 </a:t>
+            </a:r>
+            <a:r>
+              <a:rPr lang="en-US" altLang="ko-KR"/>
+              <a:t>(HTML)</a:t>
+            </a:r>
+            <a:r>
+              <a:rPr lang="ko-KR" altLang="en-US"/>
+              <a:t> 을 어떻게  </a:t>
+            </a:r>
+            <a:r>
+              <a:rPr lang="en-US" altLang="ko-KR"/>
+              <a:t>/ </a:t>
+            </a:r>
+            <a:r>
+              <a:rPr lang="ko-KR" altLang="en-US"/>
+              <a:t>페이지 레이아웃은 어떻게 짤껀지</a:t>
+            </a:r>
+            <a:endParaRPr lang="en-US" altLang="ko-KR"/>
+          </a:p>
+          <a:p>
+            <a:endParaRPr lang="en-US" altLang="ko-KR"/>
+          </a:p>
+          <a:p>
+            <a:r>
+              <a:rPr lang="en-US" altLang="ko-KR"/>
+              <a:t>-----------</a:t>
+            </a:r>
+          </a:p>
+          <a:p>
+            <a:endParaRPr lang="en-US" altLang="ko-KR"/>
+          </a:p>
+          <a:p>
+            <a:r>
+              <a:rPr lang="en-US" altLang="ko-KR"/>
+              <a:t>4. VIEW </a:t>
+            </a:r>
+            <a:r>
+              <a:rPr lang="ko-KR" altLang="en-US"/>
+              <a:t>설계 </a:t>
+            </a:r>
+            <a:r>
+              <a:rPr lang="en-US" altLang="ko-KR"/>
+              <a:t>(</a:t>
+            </a:r>
+            <a:r>
+              <a:rPr lang="ko-KR" altLang="en-US"/>
+              <a:t>페이지에서 </a:t>
+            </a:r>
+            <a:r>
+              <a:rPr lang="en-US" altLang="ko-KR"/>
+              <a:t>HTML </a:t>
+            </a:r>
+            <a:r>
+              <a:rPr lang="ko-KR" altLang="en-US"/>
+              <a:t>이 이동되는 흐름도</a:t>
+            </a:r>
+            <a:r>
+              <a:rPr lang="en-US" altLang="ko-KR"/>
+              <a:t>? )</a:t>
+            </a:r>
+          </a:p>
+          <a:p>
+            <a:endParaRPr lang="en-US" altLang="ko-KR"/>
+          </a:p>
+          <a:p>
+            <a:r>
+              <a:rPr lang="en-US" altLang="ko-KR"/>
+              <a:t>5. </a:t>
+            </a:r>
+            <a:r>
+              <a:rPr lang="ko-KR" altLang="en-US"/>
+              <a:t>전체 시퀀스 설계 </a:t>
+            </a:r>
+            <a:r>
+              <a:rPr lang="en-US" altLang="ko-KR"/>
+              <a:t>, </a:t>
+            </a:r>
+          </a:p>
+          <a:p>
+            <a:endParaRPr lang="ko-KR" altLang="en-US"/>
           </a:p>
         </p:txBody>
       </p:sp>
     </p:spTree>
     <p:extLst>
       <p:ext uri="{BB962C8B-B14F-4D97-AF65-F5344CB8AC3E}">
-        <p14:creationId xmlns:p14="http://schemas.microsoft.com/office/powerpoint/2010/main" val="1028801724"/>
+        <p14:creationId xmlns:p14="http://schemas.microsoft.com/office/powerpoint/2010/main" val="831341332"/>
       </p:ext>
     </p:extLst>
   </p:cSld>
@@ -5726,10 +4731,1286 @@
       </p:grpSpPr>
       <p:sp>
         <p:nvSpPr>
-          <p:cNvPr id="2" name="TextBox 1">
-            <a:extLst>
-              <a:ext uri="{FF2B5EF4-FFF2-40B4-BE49-F238E27FC236}">
-                <a16:creationId xmlns:a16="http://schemas.microsoft.com/office/drawing/2014/main" id="{237BCB7B-2454-4B1B-9678-2B2248AC3FF3}"/>
+          <p:cNvPr id="2" name="직사각형 1">
+            <a:extLst>
+              <a:ext uri="{FF2B5EF4-FFF2-40B4-BE49-F238E27FC236}">
+                <a16:creationId xmlns:a16="http://schemas.microsoft.com/office/drawing/2014/main" id="{21EBCD48-354A-4826-99EC-25EE05214BD8}"/>
+              </a:ext>
+            </a:extLst>
+          </p:cNvPr>
+          <p:cNvSpPr/>
+          <p:nvPr/>
+        </p:nvSpPr>
+        <p:spPr>
+          <a:xfrm>
+            <a:off x="4280452" y="1364980"/>
+            <a:ext cx="3631095" cy="795130"/>
+          </a:xfrm>
+          <a:prstGeom prst="rect">
+            <a:avLst/>
+          </a:prstGeom>
+          <a:solidFill>
+            <a:schemeClr val="tx1"/>
+          </a:solidFill>
+          <a:ln>
+            <a:noFill/>
+          </a:ln>
+        </p:spPr>
+        <p:style>
+          <a:lnRef idx="2">
+            <a:schemeClr val="accent1">
+              <a:shade val="50000"/>
+            </a:schemeClr>
+          </a:lnRef>
+          <a:fillRef idx="1">
+            <a:schemeClr val="accent1"/>
+          </a:fillRef>
+          <a:effectRef idx="0">
+            <a:schemeClr val="accent1"/>
+          </a:effectRef>
+          <a:fontRef idx="minor">
+            <a:schemeClr val="lt1"/>
+          </a:fontRef>
+        </p:style>
+        <p:txBody>
+          <a:bodyPr rtlCol="0" anchor="ctr"/>
+          <a:lstStyle/>
+          <a:p>
+            <a:pPr algn="ctr"/>
+            <a:r>
+              <a:rPr lang="en-US" altLang="ko-KR" sz="2400" dirty="0" err="1">
+                <a:latin typeface="12롯데마트드림Bold" panose="02020603020101020101" pitchFamily="18" charset="-127"/>
+                <a:ea typeface="12롯데마트드림Bold" panose="02020603020101020101" pitchFamily="18" charset="-127"/>
+              </a:rPr>
+              <a:t>AirBnB</a:t>
+            </a:r>
+            <a:r>
+              <a:rPr lang="en-US" altLang="ko-KR" sz="2400" dirty="0">
+                <a:latin typeface="12롯데마트드림Bold" panose="02020603020101020101" pitchFamily="18" charset="-127"/>
+                <a:ea typeface="12롯데마트드림Bold" panose="02020603020101020101" pitchFamily="18" charset="-127"/>
+              </a:rPr>
+              <a:t> Project</a:t>
+            </a:r>
+            <a:endParaRPr lang="ko-KR" altLang="en-US" sz="2400" dirty="0">
+              <a:latin typeface="12롯데마트드림Bold" panose="02020603020101020101" pitchFamily="18" charset="-127"/>
+              <a:ea typeface="12롯데마트드림Bold" panose="02020603020101020101" pitchFamily="18" charset="-127"/>
+            </a:endParaRPr>
+          </a:p>
+        </p:txBody>
+      </p:sp>
+      <p:sp>
+        <p:nvSpPr>
+          <p:cNvPr id="3" name="직사각형 2">
+            <a:extLst>
+              <a:ext uri="{FF2B5EF4-FFF2-40B4-BE49-F238E27FC236}">
+                <a16:creationId xmlns:a16="http://schemas.microsoft.com/office/drawing/2014/main" id="{B8046387-B08F-455D-A990-1AA81894961F}"/>
+              </a:ext>
+            </a:extLst>
+          </p:cNvPr>
+          <p:cNvSpPr/>
+          <p:nvPr/>
+        </p:nvSpPr>
+        <p:spPr>
+          <a:xfrm>
+            <a:off x="3491948" y="3170587"/>
+            <a:ext cx="2100469" cy="457199"/>
+          </a:xfrm>
+          <a:prstGeom prst="rect">
+            <a:avLst/>
+          </a:prstGeom>
+          <a:solidFill>
+            <a:schemeClr val="tx1"/>
+          </a:solidFill>
+          <a:ln>
+            <a:noFill/>
+          </a:ln>
+        </p:spPr>
+        <p:style>
+          <a:lnRef idx="2">
+            <a:schemeClr val="accent1">
+              <a:shade val="50000"/>
+            </a:schemeClr>
+          </a:lnRef>
+          <a:fillRef idx="1">
+            <a:schemeClr val="accent1"/>
+          </a:fillRef>
+          <a:effectRef idx="0">
+            <a:schemeClr val="accent1"/>
+          </a:effectRef>
+          <a:fontRef idx="minor">
+            <a:schemeClr val="lt1"/>
+          </a:fontRef>
+        </p:style>
+        <p:txBody>
+          <a:bodyPr rtlCol="0" anchor="ctr"/>
+          <a:lstStyle/>
+          <a:p>
+            <a:pPr algn="ctr"/>
+            <a:r>
+              <a:rPr lang="ko-KR" altLang="en-US" sz="2000" dirty="0">
+                <a:latin typeface="12롯데마트드림Bold" panose="02020603020101020101" pitchFamily="18" charset="-127"/>
+                <a:ea typeface="12롯데마트드림Bold" panose="02020603020101020101" pitchFamily="18" charset="-127"/>
+              </a:rPr>
+              <a:t>숙소 조회</a:t>
+            </a:r>
+          </a:p>
+        </p:txBody>
+      </p:sp>
+      <p:sp>
+        <p:nvSpPr>
+          <p:cNvPr id="4" name="직사각형 3">
+            <a:extLst>
+              <a:ext uri="{FF2B5EF4-FFF2-40B4-BE49-F238E27FC236}">
+                <a16:creationId xmlns:a16="http://schemas.microsoft.com/office/drawing/2014/main" id="{79CD471E-1345-4F3A-8BCC-FEEDDC76C92E}"/>
+              </a:ext>
+            </a:extLst>
+          </p:cNvPr>
+          <p:cNvSpPr/>
+          <p:nvPr/>
+        </p:nvSpPr>
+        <p:spPr>
+          <a:xfrm>
+            <a:off x="6447182" y="3170587"/>
+            <a:ext cx="2100469" cy="457199"/>
+          </a:xfrm>
+          <a:prstGeom prst="rect">
+            <a:avLst/>
+          </a:prstGeom>
+          <a:solidFill>
+            <a:schemeClr val="tx1"/>
+          </a:solidFill>
+          <a:ln>
+            <a:noFill/>
+          </a:ln>
+        </p:spPr>
+        <p:style>
+          <a:lnRef idx="2">
+            <a:schemeClr val="accent1">
+              <a:shade val="50000"/>
+            </a:schemeClr>
+          </a:lnRef>
+          <a:fillRef idx="1">
+            <a:schemeClr val="accent1"/>
+          </a:fillRef>
+          <a:effectRef idx="0">
+            <a:schemeClr val="accent1"/>
+          </a:effectRef>
+          <a:fontRef idx="minor">
+            <a:schemeClr val="lt1"/>
+          </a:fontRef>
+        </p:style>
+        <p:txBody>
+          <a:bodyPr rtlCol="0" anchor="ctr"/>
+          <a:lstStyle/>
+          <a:p>
+            <a:pPr algn="ctr"/>
+            <a:r>
+              <a:rPr lang="ko-KR" altLang="en-US" sz="2000">
+                <a:latin typeface="12롯데마트드림Bold" panose="02020603020101020101" pitchFamily="18" charset="-127"/>
+                <a:ea typeface="12롯데마트드림Bold" panose="02020603020101020101" pitchFamily="18" charset="-127"/>
+              </a:rPr>
+              <a:t>상세 페이지</a:t>
+            </a:r>
+            <a:endParaRPr lang="ko-KR" altLang="en-US" sz="2000" dirty="0">
+              <a:latin typeface="12롯데마트드림Bold" panose="02020603020101020101" pitchFamily="18" charset="-127"/>
+              <a:ea typeface="12롯데마트드림Bold" panose="02020603020101020101" pitchFamily="18" charset="-127"/>
+            </a:endParaRPr>
+          </a:p>
+        </p:txBody>
+      </p:sp>
+      <p:sp>
+        <p:nvSpPr>
+          <p:cNvPr id="5" name="직사각형 4">
+            <a:extLst>
+              <a:ext uri="{FF2B5EF4-FFF2-40B4-BE49-F238E27FC236}">
+                <a16:creationId xmlns:a16="http://schemas.microsoft.com/office/drawing/2014/main" id="{4E5BE2E4-E464-44F3-B521-8F71F0DD3953}"/>
+              </a:ext>
+            </a:extLst>
+          </p:cNvPr>
+          <p:cNvSpPr/>
+          <p:nvPr/>
+        </p:nvSpPr>
+        <p:spPr>
+          <a:xfrm>
+            <a:off x="536714" y="3187153"/>
+            <a:ext cx="2100469" cy="457199"/>
+          </a:xfrm>
+          <a:prstGeom prst="rect">
+            <a:avLst/>
+          </a:prstGeom>
+          <a:solidFill>
+            <a:schemeClr val="tx1"/>
+          </a:solidFill>
+          <a:ln>
+            <a:noFill/>
+          </a:ln>
+        </p:spPr>
+        <p:style>
+          <a:lnRef idx="2">
+            <a:schemeClr val="accent1">
+              <a:shade val="50000"/>
+            </a:schemeClr>
+          </a:lnRef>
+          <a:fillRef idx="1">
+            <a:schemeClr val="accent1"/>
+          </a:fillRef>
+          <a:effectRef idx="0">
+            <a:schemeClr val="accent1"/>
+          </a:effectRef>
+          <a:fontRef idx="minor">
+            <a:schemeClr val="lt1"/>
+          </a:fontRef>
+        </p:style>
+        <p:txBody>
+          <a:bodyPr rtlCol="0" anchor="ctr"/>
+          <a:lstStyle/>
+          <a:p>
+            <a:pPr algn="ctr"/>
+            <a:r>
+              <a:rPr lang="ko-KR" altLang="en-US" sz="2000">
+                <a:latin typeface="12롯데마트드림Bold" panose="02020603020101020101" pitchFamily="18" charset="-127"/>
+                <a:ea typeface="12롯데마트드림Bold" panose="02020603020101020101" pitchFamily="18" charset="-127"/>
+              </a:rPr>
+              <a:t>메인 페이지</a:t>
+            </a:r>
+            <a:endParaRPr lang="ko-KR" altLang="en-US" sz="2000" dirty="0">
+              <a:latin typeface="12롯데마트드림Bold" panose="02020603020101020101" pitchFamily="18" charset="-127"/>
+              <a:ea typeface="12롯데마트드림Bold" panose="02020603020101020101" pitchFamily="18" charset="-127"/>
+            </a:endParaRPr>
+          </a:p>
+        </p:txBody>
+      </p:sp>
+      <p:sp>
+        <p:nvSpPr>
+          <p:cNvPr id="6" name="직사각형 5">
+            <a:extLst>
+              <a:ext uri="{FF2B5EF4-FFF2-40B4-BE49-F238E27FC236}">
+                <a16:creationId xmlns:a16="http://schemas.microsoft.com/office/drawing/2014/main" id="{88518AF3-7EDF-4513-AD4F-2EC05A7AA5D5}"/>
+              </a:ext>
+            </a:extLst>
+          </p:cNvPr>
+          <p:cNvSpPr/>
+          <p:nvPr/>
+        </p:nvSpPr>
+        <p:spPr>
+          <a:xfrm>
+            <a:off x="9402416" y="3170586"/>
+            <a:ext cx="2100469" cy="457199"/>
+          </a:xfrm>
+          <a:prstGeom prst="rect">
+            <a:avLst/>
+          </a:prstGeom>
+          <a:solidFill>
+            <a:schemeClr val="tx1"/>
+          </a:solidFill>
+          <a:ln>
+            <a:noFill/>
+          </a:ln>
+        </p:spPr>
+        <p:style>
+          <a:lnRef idx="2">
+            <a:schemeClr val="accent1">
+              <a:shade val="50000"/>
+            </a:schemeClr>
+          </a:lnRef>
+          <a:fillRef idx="1">
+            <a:schemeClr val="accent1"/>
+          </a:fillRef>
+          <a:effectRef idx="0">
+            <a:schemeClr val="accent1"/>
+          </a:effectRef>
+          <a:fontRef idx="minor">
+            <a:schemeClr val="lt1"/>
+          </a:fontRef>
+        </p:style>
+        <p:txBody>
+          <a:bodyPr rtlCol="0" anchor="ctr"/>
+          <a:lstStyle/>
+          <a:p>
+            <a:pPr algn="ctr"/>
+            <a:r>
+              <a:rPr lang="ko-KR" altLang="en-US" sz="2000" dirty="0">
+                <a:latin typeface="12롯데마트드림Bold" panose="02020603020101020101" pitchFamily="18" charset="-127"/>
+                <a:ea typeface="12롯데마트드림Bold" panose="02020603020101020101" pitchFamily="18" charset="-127"/>
+              </a:rPr>
+              <a:t>커뮤니티</a:t>
+            </a:r>
+          </a:p>
+        </p:txBody>
+      </p:sp>
+      <p:sp>
+        <p:nvSpPr>
+          <p:cNvPr id="7" name="직사각형 6">
+            <a:extLst>
+              <a:ext uri="{FF2B5EF4-FFF2-40B4-BE49-F238E27FC236}">
+                <a16:creationId xmlns:a16="http://schemas.microsoft.com/office/drawing/2014/main" id="{F0D4236E-20EE-4CCA-B14B-C400A798AAB3}"/>
+              </a:ext>
+            </a:extLst>
+          </p:cNvPr>
+          <p:cNvSpPr/>
+          <p:nvPr/>
+        </p:nvSpPr>
+        <p:spPr>
+          <a:xfrm>
+            <a:off x="536713" y="3902771"/>
+            <a:ext cx="2100469" cy="457199"/>
+          </a:xfrm>
+          <a:prstGeom prst="rect">
+            <a:avLst/>
+          </a:prstGeom>
+          <a:noFill/>
+          <a:ln w="28575">
+            <a:solidFill>
+              <a:schemeClr val="bg2">
+                <a:lumMod val="90000"/>
+              </a:schemeClr>
+            </a:solidFill>
+          </a:ln>
+        </p:spPr>
+        <p:style>
+          <a:lnRef idx="2">
+            <a:schemeClr val="accent1">
+              <a:shade val="50000"/>
+            </a:schemeClr>
+          </a:lnRef>
+          <a:fillRef idx="1">
+            <a:schemeClr val="accent1"/>
+          </a:fillRef>
+          <a:effectRef idx="0">
+            <a:schemeClr val="accent1"/>
+          </a:effectRef>
+          <a:fontRef idx="minor">
+            <a:schemeClr val="lt1"/>
+          </a:fontRef>
+        </p:style>
+        <p:txBody>
+          <a:bodyPr rtlCol="0" anchor="ctr"/>
+          <a:lstStyle/>
+          <a:p>
+            <a:pPr algn="ctr"/>
+            <a:r>
+              <a:rPr lang="ko-KR" altLang="en-US" sz="2000">
+                <a:solidFill>
+                  <a:schemeClr val="tx1"/>
+                </a:solidFill>
+                <a:latin typeface="12롯데마트드림Medium" panose="02020603020101020101" pitchFamily="18" charset="-127"/>
+                <a:ea typeface="12롯데마트드림Medium" panose="02020603020101020101" pitchFamily="18" charset="-127"/>
+              </a:rPr>
+              <a:t>위치 별 목록</a:t>
+            </a:r>
+            <a:endParaRPr lang="ko-KR" altLang="en-US" sz="2000" dirty="0">
+              <a:solidFill>
+                <a:schemeClr val="tx1"/>
+              </a:solidFill>
+              <a:latin typeface="12롯데마트드림Medium" panose="02020603020101020101" pitchFamily="18" charset="-127"/>
+              <a:ea typeface="12롯데마트드림Medium" panose="02020603020101020101" pitchFamily="18" charset="-127"/>
+            </a:endParaRPr>
+          </a:p>
+        </p:txBody>
+      </p:sp>
+      <p:sp>
+        <p:nvSpPr>
+          <p:cNvPr id="8" name="직사각형 7">
+            <a:extLst>
+              <a:ext uri="{FF2B5EF4-FFF2-40B4-BE49-F238E27FC236}">
+                <a16:creationId xmlns:a16="http://schemas.microsoft.com/office/drawing/2014/main" id="{CE73797B-9B49-48CA-B57F-57DBFCA8374D}"/>
+              </a:ext>
+            </a:extLst>
+          </p:cNvPr>
+          <p:cNvSpPr/>
+          <p:nvPr/>
+        </p:nvSpPr>
+        <p:spPr>
+          <a:xfrm>
+            <a:off x="536713" y="4518997"/>
+            <a:ext cx="2100469" cy="457199"/>
+          </a:xfrm>
+          <a:prstGeom prst="rect">
+            <a:avLst/>
+          </a:prstGeom>
+          <a:noFill/>
+          <a:ln w="28575">
+            <a:solidFill>
+              <a:schemeClr val="bg2">
+                <a:lumMod val="90000"/>
+              </a:schemeClr>
+            </a:solidFill>
+          </a:ln>
+        </p:spPr>
+        <p:style>
+          <a:lnRef idx="2">
+            <a:schemeClr val="accent1">
+              <a:shade val="50000"/>
+            </a:schemeClr>
+          </a:lnRef>
+          <a:fillRef idx="1">
+            <a:schemeClr val="accent1"/>
+          </a:fillRef>
+          <a:effectRef idx="0">
+            <a:schemeClr val="accent1"/>
+          </a:effectRef>
+          <a:fontRef idx="minor">
+            <a:schemeClr val="lt1"/>
+          </a:fontRef>
+        </p:style>
+        <p:txBody>
+          <a:bodyPr rtlCol="0" anchor="ctr"/>
+          <a:lstStyle/>
+          <a:p>
+            <a:pPr algn="ctr"/>
+            <a:r>
+              <a:rPr lang="ko-KR" altLang="en-US" sz="2000" dirty="0" err="1">
+                <a:solidFill>
+                  <a:schemeClr val="tx1"/>
+                </a:solidFill>
+                <a:latin typeface="12롯데마트드림Medium" panose="02020603020101020101" pitchFamily="18" charset="-127"/>
+                <a:ea typeface="12롯데마트드림Medium" panose="02020603020101020101" pitchFamily="18" charset="-127"/>
+              </a:rPr>
+              <a:t>검색창</a:t>
+            </a:r>
+            <a:endParaRPr lang="ko-KR" altLang="en-US" sz="2000" dirty="0">
+              <a:solidFill>
+                <a:schemeClr val="tx1"/>
+              </a:solidFill>
+              <a:latin typeface="12롯데마트드림Medium" panose="02020603020101020101" pitchFamily="18" charset="-127"/>
+              <a:ea typeface="12롯데마트드림Medium" panose="02020603020101020101" pitchFamily="18" charset="-127"/>
+            </a:endParaRPr>
+          </a:p>
+        </p:txBody>
+      </p:sp>
+      <p:sp>
+        <p:nvSpPr>
+          <p:cNvPr id="9" name="직사각형 8">
+            <a:extLst>
+              <a:ext uri="{FF2B5EF4-FFF2-40B4-BE49-F238E27FC236}">
+                <a16:creationId xmlns:a16="http://schemas.microsoft.com/office/drawing/2014/main" id="{79268EAB-C946-47E9-94AA-5A68B0875D32}"/>
+              </a:ext>
+            </a:extLst>
+          </p:cNvPr>
+          <p:cNvSpPr/>
+          <p:nvPr/>
+        </p:nvSpPr>
+        <p:spPr>
+          <a:xfrm>
+            <a:off x="3491948" y="3902771"/>
+            <a:ext cx="2100469" cy="457199"/>
+          </a:xfrm>
+          <a:prstGeom prst="rect">
+            <a:avLst/>
+          </a:prstGeom>
+          <a:noFill/>
+          <a:ln w="28575">
+            <a:solidFill>
+              <a:schemeClr val="bg2">
+                <a:lumMod val="90000"/>
+              </a:schemeClr>
+            </a:solidFill>
+          </a:ln>
+        </p:spPr>
+        <p:style>
+          <a:lnRef idx="2">
+            <a:schemeClr val="accent1">
+              <a:shade val="50000"/>
+            </a:schemeClr>
+          </a:lnRef>
+          <a:fillRef idx="1">
+            <a:schemeClr val="accent1"/>
+          </a:fillRef>
+          <a:effectRef idx="0">
+            <a:schemeClr val="accent1"/>
+          </a:effectRef>
+          <a:fontRef idx="minor">
+            <a:schemeClr val="lt1"/>
+          </a:fontRef>
+        </p:style>
+        <p:txBody>
+          <a:bodyPr rtlCol="0" anchor="ctr"/>
+          <a:lstStyle/>
+          <a:p>
+            <a:pPr algn="ctr"/>
+            <a:r>
+              <a:rPr lang="ko-KR" altLang="en-US" sz="2000" dirty="0">
+                <a:solidFill>
+                  <a:schemeClr val="tx1"/>
+                </a:solidFill>
+                <a:latin typeface="12롯데마트드림Medium" panose="02020603020101020101" pitchFamily="18" charset="-127"/>
+                <a:ea typeface="12롯데마트드림Medium" panose="02020603020101020101" pitchFamily="18" charset="-127"/>
+              </a:rPr>
+              <a:t>숙소 리스트</a:t>
+            </a:r>
+          </a:p>
+        </p:txBody>
+      </p:sp>
+      <p:sp>
+        <p:nvSpPr>
+          <p:cNvPr id="10" name="직사각형 9">
+            <a:extLst>
+              <a:ext uri="{FF2B5EF4-FFF2-40B4-BE49-F238E27FC236}">
+                <a16:creationId xmlns:a16="http://schemas.microsoft.com/office/drawing/2014/main" id="{09AB7C64-9AE7-4206-ACF4-CF06F116864E}"/>
+              </a:ext>
+            </a:extLst>
+          </p:cNvPr>
+          <p:cNvSpPr/>
+          <p:nvPr/>
+        </p:nvSpPr>
+        <p:spPr>
+          <a:xfrm>
+            <a:off x="3491948" y="4518997"/>
+            <a:ext cx="2100469" cy="457199"/>
+          </a:xfrm>
+          <a:prstGeom prst="rect">
+            <a:avLst/>
+          </a:prstGeom>
+          <a:noFill/>
+          <a:ln w="28575">
+            <a:solidFill>
+              <a:schemeClr val="bg2">
+                <a:lumMod val="90000"/>
+              </a:schemeClr>
+            </a:solidFill>
+          </a:ln>
+        </p:spPr>
+        <p:style>
+          <a:lnRef idx="2">
+            <a:schemeClr val="accent1">
+              <a:shade val="50000"/>
+            </a:schemeClr>
+          </a:lnRef>
+          <a:fillRef idx="1">
+            <a:schemeClr val="accent1"/>
+          </a:fillRef>
+          <a:effectRef idx="0">
+            <a:schemeClr val="accent1"/>
+          </a:effectRef>
+          <a:fontRef idx="minor">
+            <a:schemeClr val="lt1"/>
+          </a:fontRef>
+        </p:style>
+        <p:txBody>
+          <a:bodyPr rtlCol="0" anchor="ctr"/>
+          <a:lstStyle/>
+          <a:p>
+            <a:pPr algn="ctr"/>
+            <a:r>
+              <a:rPr lang="ko-KR" altLang="en-US" sz="2000" dirty="0" err="1">
+                <a:solidFill>
+                  <a:schemeClr val="tx1"/>
+                </a:solidFill>
+                <a:latin typeface="12롯데마트드림Medium" panose="02020603020101020101" pitchFamily="18" charset="-127"/>
+                <a:ea typeface="12롯데마트드림Medium" panose="02020603020101020101" pitchFamily="18" charset="-127"/>
+              </a:rPr>
+              <a:t>검색창</a:t>
+            </a:r>
+            <a:endParaRPr lang="ko-KR" altLang="en-US" sz="2000" dirty="0">
+              <a:solidFill>
+                <a:schemeClr val="tx1"/>
+              </a:solidFill>
+              <a:latin typeface="12롯데마트드림Medium" panose="02020603020101020101" pitchFamily="18" charset="-127"/>
+              <a:ea typeface="12롯데마트드림Medium" panose="02020603020101020101" pitchFamily="18" charset="-127"/>
+            </a:endParaRPr>
+          </a:p>
+        </p:txBody>
+      </p:sp>
+      <p:sp>
+        <p:nvSpPr>
+          <p:cNvPr id="12" name="직사각형 11">
+            <a:extLst>
+              <a:ext uri="{FF2B5EF4-FFF2-40B4-BE49-F238E27FC236}">
+                <a16:creationId xmlns:a16="http://schemas.microsoft.com/office/drawing/2014/main" id="{04007CEE-BB7E-450A-AF67-8791CD37045C}"/>
+              </a:ext>
+            </a:extLst>
+          </p:cNvPr>
+          <p:cNvSpPr/>
+          <p:nvPr/>
+        </p:nvSpPr>
+        <p:spPr>
+          <a:xfrm>
+            <a:off x="6447182" y="3902771"/>
+            <a:ext cx="2100469" cy="457199"/>
+          </a:xfrm>
+          <a:prstGeom prst="rect">
+            <a:avLst/>
+          </a:prstGeom>
+          <a:noFill/>
+          <a:ln w="28575">
+            <a:solidFill>
+              <a:schemeClr val="bg2">
+                <a:lumMod val="90000"/>
+              </a:schemeClr>
+            </a:solidFill>
+          </a:ln>
+        </p:spPr>
+        <p:style>
+          <a:lnRef idx="2">
+            <a:schemeClr val="accent1">
+              <a:shade val="50000"/>
+            </a:schemeClr>
+          </a:lnRef>
+          <a:fillRef idx="1">
+            <a:schemeClr val="accent1"/>
+          </a:fillRef>
+          <a:effectRef idx="0">
+            <a:schemeClr val="accent1"/>
+          </a:effectRef>
+          <a:fontRef idx="minor">
+            <a:schemeClr val="lt1"/>
+          </a:fontRef>
+        </p:style>
+        <p:txBody>
+          <a:bodyPr rtlCol="0" anchor="ctr"/>
+          <a:lstStyle/>
+          <a:p>
+            <a:pPr algn="ctr"/>
+            <a:r>
+              <a:rPr lang="ko-KR" altLang="en-US" sz="2000" dirty="0">
+                <a:solidFill>
+                  <a:schemeClr val="tx1"/>
+                </a:solidFill>
+                <a:latin typeface="12롯데마트드림Medium" panose="02020603020101020101" pitchFamily="18" charset="-127"/>
+                <a:ea typeface="12롯데마트드림Medium" panose="02020603020101020101" pitchFamily="18" charset="-127"/>
+              </a:rPr>
+              <a:t>숙소 이름</a:t>
+            </a:r>
+          </a:p>
+        </p:txBody>
+      </p:sp>
+      <p:sp>
+        <p:nvSpPr>
+          <p:cNvPr id="13" name="직사각형 12">
+            <a:extLst>
+              <a:ext uri="{FF2B5EF4-FFF2-40B4-BE49-F238E27FC236}">
+                <a16:creationId xmlns:a16="http://schemas.microsoft.com/office/drawing/2014/main" id="{7E0939EF-47DC-4E1B-A677-4DED759E210B}"/>
+              </a:ext>
+            </a:extLst>
+          </p:cNvPr>
+          <p:cNvSpPr/>
+          <p:nvPr/>
+        </p:nvSpPr>
+        <p:spPr>
+          <a:xfrm>
+            <a:off x="6447182" y="4518997"/>
+            <a:ext cx="2100469" cy="457199"/>
+          </a:xfrm>
+          <a:prstGeom prst="rect">
+            <a:avLst/>
+          </a:prstGeom>
+          <a:noFill/>
+          <a:ln w="28575">
+            <a:solidFill>
+              <a:schemeClr val="bg2">
+                <a:lumMod val="90000"/>
+              </a:schemeClr>
+            </a:solidFill>
+          </a:ln>
+        </p:spPr>
+        <p:style>
+          <a:lnRef idx="2">
+            <a:schemeClr val="accent1">
+              <a:shade val="50000"/>
+            </a:schemeClr>
+          </a:lnRef>
+          <a:fillRef idx="1">
+            <a:schemeClr val="accent1"/>
+          </a:fillRef>
+          <a:effectRef idx="0">
+            <a:schemeClr val="accent1"/>
+          </a:effectRef>
+          <a:fontRef idx="minor">
+            <a:schemeClr val="lt1"/>
+          </a:fontRef>
+        </p:style>
+        <p:txBody>
+          <a:bodyPr rtlCol="0" anchor="ctr"/>
+          <a:lstStyle/>
+          <a:p>
+            <a:pPr algn="ctr"/>
+            <a:r>
+              <a:rPr lang="ko-KR" altLang="en-US" sz="2000" dirty="0">
+                <a:solidFill>
+                  <a:schemeClr val="tx1"/>
+                </a:solidFill>
+                <a:latin typeface="12롯데마트드림Medium" panose="02020603020101020101" pitchFamily="18" charset="-127"/>
+                <a:ea typeface="12롯데마트드림Medium" panose="02020603020101020101" pitchFamily="18" charset="-127"/>
+              </a:rPr>
+              <a:t>숙소 평점</a:t>
+            </a:r>
+          </a:p>
+        </p:txBody>
+      </p:sp>
+      <p:sp>
+        <p:nvSpPr>
+          <p:cNvPr id="14" name="직사각형 13">
+            <a:extLst>
+              <a:ext uri="{FF2B5EF4-FFF2-40B4-BE49-F238E27FC236}">
+                <a16:creationId xmlns:a16="http://schemas.microsoft.com/office/drawing/2014/main" id="{A2DD615F-BBE7-43B7-8BAC-A955F88CCC63}"/>
+              </a:ext>
+            </a:extLst>
+          </p:cNvPr>
+          <p:cNvSpPr/>
+          <p:nvPr/>
+        </p:nvSpPr>
+        <p:spPr>
+          <a:xfrm>
+            <a:off x="6447182" y="5135223"/>
+            <a:ext cx="2100469" cy="457199"/>
+          </a:xfrm>
+          <a:prstGeom prst="rect">
+            <a:avLst/>
+          </a:prstGeom>
+          <a:noFill/>
+          <a:ln w="28575">
+            <a:solidFill>
+              <a:schemeClr val="bg2">
+                <a:lumMod val="90000"/>
+              </a:schemeClr>
+            </a:solidFill>
+          </a:ln>
+        </p:spPr>
+        <p:style>
+          <a:lnRef idx="2">
+            <a:schemeClr val="accent1">
+              <a:shade val="50000"/>
+            </a:schemeClr>
+          </a:lnRef>
+          <a:fillRef idx="1">
+            <a:schemeClr val="accent1"/>
+          </a:fillRef>
+          <a:effectRef idx="0">
+            <a:schemeClr val="accent1"/>
+          </a:effectRef>
+          <a:fontRef idx="minor">
+            <a:schemeClr val="lt1"/>
+          </a:fontRef>
+        </p:style>
+        <p:txBody>
+          <a:bodyPr rtlCol="0" anchor="ctr"/>
+          <a:lstStyle/>
+          <a:p>
+            <a:pPr algn="ctr"/>
+            <a:r>
+              <a:rPr lang="ko-KR" altLang="en-US" sz="2000" dirty="0">
+                <a:solidFill>
+                  <a:schemeClr val="tx1"/>
+                </a:solidFill>
+                <a:latin typeface="12롯데마트드림Medium" panose="02020603020101020101" pitchFamily="18" charset="-127"/>
+                <a:ea typeface="12롯데마트드림Medium" panose="02020603020101020101" pitchFamily="18" charset="-127"/>
+              </a:rPr>
+              <a:t>숙소 리뷰</a:t>
+            </a:r>
+          </a:p>
+        </p:txBody>
+      </p:sp>
+      <p:sp>
+        <p:nvSpPr>
+          <p:cNvPr id="15" name="직사각형 14">
+            <a:extLst>
+              <a:ext uri="{FF2B5EF4-FFF2-40B4-BE49-F238E27FC236}">
+                <a16:creationId xmlns:a16="http://schemas.microsoft.com/office/drawing/2014/main" id="{E39B3643-62FA-4F07-8CD4-01010D12684A}"/>
+              </a:ext>
+            </a:extLst>
+          </p:cNvPr>
+          <p:cNvSpPr/>
+          <p:nvPr/>
+        </p:nvSpPr>
+        <p:spPr>
+          <a:xfrm>
+            <a:off x="9462050" y="3902771"/>
+            <a:ext cx="2014331" cy="417444"/>
+          </a:xfrm>
+          <a:prstGeom prst="rect">
+            <a:avLst/>
+          </a:prstGeom>
+          <a:noFill/>
+          <a:ln w="28575">
+            <a:solidFill>
+              <a:schemeClr val="bg2">
+                <a:lumMod val="90000"/>
+              </a:schemeClr>
+            </a:solidFill>
+          </a:ln>
+        </p:spPr>
+        <p:style>
+          <a:lnRef idx="2">
+            <a:schemeClr val="accent1">
+              <a:shade val="50000"/>
+            </a:schemeClr>
+          </a:lnRef>
+          <a:fillRef idx="1">
+            <a:schemeClr val="accent1"/>
+          </a:fillRef>
+          <a:effectRef idx="0">
+            <a:schemeClr val="accent1"/>
+          </a:effectRef>
+          <a:fontRef idx="minor">
+            <a:schemeClr val="lt1"/>
+          </a:fontRef>
+        </p:style>
+        <p:txBody>
+          <a:bodyPr rtlCol="0" anchor="ctr"/>
+          <a:lstStyle/>
+          <a:p>
+            <a:pPr algn="ctr"/>
+            <a:r>
+              <a:rPr lang="ko-KR" altLang="en-US" sz="2000" dirty="0">
+                <a:solidFill>
+                  <a:schemeClr val="tx1"/>
+                </a:solidFill>
+                <a:latin typeface="12롯데마트드림Medium" panose="02020603020101020101" pitchFamily="18" charset="-127"/>
+                <a:ea typeface="12롯데마트드림Medium" panose="02020603020101020101" pitchFamily="18" charset="-127"/>
+              </a:rPr>
+              <a:t>게시글 목록</a:t>
+            </a:r>
+          </a:p>
+        </p:txBody>
+      </p:sp>
+      <p:sp>
+        <p:nvSpPr>
+          <p:cNvPr id="16" name="직사각형 15">
+            <a:extLst>
+              <a:ext uri="{FF2B5EF4-FFF2-40B4-BE49-F238E27FC236}">
+                <a16:creationId xmlns:a16="http://schemas.microsoft.com/office/drawing/2014/main" id="{81F027D9-EBBD-4CDE-A5EA-5DBF2E2EDD33}"/>
+              </a:ext>
+            </a:extLst>
+          </p:cNvPr>
+          <p:cNvSpPr/>
+          <p:nvPr/>
+        </p:nvSpPr>
+        <p:spPr>
+          <a:xfrm>
+            <a:off x="9462050" y="4518997"/>
+            <a:ext cx="2014331" cy="417444"/>
+          </a:xfrm>
+          <a:prstGeom prst="rect">
+            <a:avLst/>
+          </a:prstGeom>
+          <a:noFill/>
+          <a:ln w="28575">
+            <a:solidFill>
+              <a:schemeClr val="bg2">
+                <a:lumMod val="90000"/>
+              </a:schemeClr>
+            </a:solidFill>
+          </a:ln>
+        </p:spPr>
+        <p:style>
+          <a:lnRef idx="2">
+            <a:schemeClr val="accent1">
+              <a:shade val="50000"/>
+            </a:schemeClr>
+          </a:lnRef>
+          <a:fillRef idx="1">
+            <a:schemeClr val="accent1"/>
+          </a:fillRef>
+          <a:effectRef idx="0">
+            <a:schemeClr val="accent1"/>
+          </a:effectRef>
+          <a:fontRef idx="minor">
+            <a:schemeClr val="lt1"/>
+          </a:fontRef>
+        </p:style>
+        <p:txBody>
+          <a:bodyPr rtlCol="0" anchor="ctr"/>
+          <a:lstStyle/>
+          <a:p>
+            <a:pPr algn="ctr"/>
+            <a:r>
+              <a:rPr lang="ko-KR" altLang="en-US" sz="2000" dirty="0">
+                <a:solidFill>
+                  <a:schemeClr val="tx1"/>
+                </a:solidFill>
+                <a:latin typeface="12롯데마트드림Medium" panose="02020603020101020101" pitchFamily="18" charset="-127"/>
+                <a:ea typeface="12롯데마트드림Medium" panose="02020603020101020101" pitchFamily="18" charset="-127"/>
+              </a:rPr>
+              <a:t>게시글 작성</a:t>
+            </a:r>
+          </a:p>
+        </p:txBody>
+      </p:sp>
+      <p:sp>
+        <p:nvSpPr>
+          <p:cNvPr id="17" name="직사각형 16">
+            <a:extLst>
+              <a:ext uri="{FF2B5EF4-FFF2-40B4-BE49-F238E27FC236}">
+                <a16:creationId xmlns:a16="http://schemas.microsoft.com/office/drawing/2014/main" id="{FF07E225-C415-4171-AD80-43F477E95176}"/>
+              </a:ext>
+            </a:extLst>
+          </p:cNvPr>
+          <p:cNvSpPr/>
+          <p:nvPr/>
+        </p:nvSpPr>
+        <p:spPr>
+          <a:xfrm>
+            <a:off x="9462050" y="5135223"/>
+            <a:ext cx="2014331" cy="417444"/>
+          </a:xfrm>
+          <a:prstGeom prst="rect">
+            <a:avLst/>
+          </a:prstGeom>
+          <a:noFill/>
+          <a:ln w="28575">
+            <a:solidFill>
+              <a:schemeClr val="bg2">
+                <a:lumMod val="90000"/>
+              </a:schemeClr>
+            </a:solidFill>
+          </a:ln>
+        </p:spPr>
+        <p:style>
+          <a:lnRef idx="2">
+            <a:schemeClr val="accent1">
+              <a:shade val="50000"/>
+            </a:schemeClr>
+          </a:lnRef>
+          <a:fillRef idx="1">
+            <a:schemeClr val="accent1"/>
+          </a:fillRef>
+          <a:effectRef idx="0">
+            <a:schemeClr val="accent1"/>
+          </a:effectRef>
+          <a:fontRef idx="minor">
+            <a:schemeClr val="lt1"/>
+          </a:fontRef>
+        </p:style>
+        <p:txBody>
+          <a:bodyPr rtlCol="0" anchor="ctr"/>
+          <a:lstStyle/>
+          <a:p>
+            <a:pPr algn="ctr"/>
+            <a:r>
+              <a:rPr lang="ko-KR" altLang="en-US" sz="2000" dirty="0">
+                <a:solidFill>
+                  <a:schemeClr val="tx1"/>
+                </a:solidFill>
+                <a:latin typeface="12롯데마트드림Medium" panose="02020603020101020101" pitchFamily="18" charset="-127"/>
+                <a:ea typeface="12롯데마트드림Medium" panose="02020603020101020101" pitchFamily="18" charset="-127"/>
+              </a:rPr>
+              <a:t>댓글</a:t>
+            </a:r>
+          </a:p>
+        </p:txBody>
+      </p:sp>
+      <p:sp>
+        <p:nvSpPr>
+          <p:cNvPr id="20" name="직사각형 19">
+            <a:extLst>
+              <a:ext uri="{FF2B5EF4-FFF2-40B4-BE49-F238E27FC236}">
+                <a16:creationId xmlns:a16="http://schemas.microsoft.com/office/drawing/2014/main" id="{E246554F-034A-4F34-9DA2-34CAEDA4843B}"/>
+              </a:ext>
+            </a:extLst>
+          </p:cNvPr>
+          <p:cNvSpPr/>
+          <p:nvPr/>
+        </p:nvSpPr>
+        <p:spPr>
+          <a:xfrm>
+            <a:off x="3491948" y="5135223"/>
+            <a:ext cx="2100469" cy="457199"/>
+          </a:xfrm>
+          <a:prstGeom prst="rect">
+            <a:avLst/>
+          </a:prstGeom>
+          <a:noFill/>
+          <a:ln w="28575">
+            <a:solidFill>
+              <a:schemeClr val="bg2">
+                <a:lumMod val="90000"/>
+              </a:schemeClr>
+            </a:solidFill>
+          </a:ln>
+        </p:spPr>
+        <p:style>
+          <a:lnRef idx="2">
+            <a:schemeClr val="accent1">
+              <a:shade val="50000"/>
+            </a:schemeClr>
+          </a:lnRef>
+          <a:fillRef idx="1">
+            <a:schemeClr val="accent1"/>
+          </a:fillRef>
+          <a:effectRef idx="0">
+            <a:schemeClr val="accent1"/>
+          </a:effectRef>
+          <a:fontRef idx="minor">
+            <a:schemeClr val="lt1"/>
+          </a:fontRef>
+        </p:style>
+        <p:txBody>
+          <a:bodyPr rtlCol="0" anchor="ctr"/>
+          <a:lstStyle/>
+          <a:p>
+            <a:pPr algn="ctr"/>
+            <a:r>
+              <a:rPr lang="ko-KR" altLang="en-US" sz="2000" dirty="0">
+                <a:solidFill>
+                  <a:schemeClr val="tx1"/>
+                </a:solidFill>
+                <a:latin typeface="12롯데마트드림Medium" panose="02020603020101020101" pitchFamily="18" charset="-127"/>
+                <a:ea typeface="12롯데마트드림Medium" panose="02020603020101020101" pitchFamily="18" charset="-127"/>
+              </a:rPr>
+              <a:t>지도</a:t>
+            </a:r>
+          </a:p>
+        </p:txBody>
+      </p:sp>
+      <p:sp>
+        <p:nvSpPr>
+          <p:cNvPr id="21" name="직사각형 20">
+            <a:extLst>
+              <a:ext uri="{FF2B5EF4-FFF2-40B4-BE49-F238E27FC236}">
+                <a16:creationId xmlns:a16="http://schemas.microsoft.com/office/drawing/2014/main" id="{819184B7-20DF-4016-96BC-05A38DC2159A}"/>
+              </a:ext>
+            </a:extLst>
+          </p:cNvPr>
+          <p:cNvSpPr/>
+          <p:nvPr/>
+        </p:nvSpPr>
+        <p:spPr>
+          <a:xfrm>
+            <a:off x="9462050" y="5751450"/>
+            <a:ext cx="2014331" cy="417444"/>
+          </a:xfrm>
+          <a:prstGeom prst="rect">
+            <a:avLst/>
+          </a:prstGeom>
+          <a:noFill/>
+          <a:ln w="28575">
+            <a:solidFill>
+              <a:schemeClr val="bg2">
+                <a:lumMod val="90000"/>
+              </a:schemeClr>
+            </a:solidFill>
+          </a:ln>
+        </p:spPr>
+        <p:style>
+          <a:lnRef idx="2">
+            <a:schemeClr val="accent1">
+              <a:shade val="50000"/>
+            </a:schemeClr>
+          </a:lnRef>
+          <a:fillRef idx="1">
+            <a:schemeClr val="accent1"/>
+          </a:fillRef>
+          <a:effectRef idx="0">
+            <a:schemeClr val="accent1"/>
+          </a:effectRef>
+          <a:fontRef idx="minor">
+            <a:schemeClr val="lt1"/>
+          </a:fontRef>
+        </p:style>
+        <p:txBody>
+          <a:bodyPr rtlCol="0" anchor="ctr"/>
+          <a:lstStyle/>
+          <a:p>
+            <a:pPr algn="ctr"/>
+            <a:r>
+              <a:rPr lang="ko-KR" altLang="en-US" sz="2000" dirty="0">
+                <a:solidFill>
+                  <a:schemeClr val="tx1"/>
+                </a:solidFill>
+                <a:latin typeface="12롯데마트드림Medium" panose="02020603020101020101" pitchFamily="18" charset="-127"/>
+                <a:ea typeface="12롯데마트드림Medium" panose="02020603020101020101" pitchFamily="18" charset="-127"/>
+              </a:rPr>
+              <a:t>로그인</a:t>
+            </a:r>
+          </a:p>
+        </p:txBody>
+      </p:sp>
+      <p:cxnSp>
+        <p:nvCxnSpPr>
+          <p:cNvPr id="23" name="연결선: 꺾임 22">
+            <a:extLst>
+              <a:ext uri="{FF2B5EF4-FFF2-40B4-BE49-F238E27FC236}">
+                <a16:creationId xmlns:a16="http://schemas.microsoft.com/office/drawing/2014/main" id="{C5DDEC54-3C47-486E-9FBD-13EACD44B0FB}"/>
+              </a:ext>
+            </a:extLst>
+          </p:cNvPr>
+          <p:cNvCxnSpPr>
+            <a:stCxn id="2" idx="2"/>
+            <a:endCxn id="5" idx="0"/>
+          </p:cNvCxnSpPr>
+          <p:nvPr/>
+        </p:nvCxnSpPr>
+        <p:spPr>
+          <a:xfrm rot="5400000">
+            <a:off x="3327954" y="419106"/>
+            <a:ext cx="1027043" cy="4509051"/>
+          </a:xfrm>
+          <a:prstGeom prst="bentConnector3">
+            <a:avLst/>
+          </a:prstGeom>
+          <a:ln>
+            <a:solidFill>
+              <a:schemeClr val="tx1">
+                <a:lumMod val="50000"/>
+                <a:lumOff val="50000"/>
+              </a:schemeClr>
+            </a:solidFill>
+          </a:ln>
+        </p:spPr>
+        <p:style>
+          <a:lnRef idx="1">
+            <a:schemeClr val="accent1"/>
+          </a:lnRef>
+          <a:fillRef idx="0">
+            <a:schemeClr val="accent1"/>
+          </a:fillRef>
+          <a:effectRef idx="0">
+            <a:schemeClr val="accent1"/>
+          </a:effectRef>
+          <a:fontRef idx="minor">
+            <a:schemeClr val="tx1"/>
+          </a:fontRef>
+        </p:style>
+      </p:cxnSp>
+      <p:cxnSp>
+        <p:nvCxnSpPr>
+          <p:cNvPr id="25" name="연결선: 꺾임 24">
+            <a:extLst>
+              <a:ext uri="{FF2B5EF4-FFF2-40B4-BE49-F238E27FC236}">
+                <a16:creationId xmlns:a16="http://schemas.microsoft.com/office/drawing/2014/main" id="{97DD3384-A73A-4B2A-B445-94CE27CB5919}"/>
+              </a:ext>
+            </a:extLst>
+          </p:cNvPr>
+          <p:cNvCxnSpPr>
+            <a:cxnSpLocks/>
+            <a:stCxn id="2" idx="2"/>
+            <a:endCxn id="6" idx="0"/>
+          </p:cNvCxnSpPr>
+          <p:nvPr/>
+        </p:nvCxnSpPr>
+        <p:spPr>
+          <a:xfrm rot="16200000" flipH="1">
+            <a:off x="7769087" y="487022"/>
+            <a:ext cx="1010476" cy="4356651"/>
+          </a:xfrm>
+          <a:prstGeom prst="bentConnector3">
+            <a:avLst/>
+          </a:prstGeom>
+          <a:ln>
+            <a:solidFill>
+              <a:schemeClr val="tx1">
+                <a:lumMod val="50000"/>
+                <a:lumOff val="50000"/>
+              </a:schemeClr>
+            </a:solidFill>
+          </a:ln>
+        </p:spPr>
+        <p:style>
+          <a:lnRef idx="1">
+            <a:schemeClr val="accent1"/>
+          </a:lnRef>
+          <a:fillRef idx="0">
+            <a:schemeClr val="accent1"/>
+          </a:fillRef>
+          <a:effectRef idx="0">
+            <a:schemeClr val="accent1"/>
+          </a:effectRef>
+          <a:fontRef idx="minor">
+            <a:schemeClr val="tx1"/>
+          </a:fontRef>
+        </p:style>
+      </p:cxnSp>
+      <p:cxnSp>
+        <p:nvCxnSpPr>
+          <p:cNvPr id="28" name="연결선: 꺾임 27">
+            <a:extLst>
+              <a:ext uri="{FF2B5EF4-FFF2-40B4-BE49-F238E27FC236}">
+                <a16:creationId xmlns:a16="http://schemas.microsoft.com/office/drawing/2014/main" id="{49741513-6CC8-48A7-9A8F-BD0DA75E2BF9}"/>
+              </a:ext>
+            </a:extLst>
+          </p:cNvPr>
+          <p:cNvCxnSpPr>
+            <a:cxnSpLocks/>
+            <a:stCxn id="2" idx="2"/>
+            <a:endCxn id="3" idx="0"/>
+          </p:cNvCxnSpPr>
+          <p:nvPr/>
+        </p:nvCxnSpPr>
+        <p:spPr>
+          <a:xfrm rot="5400000">
+            <a:off x="4813854" y="1888440"/>
+            <a:ext cx="1010477" cy="1553817"/>
+          </a:xfrm>
+          <a:prstGeom prst="bentConnector3">
+            <a:avLst/>
+          </a:prstGeom>
+          <a:ln>
+            <a:solidFill>
+              <a:schemeClr val="tx1">
+                <a:lumMod val="50000"/>
+                <a:lumOff val="50000"/>
+              </a:schemeClr>
+            </a:solidFill>
+          </a:ln>
+        </p:spPr>
+        <p:style>
+          <a:lnRef idx="1">
+            <a:schemeClr val="accent1"/>
+          </a:lnRef>
+          <a:fillRef idx="0">
+            <a:schemeClr val="accent1"/>
+          </a:fillRef>
+          <a:effectRef idx="0">
+            <a:schemeClr val="accent1"/>
+          </a:effectRef>
+          <a:fontRef idx="minor">
+            <a:schemeClr val="tx1"/>
+          </a:fontRef>
+        </p:style>
+      </p:cxnSp>
+      <p:cxnSp>
+        <p:nvCxnSpPr>
+          <p:cNvPr id="30" name="연결선: 꺾임 29">
+            <a:extLst>
+              <a:ext uri="{FF2B5EF4-FFF2-40B4-BE49-F238E27FC236}">
+                <a16:creationId xmlns:a16="http://schemas.microsoft.com/office/drawing/2014/main" id="{65FD01FC-DEA9-4808-889A-75BE9A674D19}"/>
+              </a:ext>
+            </a:extLst>
+          </p:cNvPr>
+          <p:cNvCxnSpPr>
+            <a:stCxn id="2" idx="2"/>
+            <a:endCxn id="4" idx="0"/>
+          </p:cNvCxnSpPr>
+          <p:nvPr/>
+        </p:nvCxnSpPr>
+        <p:spPr>
+          <a:xfrm rot="16200000" flipH="1">
+            <a:off x="6291470" y="1964639"/>
+            <a:ext cx="1010477" cy="1401417"/>
+          </a:xfrm>
+          <a:prstGeom prst="bentConnector3">
+            <a:avLst/>
+          </a:prstGeom>
+          <a:ln>
+            <a:solidFill>
+              <a:schemeClr val="tx1">
+                <a:lumMod val="50000"/>
+                <a:lumOff val="50000"/>
+              </a:schemeClr>
+            </a:solidFill>
+          </a:ln>
+        </p:spPr>
+        <p:style>
+          <a:lnRef idx="1">
+            <a:schemeClr val="accent1"/>
+          </a:lnRef>
+          <a:fillRef idx="0">
+            <a:schemeClr val="accent1"/>
+          </a:fillRef>
+          <a:effectRef idx="0">
+            <a:schemeClr val="accent1"/>
+          </a:effectRef>
+          <a:fontRef idx="minor">
+            <a:schemeClr val="tx1"/>
+          </a:fontRef>
+        </p:style>
+      </p:cxnSp>
+      <p:sp>
+        <p:nvSpPr>
+          <p:cNvPr id="31" name="TextBox 30">
+            <a:extLst>
+              <a:ext uri="{FF2B5EF4-FFF2-40B4-BE49-F238E27FC236}">
+                <a16:creationId xmlns:a16="http://schemas.microsoft.com/office/drawing/2014/main" id="{56D36225-0207-4954-A26C-C8E8489BF226}"/>
               </a:ext>
             </a:extLst>
           </p:cNvPr>
@@ -5739,7 +6020,7 @@
         <p:spPr>
           <a:xfrm>
             <a:off x="536713" y="392217"/>
-            <a:ext cx="6096000" cy="560282"/>
+            <a:ext cx="6096000" cy="574966"/>
           </a:xfrm>
           <a:prstGeom prst="rect">
             <a:avLst/>
@@ -5758,29 +6039,1172 @@
               </a:lnSpc>
             </a:pPr>
             <a:r>
+              <a:rPr lang="ko-KR" altLang="en-US" sz="2400">
+                <a:latin typeface="12롯데마트드림Medium" panose="02020603020101020101" pitchFamily="18" charset="-127"/>
+                <a:ea typeface="12롯데마트드림Medium" panose="02020603020101020101" pitchFamily="18" charset="-127"/>
+              </a:rPr>
+              <a:t>페이지 </a:t>
+            </a:r>
+            <a:r>
+              <a:rPr lang="en-US" altLang="ko-KR" sz="2400">
+                <a:latin typeface="12롯데마트드림Medium" panose="02020603020101020101" pitchFamily="18" charset="-127"/>
+                <a:ea typeface="12롯데마트드림Medium" panose="02020603020101020101" pitchFamily="18" charset="-127"/>
+              </a:rPr>
+              <a:t>(</a:t>
+            </a:r>
+            <a:r>
+              <a:rPr lang="ko-KR" altLang="en-US" sz="2400">
+                <a:latin typeface="12롯데마트드림Medium" panose="02020603020101020101" pitchFamily="18" charset="-127"/>
+                <a:ea typeface="12롯데마트드림Medium" panose="02020603020101020101" pitchFamily="18" charset="-127"/>
+              </a:rPr>
+              <a:t>기능</a:t>
+            </a:r>
+            <a:r>
+              <a:rPr lang="en-US" altLang="ko-KR" sz="2400">
+                <a:latin typeface="12롯데마트드림Medium" panose="02020603020101020101" pitchFamily="18" charset="-127"/>
+                <a:ea typeface="12롯데마트드림Medium" panose="02020603020101020101" pitchFamily="18" charset="-127"/>
+              </a:rPr>
+              <a:t>)</a:t>
+            </a:r>
+            <a:r>
+              <a:rPr lang="ko-KR" altLang="en-US" sz="2400">
+                <a:latin typeface="12롯데마트드림Medium" panose="02020603020101020101" pitchFamily="18" charset="-127"/>
+                <a:ea typeface="12롯데마트드림Medium" panose="02020603020101020101" pitchFamily="18" charset="-127"/>
+              </a:rPr>
+              <a:t> </a:t>
+            </a:r>
+            <a:r>
+              <a:rPr lang="ko-KR" altLang="en-US" sz="2400" dirty="0">
+                <a:latin typeface="12롯데마트드림Medium" panose="02020603020101020101" pitchFamily="18" charset="-127"/>
+                <a:ea typeface="12롯데마트드림Medium" panose="02020603020101020101" pitchFamily="18" charset="-127"/>
+              </a:rPr>
+              <a:t>구성</a:t>
+            </a:r>
+            <a:endParaRPr lang="en-US" altLang="ko-KR" sz="2400" dirty="0">
+              <a:latin typeface="12롯데마트드림Medium" panose="02020603020101020101" pitchFamily="18" charset="-127"/>
+              <a:ea typeface="12롯데마트드림Medium" panose="02020603020101020101" pitchFamily="18" charset="-127"/>
+            </a:endParaRPr>
+          </a:p>
+        </p:txBody>
+      </p:sp>
+    </p:spTree>
+    <p:extLst>
+      <p:ext uri="{BB962C8B-B14F-4D97-AF65-F5344CB8AC3E}">
+        <p14:creationId xmlns:p14="http://schemas.microsoft.com/office/powerpoint/2010/main" val="3549695615"/>
+      </p:ext>
+    </p:extLst>
+  </p:cSld>
+  <p:clrMapOvr>
+    <a:masterClrMapping/>
+  </p:clrMapOvr>
+</p:sld>
+</file>
+
+<file path=ppt/slides/slide15.xml><?xml version="1.0" encoding="utf-8"?>
+<p:sld xmlns:a="http://schemas.openxmlformats.org/drawingml/2006/main" xmlns:r="http://schemas.openxmlformats.org/officeDocument/2006/relationships" xmlns:p="http://schemas.openxmlformats.org/presentationml/2006/main">
+  <p:cSld>
+    <p:spTree>
+      <p:nvGrpSpPr>
+        <p:cNvPr id="1" name=""/>
+        <p:cNvGrpSpPr/>
+        <p:nvPr/>
+      </p:nvGrpSpPr>
+      <p:grpSpPr>
+        <a:xfrm>
+          <a:off x="0" y="0"/>
+          <a:ext cx="0" cy="0"/>
+          <a:chOff x="0" y="0"/>
+          <a:chExt cx="0" cy="0"/>
+        </a:xfrm>
+      </p:grpSpPr>
+      <p:sp>
+        <p:nvSpPr>
+          <p:cNvPr id="2" name="TextBox 1">
+            <a:extLst>
+              <a:ext uri="{FF2B5EF4-FFF2-40B4-BE49-F238E27FC236}">
+                <a16:creationId xmlns:a16="http://schemas.microsoft.com/office/drawing/2014/main" id="{2A905B13-5FB8-4874-B4ED-A2CEBE274FB2}"/>
+              </a:ext>
+            </a:extLst>
+          </p:cNvPr>
+          <p:cNvSpPr txBox="1"/>
+          <p:nvPr/>
+        </p:nvSpPr>
+        <p:spPr>
+          <a:xfrm>
+            <a:off x="4112079" y="2303076"/>
+            <a:ext cx="4327071" cy="369332"/>
+          </a:xfrm>
+          <a:prstGeom prst="rect">
+            <a:avLst/>
+          </a:prstGeom>
+          <a:noFill/>
+        </p:spPr>
+        <p:txBody>
+          <a:bodyPr wrap="square" rtlCol="0">
+            <a:spAutoFit/>
+          </a:bodyPr>
+          <a:lstStyle/>
+          <a:p>
+            <a:r>
+              <a:rPr lang="en-US" altLang="ko-KR"/>
+              <a:t>base.html</a:t>
+            </a:r>
+            <a:endParaRPr lang="ko-KR" altLang="en-US"/>
+          </a:p>
+        </p:txBody>
+      </p:sp>
+      <p:sp>
+        <p:nvSpPr>
+          <p:cNvPr id="3" name="TextBox 2">
+            <a:extLst>
+              <a:ext uri="{FF2B5EF4-FFF2-40B4-BE49-F238E27FC236}">
+                <a16:creationId xmlns:a16="http://schemas.microsoft.com/office/drawing/2014/main" id="{8AB55FC9-2177-4077-9C65-C6AC158B489E}"/>
+              </a:ext>
+            </a:extLst>
+          </p:cNvPr>
+          <p:cNvSpPr txBox="1"/>
+          <p:nvPr/>
+        </p:nvSpPr>
+        <p:spPr>
+          <a:xfrm>
+            <a:off x="5701394" y="1591049"/>
+            <a:ext cx="4327071" cy="369332"/>
+          </a:xfrm>
+          <a:prstGeom prst="rect">
+            <a:avLst/>
+          </a:prstGeom>
+          <a:noFill/>
+        </p:spPr>
+        <p:txBody>
+          <a:bodyPr wrap="square" rtlCol="0">
+            <a:spAutoFit/>
+          </a:bodyPr>
+          <a:lstStyle/>
+          <a:p>
+            <a:r>
+              <a:rPr lang="en-US" altLang="ko-KR"/>
+              <a:t>serarching.html</a:t>
+            </a:r>
+            <a:endParaRPr lang="ko-KR" altLang="en-US"/>
+          </a:p>
+        </p:txBody>
+      </p:sp>
+      <p:sp>
+        <p:nvSpPr>
+          <p:cNvPr id="4" name="TextBox 3">
+            <a:extLst>
+              <a:ext uri="{FF2B5EF4-FFF2-40B4-BE49-F238E27FC236}">
+                <a16:creationId xmlns:a16="http://schemas.microsoft.com/office/drawing/2014/main" id="{81C3C884-7B63-4F8B-BF25-64974B539A7F}"/>
+              </a:ext>
+            </a:extLst>
+          </p:cNvPr>
+          <p:cNvSpPr txBox="1"/>
+          <p:nvPr/>
+        </p:nvSpPr>
+        <p:spPr>
+          <a:xfrm>
+            <a:off x="5864680" y="2144075"/>
+            <a:ext cx="4327071" cy="369332"/>
+          </a:xfrm>
+          <a:prstGeom prst="rect">
+            <a:avLst/>
+          </a:prstGeom>
+          <a:noFill/>
+        </p:spPr>
+        <p:txBody>
+          <a:bodyPr wrap="square" rtlCol="0">
+            <a:spAutoFit/>
+          </a:bodyPr>
+          <a:lstStyle/>
+          <a:p>
+            <a:r>
+              <a:rPr lang="en-US" altLang="ko-KR"/>
+              <a:t>question_list.html</a:t>
+            </a:r>
+            <a:endParaRPr lang="ko-KR" altLang="en-US"/>
+          </a:p>
+        </p:txBody>
+      </p:sp>
+      <p:sp>
+        <p:nvSpPr>
+          <p:cNvPr id="5" name="TextBox 4">
+            <a:extLst>
+              <a:ext uri="{FF2B5EF4-FFF2-40B4-BE49-F238E27FC236}">
+                <a16:creationId xmlns:a16="http://schemas.microsoft.com/office/drawing/2014/main" id="{6755D96A-B163-45B6-946E-70A0F1473C58}"/>
+              </a:ext>
+            </a:extLst>
+          </p:cNvPr>
+          <p:cNvSpPr txBox="1"/>
+          <p:nvPr/>
+        </p:nvSpPr>
+        <p:spPr>
+          <a:xfrm>
+            <a:off x="5864680" y="2903728"/>
+            <a:ext cx="4327071" cy="369332"/>
+          </a:xfrm>
+          <a:prstGeom prst="rect">
+            <a:avLst/>
+          </a:prstGeom>
+          <a:noFill/>
+        </p:spPr>
+        <p:txBody>
+          <a:bodyPr wrap="square" rtlCol="0">
+            <a:spAutoFit/>
+          </a:bodyPr>
+          <a:lstStyle/>
+          <a:p>
+            <a:r>
+              <a:rPr lang="en-US" altLang="ko-KR"/>
+              <a:t>login.html</a:t>
+            </a:r>
+            <a:endParaRPr lang="ko-KR" altLang="en-US"/>
+          </a:p>
+        </p:txBody>
+      </p:sp>
+      <p:cxnSp>
+        <p:nvCxnSpPr>
+          <p:cNvPr id="6" name="직선 화살표 연결선 5">
+            <a:extLst>
+              <a:ext uri="{FF2B5EF4-FFF2-40B4-BE49-F238E27FC236}">
+                <a16:creationId xmlns:a16="http://schemas.microsoft.com/office/drawing/2014/main" id="{C28BCBA2-1F9C-4C54-BD61-6B8C262F2B01}"/>
+              </a:ext>
+            </a:extLst>
+          </p:cNvPr>
+          <p:cNvCxnSpPr>
+            <a:cxnSpLocks/>
+          </p:cNvCxnSpPr>
+          <p:nvPr/>
+        </p:nvCxnSpPr>
+        <p:spPr>
+          <a:xfrm flipV="1">
+            <a:off x="3239567" y="3683153"/>
+            <a:ext cx="872513" cy="895725"/>
+          </a:xfrm>
+          <a:prstGeom prst="straightConnector1">
+            <a:avLst/>
+          </a:prstGeom>
+          <a:ln>
+            <a:tailEnd type="triangle"/>
+          </a:ln>
+        </p:spPr>
+        <p:style>
+          <a:lnRef idx="1">
+            <a:schemeClr val="accent1"/>
+          </a:lnRef>
+          <a:fillRef idx="0">
+            <a:schemeClr val="accent1"/>
+          </a:fillRef>
+          <a:effectRef idx="0">
+            <a:schemeClr val="accent1"/>
+          </a:effectRef>
+          <a:fontRef idx="minor">
+            <a:schemeClr val="tx1"/>
+          </a:fontRef>
+        </p:style>
+      </p:cxnSp>
+      <p:sp>
+        <p:nvSpPr>
+          <p:cNvPr id="8" name="TextBox 7">
+            <a:extLst>
+              <a:ext uri="{FF2B5EF4-FFF2-40B4-BE49-F238E27FC236}">
+                <a16:creationId xmlns:a16="http://schemas.microsoft.com/office/drawing/2014/main" id="{4A649F77-8344-4B49-8BB4-FB4A5D8D21DC}"/>
+              </a:ext>
+            </a:extLst>
+          </p:cNvPr>
+          <p:cNvSpPr txBox="1"/>
+          <p:nvPr/>
+        </p:nvSpPr>
+        <p:spPr>
+          <a:xfrm>
+            <a:off x="4112079" y="3313821"/>
+            <a:ext cx="4327071" cy="369332"/>
+          </a:xfrm>
+          <a:prstGeom prst="rect">
+            <a:avLst/>
+          </a:prstGeom>
+          <a:noFill/>
+        </p:spPr>
+        <p:txBody>
+          <a:bodyPr wrap="square" rtlCol="0">
+            <a:spAutoFit/>
+          </a:bodyPr>
+          <a:lstStyle/>
+          <a:p>
+            <a:r>
+              <a:rPr lang="en-US" altLang="ko-KR"/>
+              <a:t>Main.html</a:t>
+            </a:r>
+            <a:endParaRPr lang="ko-KR" altLang="en-US"/>
+          </a:p>
+        </p:txBody>
+      </p:sp>
+      <p:sp>
+        <p:nvSpPr>
+          <p:cNvPr id="10" name="TextBox 9">
+            <a:extLst>
+              <a:ext uri="{FF2B5EF4-FFF2-40B4-BE49-F238E27FC236}">
+                <a16:creationId xmlns:a16="http://schemas.microsoft.com/office/drawing/2014/main" id="{3D59F95D-3643-4F42-9864-4810D378DB34}"/>
+              </a:ext>
+            </a:extLst>
+          </p:cNvPr>
+          <p:cNvSpPr txBox="1"/>
+          <p:nvPr/>
+        </p:nvSpPr>
+        <p:spPr>
+          <a:xfrm>
+            <a:off x="2284346" y="4800599"/>
+            <a:ext cx="1910442" cy="369332"/>
+          </a:xfrm>
+          <a:prstGeom prst="rect">
+            <a:avLst/>
+          </a:prstGeom>
+          <a:noFill/>
+        </p:spPr>
+        <p:txBody>
+          <a:bodyPr wrap="square" rtlCol="0">
+            <a:spAutoFit/>
+          </a:bodyPr>
+          <a:lstStyle/>
+          <a:p>
+            <a:r>
+              <a:rPr lang="ko-KR" altLang="en-US"/>
+              <a:t>메인 </a:t>
+            </a:r>
+            <a:r>
+              <a:rPr lang="en-US" altLang="ko-KR"/>
+              <a:t>url</a:t>
+            </a:r>
+            <a:endParaRPr lang="ko-KR" altLang="en-US"/>
+          </a:p>
+        </p:txBody>
+      </p:sp>
+      <p:sp>
+        <p:nvSpPr>
+          <p:cNvPr id="11" name="TextBox 10">
+            <a:extLst>
+              <a:ext uri="{FF2B5EF4-FFF2-40B4-BE49-F238E27FC236}">
+                <a16:creationId xmlns:a16="http://schemas.microsoft.com/office/drawing/2014/main" id="{83B69DC6-20DB-48E4-9C05-3940F69F5147}"/>
+              </a:ext>
+            </a:extLst>
+          </p:cNvPr>
+          <p:cNvSpPr txBox="1"/>
+          <p:nvPr/>
+        </p:nvSpPr>
+        <p:spPr>
+          <a:xfrm>
+            <a:off x="7587344" y="1343630"/>
+            <a:ext cx="4327071" cy="369332"/>
+          </a:xfrm>
+          <a:prstGeom prst="rect">
+            <a:avLst/>
+          </a:prstGeom>
+          <a:noFill/>
+        </p:spPr>
+        <p:txBody>
+          <a:bodyPr wrap="square" rtlCol="0">
+            <a:spAutoFit/>
+          </a:bodyPr>
+          <a:lstStyle/>
+          <a:p>
+            <a:r>
+              <a:rPr lang="en-US" altLang="ko-KR"/>
+              <a:t>detail.html</a:t>
+            </a:r>
+            <a:endParaRPr lang="ko-KR" altLang="en-US"/>
+          </a:p>
+        </p:txBody>
+      </p:sp>
+      <p:sp>
+        <p:nvSpPr>
+          <p:cNvPr id="12" name="TextBox 11">
+            <a:extLst>
+              <a:ext uri="{FF2B5EF4-FFF2-40B4-BE49-F238E27FC236}">
+                <a16:creationId xmlns:a16="http://schemas.microsoft.com/office/drawing/2014/main" id="{E502F19B-7A95-4B7A-B302-952B2DCB475E}"/>
+              </a:ext>
+            </a:extLst>
+          </p:cNvPr>
+          <p:cNvSpPr txBox="1"/>
+          <p:nvPr/>
+        </p:nvSpPr>
+        <p:spPr>
+          <a:xfrm>
+            <a:off x="5562601" y="1002808"/>
+            <a:ext cx="4327071" cy="369332"/>
+          </a:xfrm>
+          <a:prstGeom prst="rect">
+            <a:avLst/>
+          </a:prstGeom>
+          <a:noFill/>
+        </p:spPr>
+        <p:txBody>
+          <a:bodyPr wrap="square" rtlCol="0">
+            <a:spAutoFit/>
+          </a:bodyPr>
+          <a:lstStyle/>
+          <a:p>
+            <a:r>
+              <a:rPr lang="en-US" altLang="ko-KR"/>
+              <a:t>map.html</a:t>
+            </a:r>
+            <a:endParaRPr lang="ko-KR" altLang="en-US"/>
+          </a:p>
+        </p:txBody>
+      </p:sp>
+      <p:sp>
+        <p:nvSpPr>
+          <p:cNvPr id="13" name="TextBox 12">
+            <a:extLst>
+              <a:ext uri="{FF2B5EF4-FFF2-40B4-BE49-F238E27FC236}">
+                <a16:creationId xmlns:a16="http://schemas.microsoft.com/office/drawing/2014/main" id="{03136A07-E416-4D7C-B5C3-CB80F0395E8A}"/>
+              </a:ext>
+            </a:extLst>
+          </p:cNvPr>
+          <p:cNvSpPr txBox="1"/>
+          <p:nvPr/>
+        </p:nvSpPr>
+        <p:spPr>
+          <a:xfrm>
+            <a:off x="7864929" y="1994624"/>
+            <a:ext cx="4327071" cy="369332"/>
+          </a:xfrm>
+          <a:prstGeom prst="rect">
+            <a:avLst/>
+          </a:prstGeom>
+          <a:noFill/>
+        </p:spPr>
+        <p:txBody>
+          <a:bodyPr wrap="square" rtlCol="0">
+            <a:spAutoFit/>
+          </a:bodyPr>
+          <a:lstStyle/>
+          <a:p>
+            <a:r>
+              <a:rPr lang="en-US" altLang="ko-KR"/>
+              <a:t>question_detail.html</a:t>
+            </a:r>
+            <a:endParaRPr lang="ko-KR" altLang="en-US"/>
+          </a:p>
+        </p:txBody>
+      </p:sp>
+      <p:sp>
+        <p:nvSpPr>
+          <p:cNvPr id="14" name="TextBox 13">
+            <a:extLst>
+              <a:ext uri="{FF2B5EF4-FFF2-40B4-BE49-F238E27FC236}">
+                <a16:creationId xmlns:a16="http://schemas.microsoft.com/office/drawing/2014/main" id="{903AF4D1-D52F-4AD1-BCE5-D565879CF316}"/>
+              </a:ext>
+            </a:extLst>
+          </p:cNvPr>
+          <p:cNvSpPr txBox="1"/>
+          <p:nvPr/>
+        </p:nvSpPr>
+        <p:spPr>
+          <a:xfrm>
+            <a:off x="7864929" y="2346019"/>
+            <a:ext cx="4327071" cy="369332"/>
+          </a:xfrm>
+          <a:prstGeom prst="rect">
+            <a:avLst/>
+          </a:prstGeom>
+          <a:noFill/>
+        </p:spPr>
+        <p:txBody>
+          <a:bodyPr wrap="square" rtlCol="0">
+            <a:spAutoFit/>
+          </a:bodyPr>
+          <a:lstStyle/>
+          <a:p>
+            <a:r>
+              <a:rPr lang="en-US" altLang="ko-KR"/>
+              <a:t>question_form.html</a:t>
+            </a:r>
+            <a:endParaRPr lang="ko-KR" altLang="en-US"/>
+          </a:p>
+        </p:txBody>
+      </p:sp>
+      <p:sp>
+        <p:nvSpPr>
+          <p:cNvPr id="15" name="TextBox 14">
+            <a:extLst>
+              <a:ext uri="{FF2B5EF4-FFF2-40B4-BE49-F238E27FC236}">
+                <a16:creationId xmlns:a16="http://schemas.microsoft.com/office/drawing/2014/main" id="{A743B591-D4CA-4B23-BF11-B9D2C0E560DD}"/>
+              </a:ext>
+            </a:extLst>
+          </p:cNvPr>
+          <p:cNvSpPr txBox="1"/>
+          <p:nvPr/>
+        </p:nvSpPr>
+        <p:spPr>
+          <a:xfrm>
+            <a:off x="6898823" y="3351590"/>
+            <a:ext cx="4327071" cy="369332"/>
+          </a:xfrm>
+          <a:prstGeom prst="rect">
+            <a:avLst/>
+          </a:prstGeom>
+          <a:noFill/>
+        </p:spPr>
+        <p:txBody>
+          <a:bodyPr wrap="square" rtlCol="0">
+            <a:spAutoFit/>
+          </a:bodyPr>
+          <a:lstStyle/>
+          <a:p>
+            <a:r>
+              <a:rPr lang="en-US" altLang="ko-KR"/>
+              <a:t>signup.html</a:t>
+            </a:r>
+            <a:endParaRPr lang="ko-KR" altLang="en-US"/>
+          </a:p>
+        </p:txBody>
+      </p:sp>
+      <p:sp>
+        <p:nvSpPr>
+          <p:cNvPr id="16" name="TextBox 15">
+            <a:extLst>
+              <a:ext uri="{FF2B5EF4-FFF2-40B4-BE49-F238E27FC236}">
+                <a16:creationId xmlns:a16="http://schemas.microsoft.com/office/drawing/2014/main" id="{898263BA-80D5-4E4E-A393-7F196D5C5AE4}"/>
+              </a:ext>
+            </a:extLst>
+          </p:cNvPr>
+          <p:cNvSpPr txBox="1"/>
+          <p:nvPr/>
+        </p:nvSpPr>
+        <p:spPr>
+          <a:xfrm>
+            <a:off x="574381" y="482081"/>
+            <a:ext cx="3570194" cy="3693319"/>
+          </a:xfrm>
+          <a:prstGeom prst="rect">
+            <a:avLst/>
+          </a:prstGeom>
+          <a:noFill/>
+        </p:spPr>
+        <p:txBody>
+          <a:bodyPr wrap="square" rtlCol="0">
+            <a:spAutoFit/>
+          </a:bodyPr>
+          <a:lstStyle/>
+          <a:p>
+            <a:r>
+              <a:rPr lang="en-US" altLang="ko-KR"/>
+              <a:t>- searching.html</a:t>
+            </a:r>
+          </a:p>
+          <a:p>
+            <a:r>
+              <a:rPr lang="en-US" altLang="ko-KR"/>
+              <a:t>- detail.html</a:t>
+            </a:r>
+          </a:p>
+          <a:p>
+            <a:r>
+              <a:rPr lang="en-US" altLang="ko-KR"/>
+              <a:t>- map.html</a:t>
+            </a:r>
+          </a:p>
+          <a:p>
+            <a:endParaRPr lang="en-US" altLang="ko-KR"/>
+          </a:p>
+          <a:p>
+            <a:r>
+              <a:rPr lang="en-US" altLang="ko-KR"/>
+              <a:t>- login.html</a:t>
+            </a:r>
+          </a:p>
+          <a:p>
+            <a:r>
+              <a:rPr lang="en-US" altLang="ko-KR"/>
+              <a:t>- signup.html</a:t>
+            </a:r>
+          </a:p>
+          <a:p>
+            <a:endParaRPr lang="en-US" altLang="ko-KR"/>
+          </a:p>
+          <a:p>
+            <a:r>
+              <a:rPr lang="en-US" altLang="ko-KR"/>
+              <a:t>- question_detail.html</a:t>
+            </a:r>
+          </a:p>
+          <a:p>
+            <a:r>
+              <a:rPr lang="en-US" altLang="ko-KR"/>
+              <a:t>- question_form.html</a:t>
+            </a:r>
+          </a:p>
+          <a:p>
+            <a:r>
+              <a:rPr lang="en-US" altLang="ko-KR"/>
+              <a:t>- question_list.html</a:t>
+            </a:r>
+          </a:p>
+          <a:p>
+            <a:endParaRPr lang="en-US" altLang="ko-KR"/>
+          </a:p>
+          <a:p>
+            <a:r>
+              <a:rPr lang="en-US" altLang="ko-KR"/>
+              <a:t>- comment_form.html</a:t>
+            </a:r>
+          </a:p>
+          <a:p>
+            <a:endParaRPr lang="ko-KR" altLang="en-US"/>
+          </a:p>
+        </p:txBody>
+      </p:sp>
+    </p:spTree>
+    <p:extLst>
+      <p:ext uri="{BB962C8B-B14F-4D97-AF65-F5344CB8AC3E}">
+        <p14:creationId xmlns:p14="http://schemas.microsoft.com/office/powerpoint/2010/main" val="1033491105"/>
+      </p:ext>
+    </p:extLst>
+  </p:cSld>
+  <p:clrMapOvr>
+    <a:masterClrMapping/>
+  </p:clrMapOvr>
+</p:sld>
+</file>
+
+<file path=ppt/slides/slide16.xml><?xml version="1.0" encoding="utf-8"?>
+<p:sld xmlns:a="http://schemas.openxmlformats.org/drawingml/2006/main" xmlns:r="http://schemas.openxmlformats.org/officeDocument/2006/relationships" xmlns:p="http://schemas.openxmlformats.org/presentationml/2006/main">
+  <p:cSld>
+    <p:spTree>
+      <p:nvGrpSpPr>
+        <p:cNvPr id="1" name=""/>
+        <p:cNvGrpSpPr/>
+        <p:nvPr/>
+      </p:nvGrpSpPr>
+      <p:grpSpPr>
+        <a:xfrm>
+          <a:off x="0" y="0"/>
+          <a:ext cx="0" cy="0"/>
+          <a:chOff x="0" y="0"/>
+          <a:chExt cx="0" cy="0"/>
+        </a:xfrm>
+      </p:grpSpPr>
+      <p:sp>
+        <p:nvSpPr>
+          <p:cNvPr id="2" name="TextBox 1">
+            <a:extLst>
+              <a:ext uri="{FF2B5EF4-FFF2-40B4-BE49-F238E27FC236}">
+                <a16:creationId xmlns:a16="http://schemas.microsoft.com/office/drawing/2014/main" id="{237BCB7B-2454-4B1B-9678-2B2248AC3FF3}"/>
+              </a:ext>
+            </a:extLst>
+          </p:cNvPr>
+          <p:cNvSpPr txBox="1"/>
+          <p:nvPr/>
+        </p:nvSpPr>
+        <p:spPr>
+          <a:xfrm>
+            <a:off x="536713" y="392217"/>
+            <a:ext cx="6096000" cy="560282"/>
+          </a:xfrm>
+          <a:prstGeom prst="rect">
+            <a:avLst/>
+          </a:prstGeom>
+          <a:noFill/>
+        </p:spPr>
+        <p:txBody>
+          <a:bodyPr wrap="square">
+            <a:spAutoFit/>
+          </a:bodyPr>
+          <a:lstStyle/>
+          <a:p>
+            <a:pPr latinLnBrk="1">
+              <a:lnSpc>
+                <a:spcPct val="150000"/>
+              </a:lnSpc>
+            </a:pPr>
+            <a:r>
+              <a:rPr lang="ko-KR" altLang="en-US" sz="2400" dirty="0">
+                <a:latin typeface="12롯데마트드림Medium" panose="02020603020101020101" pitchFamily="18" charset="-127"/>
+                <a:ea typeface="12롯데마트드림Medium" panose="02020603020101020101" pitchFamily="18" charset="-127"/>
+              </a:rPr>
+              <a:t>화면 </a:t>
+            </a:r>
+            <a:r>
               <a:rPr lang="en-US" altLang="ko-KR" sz="2400" dirty="0">
                 <a:latin typeface="12롯데마트드림Medium" panose="02020603020101020101" pitchFamily="18" charset="-127"/>
                 <a:ea typeface="12롯데마트드림Medium" panose="02020603020101020101" pitchFamily="18" charset="-127"/>
               </a:rPr>
-              <a:t>DB </a:t>
+              <a:t>UI </a:t>
             </a:r>
             <a:r>
               <a:rPr lang="ko-KR" altLang="en-US" sz="2400" dirty="0">
                 <a:latin typeface="12롯데마트드림Medium" panose="02020603020101020101" pitchFamily="18" charset="-127"/>
                 <a:ea typeface="12롯데마트드림Medium" panose="02020603020101020101" pitchFamily="18" charset="-127"/>
               </a:rPr>
-              <a:t>설계 </a:t>
-            </a:r>
+              <a:t>설계</a:t>
+            </a:r>
+            <a:endParaRPr lang="en-US" altLang="ko-KR" sz="2400" dirty="0">
+              <a:latin typeface="12롯데마트드림Medium" panose="02020603020101020101" pitchFamily="18" charset="-127"/>
+              <a:ea typeface="12롯데마트드림Medium" panose="02020603020101020101" pitchFamily="18" charset="-127"/>
+            </a:endParaRPr>
+          </a:p>
+        </p:txBody>
+      </p:sp>
+    </p:spTree>
+    <p:extLst>
+      <p:ext uri="{BB962C8B-B14F-4D97-AF65-F5344CB8AC3E}">
+        <p14:creationId xmlns:p14="http://schemas.microsoft.com/office/powerpoint/2010/main" val="3926842463"/>
+      </p:ext>
+    </p:extLst>
+  </p:cSld>
+  <p:clrMapOvr>
+    <a:masterClrMapping/>
+  </p:clrMapOvr>
+</p:sld>
+</file>
+
+<file path=ppt/slides/slide17.xml><?xml version="1.0" encoding="utf-8"?>
+<p:sld xmlns:a="http://schemas.openxmlformats.org/drawingml/2006/main" xmlns:r="http://schemas.openxmlformats.org/officeDocument/2006/relationships" xmlns:p="http://schemas.openxmlformats.org/presentationml/2006/main">
+  <p:cSld>
+    <p:spTree>
+      <p:nvGrpSpPr>
+        <p:cNvPr id="1" name=""/>
+        <p:cNvGrpSpPr/>
+        <p:nvPr/>
+      </p:nvGrpSpPr>
+      <p:grpSpPr>
+        <a:xfrm>
+          <a:off x="0" y="0"/>
+          <a:ext cx="0" cy="0"/>
+          <a:chOff x="0" y="0"/>
+          <a:chExt cx="0" cy="0"/>
+        </a:xfrm>
+      </p:grpSpPr>
+      <p:sp>
+        <p:nvSpPr>
+          <p:cNvPr id="2" name="TextBox 1">
+            <a:extLst>
+              <a:ext uri="{FF2B5EF4-FFF2-40B4-BE49-F238E27FC236}">
+                <a16:creationId xmlns:a16="http://schemas.microsoft.com/office/drawing/2014/main" id="{237BCB7B-2454-4B1B-9678-2B2248AC3FF3}"/>
+              </a:ext>
+            </a:extLst>
+          </p:cNvPr>
+          <p:cNvSpPr txBox="1"/>
+          <p:nvPr/>
+        </p:nvSpPr>
+        <p:spPr>
+          <a:xfrm>
+            <a:off x="536713" y="392217"/>
+            <a:ext cx="6096000" cy="574966"/>
+          </a:xfrm>
+          <a:prstGeom prst="rect">
+            <a:avLst/>
+          </a:prstGeom>
+          <a:noFill/>
+        </p:spPr>
+        <p:txBody>
+          <a:bodyPr wrap="square">
+            <a:spAutoFit/>
+          </a:bodyPr>
+          <a:lstStyle/>
+          <a:p>
+            <a:pPr latinLnBrk="1">
+              <a:lnSpc>
+                <a:spcPct val="150000"/>
+              </a:lnSpc>
+            </a:pPr>
             <a:r>
               <a:rPr lang="en-US" altLang="ko-KR" sz="2400" dirty="0">
                 <a:latin typeface="12롯데마트드림Medium" panose="02020603020101020101" pitchFamily="18" charset="-127"/>
                 <a:ea typeface="12롯데마트드림Medium" panose="02020603020101020101" pitchFamily="18" charset="-127"/>
               </a:rPr>
-              <a:t>- ERD</a:t>
-            </a:r>
-          </a:p>
-        </p:txBody>
-      </p:sp>
+              <a:t>DB </a:t>
+            </a:r>
+            <a:r>
+              <a:rPr lang="ko-KR" altLang="en-US" sz="2400" dirty="0">
+                <a:latin typeface="12롯데마트드림Medium" panose="02020603020101020101" pitchFamily="18" charset="-127"/>
+                <a:ea typeface="12롯데마트드림Medium" panose="02020603020101020101" pitchFamily="18" charset="-127"/>
+              </a:rPr>
+              <a:t>설계 </a:t>
+            </a:r>
+            <a:r>
+              <a:rPr lang="en-US" altLang="ko-KR" sz="2400">
+                <a:latin typeface="12롯데마트드림Medium" panose="02020603020101020101" pitchFamily="18" charset="-127"/>
+                <a:ea typeface="12롯데마트드림Medium" panose="02020603020101020101" pitchFamily="18" charset="-127"/>
+              </a:rPr>
+              <a:t>- ERD - </a:t>
+            </a:r>
+            <a:endParaRPr lang="en-US" altLang="ko-KR" sz="2400" dirty="0">
+              <a:latin typeface="12롯데마트드림Medium" panose="02020603020101020101" pitchFamily="18" charset="-127"/>
+              <a:ea typeface="12롯데마트드림Medium" panose="02020603020101020101" pitchFamily="18" charset="-127"/>
+            </a:endParaRPr>
+          </a:p>
+        </p:txBody>
+      </p:sp>
+      <p:sp>
+        <p:nvSpPr>
+          <p:cNvPr id="3" name="TextBox 2">
+            <a:extLst>
+              <a:ext uri="{FF2B5EF4-FFF2-40B4-BE49-F238E27FC236}">
+                <a16:creationId xmlns:a16="http://schemas.microsoft.com/office/drawing/2014/main" id="{0E0D50A7-553C-4F51-9451-6872C68E38CD}"/>
+              </a:ext>
+            </a:extLst>
+          </p:cNvPr>
+          <p:cNvSpPr txBox="1"/>
+          <p:nvPr/>
+        </p:nvSpPr>
+        <p:spPr>
+          <a:xfrm>
+            <a:off x="685801" y="1494416"/>
+            <a:ext cx="3298371" cy="369332"/>
+          </a:xfrm>
+          <a:prstGeom prst="rect">
+            <a:avLst/>
+          </a:prstGeom>
+          <a:noFill/>
+        </p:spPr>
+        <p:txBody>
+          <a:bodyPr wrap="square" rtlCol="0">
+            <a:spAutoFit/>
+          </a:bodyPr>
+          <a:lstStyle/>
+          <a:p>
+            <a:r>
+              <a:rPr lang="ko-KR" altLang="en-US"/>
+              <a:t>숙소 </a:t>
+            </a:r>
+            <a:r>
+              <a:rPr lang="en-US" altLang="ko-KR"/>
+              <a:t>tbl</a:t>
+            </a:r>
+            <a:endParaRPr lang="ko-KR" altLang="en-US"/>
+          </a:p>
+        </p:txBody>
+      </p:sp>
+      <p:sp>
+        <p:nvSpPr>
+          <p:cNvPr id="4" name="TextBox 3">
+            <a:extLst>
+              <a:ext uri="{FF2B5EF4-FFF2-40B4-BE49-F238E27FC236}">
+                <a16:creationId xmlns:a16="http://schemas.microsoft.com/office/drawing/2014/main" id="{7CDBEA7F-F663-4507-B5EC-A0BE9CBAC1D1}"/>
+              </a:ext>
+            </a:extLst>
+          </p:cNvPr>
+          <p:cNvSpPr txBox="1"/>
+          <p:nvPr/>
+        </p:nvSpPr>
+        <p:spPr>
+          <a:xfrm>
+            <a:off x="685800" y="3759798"/>
+            <a:ext cx="3298371" cy="369332"/>
+          </a:xfrm>
+          <a:prstGeom prst="rect">
+            <a:avLst/>
+          </a:prstGeom>
+          <a:noFill/>
+        </p:spPr>
+        <p:txBody>
+          <a:bodyPr wrap="square" rtlCol="0">
+            <a:spAutoFit/>
+          </a:bodyPr>
+          <a:lstStyle/>
+          <a:p>
+            <a:r>
+              <a:rPr lang="ko-KR" altLang="en-US"/>
+              <a:t>디테일</a:t>
+            </a:r>
+            <a:r>
+              <a:rPr lang="en-US" altLang="ko-KR"/>
+              <a:t>_</a:t>
+            </a:r>
+            <a:r>
+              <a:rPr lang="ko-KR" altLang="en-US"/>
+              <a:t>룸 </a:t>
+            </a:r>
+            <a:r>
+              <a:rPr lang="en-US" altLang="ko-KR"/>
+              <a:t>tbl</a:t>
+            </a:r>
+            <a:endParaRPr lang="ko-KR" altLang="en-US"/>
+          </a:p>
+        </p:txBody>
+      </p:sp>
+      <p:sp>
+        <p:nvSpPr>
+          <p:cNvPr id="5" name="TextBox 4">
+            <a:extLst>
+              <a:ext uri="{FF2B5EF4-FFF2-40B4-BE49-F238E27FC236}">
+                <a16:creationId xmlns:a16="http://schemas.microsoft.com/office/drawing/2014/main" id="{7C412EAE-1F03-409B-A123-F90A952CBAD5}"/>
+              </a:ext>
+            </a:extLst>
+          </p:cNvPr>
+          <p:cNvSpPr txBox="1"/>
+          <p:nvPr/>
+        </p:nvSpPr>
+        <p:spPr>
+          <a:xfrm>
+            <a:off x="685800" y="4207953"/>
+            <a:ext cx="3298371" cy="369332"/>
+          </a:xfrm>
+          <a:prstGeom prst="rect">
+            <a:avLst/>
+          </a:prstGeom>
+          <a:noFill/>
+        </p:spPr>
+        <p:txBody>
+          <a:bodyPr wrap="square" rtlCol="0">
+            <a:spAutoFit/>
+          </a:bodyPr>
+          <a:lstStyle/>
+          <a:p>
+            <a:r>
+              <a:rPr lang="ko-KR" altLang="en-US"/>
+              <a:t>리뷰 </a:t>
+            </a:r>
+            <a:r>
+              <a:rPr lang="en-US" altLang="ko-KR"/>
+              <a:t>tbl</a:t>
+            </a:r>
+            <a:endParaRPr lang="ko-KR" altLang="en-US"/>
+          </a:p>
+        </p:txBody>
+      </p:sp>
+      <p:sp>
+        <p:nvSpPr>
+          <p:cNvPr id="6" name="TextBox 5">
+            <a:extLst>
+              <a:ext uri="{FF2B5EF4-FFF2-40B4-BE49-F238E27FC236}">
+                <a16:creationId xmlns:a16="http://schemas.microsoft.com/office/drawing/2014/main" id="{807602C5-2C68-48CA-9AC7-44310FDBFA3E}"/>
+              </a:ext>
+            </a:extLst>
+          </p:cNvPr>
+          <p:cNvSpPr txBox="1"/>
+          <p:nvPr/>
+        </p:nvSpPr>
+        <p:spPr>
+          <a:xfrm>
+            <a:off x="2334985" y="1601489"/>
+            <a:ext cx="3298371" cy="369332"/>
+          </a:xfrm>
+          <a:prstGeom prst="rect">
+            <a:avLst/>
+          </a:prstGeom>
+          <a:noFill/>
+        </p:spPr>
+        <p:txBody>
+          <a:bodyPr wrap="square" rtlCol="0">
+            <a:spAutoFit/>
+          </a:bodyPr>
+          <a:lstStyle/>
+          <a:p>
+            <a:r>
+              <a:rPr lang="ko-KR" altLang="en-US"/>
+              <a:t>게시판 </a:t>
+            </a:r>
+            <a:r>
+              <a:rPr lang="en-US" altLang="ko-KR"/>
+              <a:t>tbl</a:t>
+            </a:r>
+            <a:endParaRPr lang="ko-KR" altLang="en-US"/>
+          </a:p>
+        </p:txBody>
+      </p:sp>
+      <p:sp>
+        <p:nvSpPr>
+          <p:cNvPr id="7" name="TextBox 6">
+            <a:extLst>
+              <a:ext uri="{FF2B5EF4-FFF2-40B4-BE49-F238E27FC236}">
+                <a16:creationId xmlns:a16="http://schemas.microsoft.com/office/drawing/2014/main" id="{D1B47D1A-87B0-48E1-994B-97A7A0E5CE21}"/>
+              </a:ext>
+            </a:extLst>
+          </p:cNvPr>
+          <p:cNvSpPr txBox="1"/>
+          <p:nvPr/>
+        </p:nvSpPr>
+        <p:spPr>
+          <a:xfrm>
+            <a:off x="4597083" y="1386362"/>
+            <a:ext cx="3298371" cy="369332"/>
+          </a:xfrm>
+          <a:prstGeom prst="rect">
+            <a:avLst/>
+          </a:prstGeom>
+          <a:noFill/>
+        </p:spPr>
+        <p:txBody>
+          <a:bodyPr wrap="square" rtlCol="0">
+            <a:spAutoFit/>
+          </a:bodyPr>
+          <a:lstStyle/>
+          <a:p>
+            <a:r>
+              <a:rPr lang="ko-KR" altLang="en-US"/>
+              <a:t>댓글 </a:t>
+            </a:r>
+            <a:r>
+              <a:rPr lang="en-US" altLang="ko-KR"/>
+              <a:t>tbl</a:t>
+            </a:r>
+            <a:endParaRPr lang="ko-KR" altLang="en-US"/>
+          </a:p>
+        </p:txBody>
+      </p:sp>
+      <p:cxnSp>
+        <p:nvCxnSpPr>
+          <p:cNvPr id="9" name="직선 연결선 8">
+            <a:extLst>
+              <a:ext uri="{FF2B5EF4-FFF2-40B4-BE49-F238E27FC236}">
+                <a16:creationId xmlns:a16="http://schemas.microsoft.com/office/drawing/2014/main" id="{FE5DBBB9-EBEA-4760-9600-4E1F41E6484B}"/>
+              </a:ext>
+            </a:extLst>
+          </p:cNvPr>
+          <p:cNvCxnSpPr>
+            <a:cxnSpLocks/>
+          </p:cNvCxnSpPr>
+          <p:nvPr/>
+        </p:nvCxnSpPr>
+        <p:spPr>
+          <a:xfrm flipV="1">
+            <a:off x="6246269" y="3762971"/>
+            <a:ext cx="1159329" cy="1"/>
+          </a:xfrm>
+          <a:prstGeom prst="line">
+            <a:avLst/>
+          </a:prstGeom>
+        </p:spPr>
+        <p:style>
+          <a:lnRef idx="1">
+            <a:schemeClr val="accent1"/>
+          </a:lnRef>
+          <a:fillRef idx="0">
+            <a:schemeClr val="accent1"/>
+          </a:fillRef>
+          <a:effectRef idx="0">
+            <a:schemeClr val="accent1"/>
+          </a:effectRef>
+          <a:fontRef idx="minor">
+            <a:schemeClr val="tx1"/>
+          </a:fontRef>
+        </p:style>
+      </p:cxnSp>
+      <p:sp>
+        <p:nvSpPr>
+          <p:cNvPr id="13" name="TextBox 12">
+            <a:extLst>
+              <a:ext uri="{FF2B5EF4-FFF2-40B4-BE49-F238E27FC236}">
+                <a16:creationId xmlns:a16="http://schemas.microsoft.com/office/drawing/2014/main" id="{0403DF90-6A46-46BE-950A-0D34978B6000}"/>
+              </a:ext>
+            </a:extLst>
+          </p:cNvPr>
+          <p:cNvSpPr txBox="1"/>
+          <p:nvPr/>
+        </p:nvSpPr>
+        <p:spPr>
+          <a:xfrm>
+            <a:off x="7291298" y="1201283"/>
+            <a:ext cx="3298371" cy="369332"/>
+          </a:xfrm>
+          <a:prstGeom prst="rect">
+            <a:avLst/>
+          </a:prstGeom>
+          <a:noFill/>
+        </p:spPr>
+        <p:txBody>
+          <a:bodyPr wrap="square" rtlCol="0">
+            <a:spAutoFit/>
+          </a:bodyPr>
+          <a:lstStyle/>
+          <a:p>
+            <a:r>
+              <a:rPr lang="ko-KR" altLang="en-US"/>
+              <a:t>유저 </a:t>
+            </a:r>
+            <a:r>
+              <a:rPr lang="en-US" altLang="ko-KR"/>
+              <a:t>tbl (Django </a:t>
+            </a:r>
+            <a:r>
+              <a:rPr lang="ko-KR" altLang="en-US"/>
+              <a:t>내</a:t>
+            </a:r>
+            <a:r>
+              <a:rPr lang="en-US" altLang="ko-KR"/>
+              <a:t>)</a:t>
+            </a:r>
+            <a:endParaRPr lang="ko-KR" altLang="en-US"/>
+          </a:p>
+        </p:txBody>
+      </p:sp>
+      <p:cxnSp>
+        <p:nvCxnSpPr>
+          <p:cNvPr id="14" name="직선 연결선 13">
+            <a:extLst>
+              <a:ext uri="{FF2B5EF4-FFF2-40B4-BE49-F238E27FC236}">
+                <a16:creationId xmlns:a16="http://schemas.microsoft.com/office/drawing/2014/main" id="{CC344617-228F-452C-B1EB-7CDB70F4995C}"/>
+              </a:ext>
+            </a:extLst>
+          </p:cNvPr>
+          <p:cNvCxnSpPr>
+            <a:cxnSpLocks/>
+          </p:cNvCxnSpPr>
+          <p:nvPr/>
+        </p:nvCxnSpPr>
+        <p:spPr>
+          <a:xfrm flipV="1">
+            <a:off x="1485901" y="2453164"/>
+            <a:ext cx="382540" cy="526005"/>
+          </a:xfrm>
+          <a:prstGeom prst="line">
+            <a:avLst/>
+          </a:prstGeom>
+        </p:spPr>
+        <p:style>
+          <a:lnRef idx="1">
+            <a:schemeClr val="accent1"/>
+          </a:lnRef>
+          <a:fillRef idx="0">
+            <a:schemeClr val="accent1"/>
+          </a:fillRef>
+          <a:effectRef idx="0">
+            <a:schemeClr val="accent1"/>
+          </a:effectRef>
+          <a:fontRef idx="minor">
+            <a:schemeClr val="tx1"/>
+          </a:fontRef>
+        </p:style>
+      </p:cxnSp>
+      <p:cxnSp>
+        <p:nvCxnSpPr>
+          <p:cNvPr id="16" name="직선 연결선 15">
+            <a:extLst>
+              <a:ext uri="{FF2B5EF4-FFF2-40B4-BE49-F238E27FC236}">
+                <a16:creationId xmlns:a16="http://schemas.microsoft.com/office/drawing/2014/main" id="{5D356FE9-B339-4872-A3D1-3BB9412D2DBA}"/>
+              </a:ext>
+            </a:extLst>
+          </p:cNvPr>
+          <p:cNvCxnSpPr>
+            <a:cxnSpLocks/>
+          </p:cNvCxnSpPr>
+          <p:nvPr/>
+        </p:nvCxnSpPr>
+        <p:spPr>
+          <a:xfrm flipH="1" flipV="1">
+            <a:off x="2667591" y="2356366"/>
+            <a:ext cx="541566" cy="431942"/>
+          </a:xfrm>
+          <a:prstGeom prst="line">
+            <a:avLst/>
+          </a:prstGeom>
+        </p:spPr>
+        <p:style>
+          <a:lnRef idx="1">
+            <a:schemeClr val="accent1"/>
+          </a:lnRef>
+          <a:fillRef idx="0">
+            <a:schemeClr val="accent1"/>
+          </a:fillRef>
+          <a:effectRef idx="0">
+            <a:schemeClr val="accent1"/>
+          </a:effectRef>
+          <a:fontRef idx="minor">
+            <a:schemeClr val="tx1"/>
+          </a:fontRef>
+        </p:style>
+      </p:cxnSp>
     </p:spTree>
     <p:extLst>
       <p:ext uri="{BB962C8B-B14F-4D97-AF65-F5344CB8AC3E}">
@@ -5794,7 +7218,1253 @@
 </p:sld>
 </file>
 
-<file path=ppt/slides/slide15.xml><?xml version="1.0" encoding="utf-8"?>
+<file path=ppt/slides/slide18.xml><?xml version="1.0" encoding="utf-8"?>
+<p:sld xmlns:a="http://schemas.openxmlformats.org/drawingml/2006/main" xmlns:r="http://schemas.openxmlformats.org/officeDocument/2006/relationships" xmlns:p="http://schemas.openxmlformats.org/presentationml/2006/main">
+  <p:cSld>
+    <p:spTree>
+      <p:nvGrpSpPr>
+        <p:cNvPr id="1" name=""/>
+        <p:cNvGrpSpPr/>
+        <p:nvPr/>
+      </p:nvGrpSpPr>
+      <p:grpSpPr>
+        <a:xfrm>
+          <a:off x="0" y="0"/>
+          <a:ext cx="0" cy="0"/>
+          <a:chOff x="0" y="0"/>
+          <a:chExt cx="0" cy="0"/>
+        </a:xfrm>
+      </p:grpSpPr>
+      <p:sp>
+        <p:nvSpPr>
+          <p:cNvPr id="4" name="TextBox 3">
+            <a:extLst>
+              <a:ext uri="{FF2B5EF4-FFF2-40B4-BE49-F238E27FC236}">
+                <a16:creationId xmlns:a16="http://schemas.microsoft.com/office/drawing/2014/main" id="{30DDBA6B-38BD-468D-9785-FD6AE3AAD4FB}"/>
+              </a:ext>
+            </a:extLst>
+          </p:cNvPr>
+          <p:cNvSpPr txBox="1"/>
+          <p:nvPr/>
+        </p:nvSpPr>
+        <p:spPr>
+          <a:xfrm>
+            <a:off x="546771" y="414774"/>
+            <a:ext cx="4890643" cy="369332"/>
+          </a:xfrm>
+          <a:prstGeom prst="rect">
+            <a:avLst/>
+          </a:prstGeom>
+          <a:noFill/>
+        </p:spPr>
+        <p:txBody>
+          <a:bodyPr wrap="square" rtlCol="0">
+            <a:spAutoFit/>
+          </a:bodyPr>
+          <a:lstStyle/>
+          <a:p>
+            <a:r>
+              <a:rPr lang="ko-KR" altLang="en-US"/>
+              <a:t>실제 테이블 </a:t>
+            </a:r>
+            <a:r>
+              <a:rPr lang="en-US" altLang="ko-KR"/>
+              <a:t>- Models.py </a:t>
+            </a:r>
+            <a:r>
+              <a:rPr lang="ko-KR" altLang="en-US"/>
+              <a:t>에 정의 </a:t>
+            </a:r>
+          </a:p>
+        </p:txBody>
+      </p:sp>
+      <p:grpSp>
+        <p:nvGrpSpPr>
+          <p:cNvPr id="6" name="그룹 5">
+            <a:extLst>
+              <a:ext uri="{FF2B5EF4-FFF2-40B4-BE49-F238E27FC236}">
+                <a16:creationId xmlns:a16="http://schemas.microsoft.com/office/drawing/2014/main" id="{5C2F7028-07DA-4D5C-9A55-2E8F877621BF}"/>
+              </a:ext>
+            </a:extLst>
+          </p:cNvPr>
+          <p:cNvGrpSpPr/>
+          <p:nvPr/>
+        </p:nvGrpSpPr>
+        <p:grpSpPr>
+          <a:xfrm>
+            <a:off x="416142" y="1557439"/>
+            <a:ext cx="6205093" cy="4963218"/>
+            <a:chOff x="546771" y="1224977"/>
+            <a:chExt cx="6205093" cy="4963218"/>
+          </a:xfrm>
+        </p:grpSpPr>
+        <p:pic>
+          <p:nvPicPr>
+            <p:cNvPr id="3" name="그림 2">
+              <a:extLst>
+                <a:ext uri="{FF2B5EF4-FFF2-40B4-BE49-F238E27FC236}">
+                  <a16:creationId xmlns:a16="http://schemas.microsoft.com/office/drawing/2014/main" id="{5452BD43-F9A6-4DAA-88C9-E2F77571F34B}"/>
+                </a:ext>
+              </a:extLst>
+            </p:cNvPr>
+            <p:cNvPicPr>
+              <a:picLocks noChangeAspect="1"/>
+            </p:cNvPicPr>
+            <p:nvPr/>
+          </p:nvPicPr>
+          <p:blipFill>
+            <a:blip r:embed="rId2">
+              <a:extLst>
+                <a:ext uri="{28A0092B-C50C-407E-A947-70E740481C1C}">
+                  <a14:useLocalDpi xmlns:a14="http://schemas.microsoft.com/office/drawing/2010/main" val="0"/>
+                </a:ext>
+              </a:extLst>
+            </a:blip>
+            <a:stretch>
+              <a:fillRect/>
+            </a:stretch>
+          </p:blipFill>
+          <p:spPr>
+            <a:xfrm>
+              <a:off x="546771" y="1224977"/>
+              <a:ext cx="3391373" cy="4963218"/>
+            </a:xfrm>
+            <a:prstGeom prst="rect">
+              <a:avLst/>
+            </a:prstGeom>
+          </p:spPr>
+        </p:pic>
+        <p:sp>
+          <p:nvSpPr>
+            <p:cNvPr id="5" name="TextBox 4">
+              <a:extLst>
+                <a:ext uri="{FF2B5EF4-FFF2-40B4-BE49-F238E27FC236}">
+                  <a16:creationId xmlns:a16="http://schemas.microsoft.com/office/drawing/2014/main" id="{AFD3A46F-7D2D-46D4-863D-6FA961243D8C}"/>
+                </a:ext>
+              </a:extLst>
+            </p:cNvPr>
+            <p:cNvSpPr txBox="1"/>
+            <p:nvPr/>
+          </p:nvSpPr>
+          <p:spPr>
+            <a:xfrm>
+              <a:off x="4122964" y="1224977"/>
+              <a:ext cx="2628900" cy="369332"/>
+            </a:xfrm>
+            <a:prstGeom prst="rect">
+              <a:avLst/>
+            </a:prstGeom>
+            <a:noFill/>
+          </p:spPr>
+          <p:txBody>
+            <a:bodyPr wrap="square" rtlCol="0">
+              <a:spAutoFit/>
+            </a:bodyPr>
+            <a:lstStyle/>
+            <a:p>
+              <a:r>
+                <a:rPr lang="ko-KR" altLang="en-US" b="1"/>
+                <a:t>타입</a:t>
+              </a:r>
+            </a:p>
+          </p:txBody>
+        </p:sp>
+      </p:grpSp>
+      <p:grpSp>
+        <p:nvGrpSpPr>
+          <p:cNvPr id="7" name="그룹 6">
+            <a:extLst>
+              <a:ext uri="{FF2B5EF4-FFF2-40B4-BE49-F238E27FC236}">
+                <a16:creationId xmlns:a16="http://schemas.microsoft.com/office/drawing/2014/main" id="{588D5B1B-A095-4567-A8E6-B40435DC5353}"/>
+              </a:ext>
+            </a:extLst>
+          </p:cNvPr>
+          <p:cNvGrpSpPr/>
+          <p:nvPr/>
+        </p:nvGrpSpPr>
+        <p:grpSpPr>
+          <a:xfrm>
+            <a:off x="6920357" y="1557439"/>
+            <a:ext cx="6205093" cy="4963218"/>
+            <a:chOff x="546771" y="1224977"/>
+            <a:chExt cx="6205093" cy="4963218"/>
+          </a:xfrm>
+        </p:grpSpPr>
+        <p:pic>
+          <p:nvPicPr>
+            <p:cNvPr id="8" name="그림 7">
+              <a:extLst>
+                <a:ext uri="{FF2B5EF4-FFF2-40B4-BE49-F238E27FC236}">
+                  <a16:creationId xmlns:a16="http://schemas.microsoft.com/office/drawing/2014/main" id="{20359215-1174-4A8F-87FC-7F6832E23CAF}"/>
+                </a:ext>
+              </a:extLst>
+            </p:cNvPr>
+            <p:cNvPicPr>
+              <a:picLocks noChangeAspect="1"/>
+            </p:cNvPicPr>
+            <p:nvPr/>
+          </p:nvPicPr>
+          <p:blipFill>
+            <a:blip r:embed="rId2">
+              <a:extLst>
+                <a:ext uri="{28A0092B-C50C-407E-A947-70E740481C1C}">
+                  <a14:useLocalDpi xmlns:a14="http://schemas.microsoft.com/office/drawing/2010/main" val="0"/>
+                </a:ext>
+              </a:extLst>
+            </a:blip>
+            <a:stretch>
+              <a:fillRect/>
+            </a:stretch>
+          </p:blipFill>
+          <p:spPr>
+            <a:xfrm>
+              <a:off x="546771" y="1224977"/>
+              <a:ext cx="3391373" cy="4963218"/>
+            </a:xfrm>
+            <a:prstGeom prst="rect">
+              <a:avLst/>
+            </a:prstGeom>
+          </p:spPr>
+        </p:pic>
+        <p:sp>
+          <p:nvSpPr>
+            <p:cNvPr id="9" name="TextBox 8">
+              <a:extLst>
+                <a:ext uri="{FF2B5EF4-FFF2-40B4-BE49-F238E27FC236}">
+                  <a16:creationId xmlns:a16="http://schemas.microsoft.com/office/drawing/2014/main" id="{C9396549-783C-44DA-A482-71664300959D}"/>
+                </a:ext>
+              </a:extLst>
+            </p:cNvPr>
+            <p:cNvSpPr txBox="1"/>
+            <p:nvPr/>
+          </p:nvSpPr>
+          <p:spPr>
+            <a:xfrm>
+              <a:off x="4122964" y="1224977"/>
+              <a:ext cx="2628900" cy="369332"/>
+            </a:xfrm>
+            <a:prstGeom prst="rect">
+              <a:avLst/>
+            </a:prstGeom>
+            <a:noFill/>
+          </p:spPr>
+          <p:txBody>
+            <a:bodyPr wrap="square" rtlCol="0">
+              <a:spAutoFit/>
+            </a:bodyPr>
+            <a:lstStyle/>
+            <a:p>
+              <a:r>
+                <a:rPr lang="ko-KR" altLang="en-US" b="1"/>
+                <a:t>타입</a:t>
+              </a:r>
+            </a:p>
+          </p:txBody>
+        </p:sp>
+      </p:grpSp>
+      <p:sp>
+        <p:nvSpPr>
+          <p:cNvPr id="10" name="TextBox 9">
+            <a:extLst>
+              <a:ext uri="{FF2B5EF4-FFF2-40B4-BE49-F238E27FC236}">
+                <a16:creationId xmlns:a16="http://schemas.microsoft.com/office/drawing/2014/main" id="{3261E9C4-39DB-4C9D-9E1C-8EFAE294A517}"/>
+              </a:ext>
+            </a:extLst>
+          </p:cNvPr>
+          <p:cNvSpPr txBox="1"/>
+          <p:nvPr/>
+        </p:nvSpPr>
+        <p:spPr>
+          <a:xfrm>
+            <a:off x="8180614" y="888302"/>
+            <a:ext cx="2628900" cy="369332"/>
+          </a:xfrm>
+          <a:prstGeom prst="rect">
+            <a:avLst/>
+          </a:prstGeom>
+          <a:noFill/>
+        </p:spPr>
+        <p:txBody>
+          <a:bodyPr wrap="square" rtlCol="0">
+            <a:spAutoFit/>
+          </a:bodyPr>
+          <a:lstStyle/>
+          <a:p>
+            <a:r>
+              <a:rPr lang="en-US" altLang="ko-KR" b="1"/>
+              <a:t>Room_Detail</a:t>
+            </a:r>
+            <a:endParaRPr lang="ko-KR" altLang="en-US" b="1"/>
+          </a:p>
+        </p:txBody>
+      </p:sp>
+      <p:sp>
+        <p:nvSpPr>
+          <p:cNvPr id="11" name="TextBox 10">
+            <a:extLst>
+              <a:ext uri="{FF2B5EF4-FFF2-40B4-BE49-F238E27FC236}">
+                <a16:creationId xmlns:a16="http://schemas.microsoft.com/office/drawing/2014/main" id="{E2796AE6-BC27-42F4-A51E-F616FF1CEF0E}"/>
+              </a:ext>
+            </a:extLst>
+          </p:cNvPr>
+          <p:cNvSpPr txBox="1"/>
+          <p:nvPr/>
+        </p:nvSpPr>
+        <p:spPr>
+          <a:xfrm>
+            <a:off x="1524000" y="986106"/>
+            <a:ext cx="2628900" cy="369332"/>
+          </a:xfrm>
+          <a:prstGeom prst="rect">
+            <a:avLst/>
+          </a:prstGeom>
+          <a:noFill/>
+        </p:spPr>
+        <p:txBody>
+          <a:bodyPr wrap="square" rtlCol="0">
+            <a:spAutoFit/>
+          </a:bodyPr>
+          <a:lstStyle/>
+          <a:p>
+            <a:r>
+              <a:rPr lang="en-US" altLang="ko-KR" b="1"/>
+              <a:t>Acmd_tbl</a:t>
+            </a:r>
+            <a:endParaRPr lang="ko-KR" altLang="en-US" b="1"/>
+          </a:p>
+        </p:txBody>
+      </p:sp>
+    </p:spTree>
+    <p:extLst>
+      <p:ext uri="{BB962C8B-B14F-4D97-AF65-F5344CB8AC3E}">
+        <p14:creationId xmlns:p14="http://schemas.microsoft.com/office/powerpoint/2010/main" val="1735120390"/>
+      </p:ext>
+    </p:extLst>
+  </p:cSld>
+  <p:clrMapOvr>
+    <a:masterClrMapping/>
+  </p:clrMapOvr>
+</p:sld>
+</file>
+
+<file path=ppt/slides/slide19.xml><?xml version="1.0" encoding="utf-8"?>
+<p:sld xmlns:a="http://schemas.openxmlformats.org/drawingml/2006/main" xmlns:r="http://schemas.openxmlformats.org/officeDocument/2006/relationships" xmlns:p="http://schemas.openxmlformats.org/presentationml/2006/main">
+  <p:cSld>
+    <p:spTree>
+      <p:nvGrpSpPr>
+        <p:cNvPr id="1" name=""/>
+        <p:cNvGrpSpPr/>
+        <p:nvPr/>
+      </p:nvGrpSpPr>
+      <p:grpSpPr>
+        <a:xfrm>
+          <a:off x="0" y="0"/>
+          <a:ext cx="0" cy="0"/>
+          <a:chOff x="0" y="0"/>
+          <a:chExt cx="0" cy="0"/>
+        </a:xfrm>
+      </p:grpSpPr>
+      <p:sp>
+        <p:nvSpPr>
+          <p:cNvPr id="3" name="TextBox 2">
+            <a:extLst>
+              <a:ext uri="{FF2B5EF4-FFF2-40B4-BE49-F238E27FC236}">
+                <a16:creationId xmlns:a16="http://schemas.microsoft.com/office/drawing/2014/main" id="{911B447C-78AF-4DF8-AA47-BB506BCF54CF}"/>
+              </a:ext>
+            </a:extLst>
+          </p:cNvPr>
+          <p:cNvSpPr txBox="1"/>
+          <p:nvPr/>
+        </p:nvSpPr>
+        <p:spPr>
+          <a:xfrm>
+            <a:off x="347277" y="309958"/>
+            <a:ext cx="6096000" cy="560282"/>
+          </a:xfrm>
+          <a:prstGeom prst="rect">
+            <a:avLst/>
+          </a:prstGeom>
+          <a:noFill/>
+        </p:spPr>
+        <p:txBody>
+          <a:bodyPr wrap="square">
+            <a:spAutoFit/>
+          </a:bodyPr>
+          <a:lstStyle/>
+          <a:p>
+            <a:pPr latinLnBrk="1">
+              <a:lnSpc>
+                <a:spcPct val="150000"/>
+              </a:lnSpc>
+            </a:pPr>
+            <a:r>
+              <a:rPr lang="ko-KR" altLang="en-US" sz="2400" dirty="0">
+                <a:latin typeface="12롯데마트드림Medium" panose="02020603020101020101" pitchFamily="18" charset="-127"/>
+                <a:ea typeface="12롯데마트드림Medium" panose="02020603020101020101" pitchFamily="18" charset="-127"/>
+              </a:rPr>
+              <a:t>시퀀스 다이어그램 </a:t>
+            </a:r>
+            <a:r>
+              <a:rPr lang="en-US" altLang="ko-KR" sz="2400" dirty="0">
+                <a:latin typeface="12롯데마트드림Medium" panose="02020603020101020101" pitchFamily="18" charset="-127"/>
+                <a:ea typeface="12롯데마트드림Medium" panose="02020603020101020101" pitchFamily="18" charset="-127"/>
+              </a:rPr>
+              <a:t>or </a:t>
+            </a:r>
+            <a:r>
+              <a:rPr lang="ko-KR" altLang="en-US" sz="2400" dirty="0">
+                <a:latin typeface="12롯데마트드림Medium" panose="02020603020101020101" pitchFamily="18" charset="-127"/>
+                <a:ea typeface="12롯데마트드림Medium" panose="02020603020101020101" pitchFamily="18" charset="-127"/>
+              </a:rPr>
+              <a:t>데이터 </a:t>
+            </a:r>
+            <a:r>
+              <a:rPr lang="ko-KR" altLang="en-US" sz="2400" dirty="0" err="1">
+                <a:latin typeface="12롯데마트드림Medium" panose="02020603020101020101" pitchFamily="18" charset="-127"/>
+                <a:ea typeface="12롯데마트드림Medium" panose="02020603020101020101" pitchFamily="18" charset="-127"/>
+              </a:rPr>
+              <a:t>플로우차트</a:t>
+            </a:r>
+            <a:endParaRPr lang="en-US" altLang="ko-KR" sz="2400" dirty="0">
+              <a:latin typeface="12롯데마트드림Medium" panose="02020603020101020101" pitchFamily="18" charset="-127"/>
+              <a:ea typeface="12롯데마트드림Medium" panose="02020603020101020101" pitchFamily="18" charset="-127"/>
+            </a:endParaRPr>
+          </a:p>
+        </p:txBody>
+      </p:sp>
+      <p:sp>
+        <p:nvSpPr>
+          <p:cNvPr id="4" name="TextBox 3">
+            <a:extLst>
+              <a:ext uri="{FF2B5EF4-FFF2-40B4-BE49-F238E27FC236}">
+                <a16:creationId xmlns:a16="http://schemas.microsoft.com/office/drawing/2014/main" id="{E5769A36-6AA1-4AD7-89A4-9A34DE94D405}"/>
+              </a:ext>
+            </a:extLst>
+          </p:cNvPr>
+          <p:cNvSpPr txBox="1"/>
+          <p:nvPr/>
+        </p:nvSpPr>
+        <p:spPr>
+          <a:xfrm>
+            <a:off x="724491" y="2296104"/>
+            <a:ext cx="3902528" cy="369332"/>
+          </a:xfrm>
+          <a:prstGeom prst="rect">
+            <a:avLst/>
+          </a:prstGeom>
+          <a:noFill/>
+        </p:spPr>
+        <p:txBody>
+          <a:bodyPr wrap="square" rtlCol="0">
+            <a:spAutoFit/>
+          </a:bodyPr>
+          <a:lstStyle/>
+          <a:p>
+            <a:r>
+              <a:rPr lang="ko-KR" altLang="en-US"/>
+              <a:t>외부 </a:t>
+            </a:r>
+            <a:r>
+              <a:rPr lang="en-US" altLang="ko-KR"/>
+              <a:t>url (</a:t>
+            </a:r>
+            <a:r>
+              <a:rPr lang="ko-KR" altLang="en-US"/>
+              <a:t>여기어때 </a:t>
+            </a:r>
+            <a:r>
+              <a:rPr lang="en-US" altLang="ko-KR"/>
+              <a:t>, </a:t>
+            </a:r>
+            <a:r>
+              <a:rPr lang="ko-KR" altLang="en-US"/>
+              <a:t>네이버 카페</a:t>
+            </a:r>
+            <a:r>
+              <a:rPr lang="en-US" altLang="ko-KR"/>
+              <a:t>)</a:t>
+            </a:r>
+            <a:endParaRPr lang="ko-KR" altLang="en-US"/>
+          </a:p>
+        </p:txBody>
+      </p:sp>
+      <p:cxnSp>
+        <p:nvCxnSpPr>
+          <p:cNvPr id="6" name="직선 화살표 연결선 5">
+            <a:extLst>
+              <a:ext uri="{FF2B5EF4-FFF2-40B4-BE49-F238E27FC236}">
+                <a16:creationId xmlns:a16="http://schemas.microsoft.com/office/drawing/2014/main" id="{DE2F32DA-CB14-4A70-9916-98BDEAF4E364}"/>
+              </a:ext>
+            </a:extLst>
+          </p:cNvPr>
+          <p:cNvCxnSpPr/>
+          <p:nvPr/>
+        </p:nvCxnSpPr>
+        <p:spPr>
+          <a:xfrm>
+            <a:off x="4333105" y="2463268"/>
+            <a:ext cx="571500" cy="0"/>
+          </a:xfrm>
+          <a:prstGeom prst="straightConnector1">
+            <a:avLst/>
+          </a:prstGeom>
+          <a:ln>
+            <a:tailEnd type="triangle"/>
+          </a:ln>
+        </p:spPr>
+        <p:style>
+          <a:lnRef idx="1">
+            <a:schemeClr val="accent1"/>
+          </a:lnRef>
+          <a:fillRef idx="0">
+            <a:schemeClr val="accent1"/>
+          </a:fillRef>
+          <a:effectRef idx="0">
+            <a:schemeClr val="accent1"/>
+          </a:effectRef>
+          <a:fontRef idx="minor">
+            <a:schemeClr val="tx1"/>
+          </a:fontRef>
+        </p:style>
+      </p:cxnSp>
+      <p:sp>
+        <p:nvSpPr>
+          <p:cNvPr id="7" name="TextBox 6">
+            <a:extLst>
+              <a:ext uri="{FF2B5EF4-FFF2-40B4-BE49-F238E27FC236}">
+                <a16:creationId xmlns:a16="http://schemas.microsoft.com/office/drawing/2014/main" id="{B5D7D2E4-2962-4E7D-BE89-B4709A1ACDDC}"/>
+              </a:ext>
+            </a:extLst>
+          </p:cNvPr>
+          <p:cNvSpPr txBox="1"/>
+          <p:nvPr/>
+        </p:nvSpPr>
+        <p:spPr>
+          <a:xfrm>
+            <a:off x="5024348" y="2275897"/>
+            <a:ext cx="3902528" cy="369332"/>
+          </a:xfrm>
+          <a:prstGeom prst="rect">
+            <a:avLst/>
+          </a:prstGeom>
+          <a:noFill/>
+        </p:spPr>
+        <p:txBody>
+          <a:bodyPr wrap="square" rtlCol="0">
+            <a:spAutoFit/>
+          </a:bodyPr>
+          <a:lstStyle/>
+          <a:p>
+            <a:r>
+              <a:rPr lang="en-US" altLang="ko-KR"/>
+              <a:t>django</a:t>
+            </a:r>
+            <a:r>
+              <a:rPr lang="ko-KR" altLang="en-US"/>
+              <a:t> 내 데이터베이스</a:t>
+            </a:r>
+          </a:p>
+        </p:txBody>
+      </p:sp>
+      <p:sp>
+        <p:nvSpPr>
+          <p:cNvPr id="8" name="TextBox 7">
+            <a:extLst>
+              <a:ext uri="{FF2B5EF4-FFF2-40B4-BE49-F238E27FC236}">
+                <a16:creationId xmlns:a16="http://schemas.microsoft.com/office/drawing/2014/main" id="{CE7A1A01-B7F8-4A6A-970F-96B752203D36}"/>
+              </a:ext>
+            </a:extLst>
+          </p:cNvPr>
+          <p:cNvSpPr txBox="1"/>
+          <p:nvPr/>
+        </p:nvSpPr>
+        <p:spPr>
+          <a:xfrm>
+            <a:off x="3847034" y="1825688"/>
+            <a:ext cx="2596243" cy="369332"/>
+          </a:xfrm>
+          <a:prstGeom prst="rect">
+            <a:avLst/>
+          </a:prstGeom>
+          <a:noFill/>
+        </p:spPr>
+        <p:txBody>
+          <a:bodyPr wrap="square" rtlCol="0">
+            <a:spAutoFit/>
+          </a:bodyPr>
+          <a:lstStyle/>
+          <a:p>
+            <a:r>
+              <a:rPr lang="ko-KR" altLang="en-US"/>
+              <a:t>전처리 </a:t>
+            </a:r>
+            <a:r>
+              <a:rPr lang="en-US" altLang="ko-KR"/>
+              <a:t>/</a:t>
+            </a:r>
+            <a:r>
+              <a:rPr lang="ko-KR" altLang="en-US"/>
+              <a:t>스크래핑</a:t>
+            </a:r>
+          </a:p>
+        </p:txBody>
+      </p:sp>
+      <p:sp>
+        <p:nvSpPr>
+          <p:cNvPr id="9" name="TextBox 8">
+            <a:extLst>
+              <a:ext uri="{FF2B5EF4-FFF2-40B4-BE49-F238E27FC236}">
+                <a16:creationId xmlns:a16="http://schemas.microsoft.com/office/drawing/2014/main" id="{04AC89C1-9F94-4DDD-9B58-BB2D7741805D}"/>
+              </a:ext>
+            </a:extLst>
+          </p:cNvPr>
+          <p:cNvSpPr txBox="1"/>
+          <p:nvPr/>
+        </p:nvSpPr>
+        <p:spPr>
+          <a:xfrm>
+            <a:off x="6942955" y="4973760"/>
+            <a:ext cx="1370252" cy="369332"/>
+          </a:xfrm>
+          <a:prstGeom prst="rect">
+            <a:avLst/>
+          </a:prstGeom>
+          <a:noFill/>
+        </p:spPr>
+        <p:txBody>
+          <a:bodyPr wrap="square" rtlCol="0">
+            <a:spAutoFit/>
+          </a:bodyPr>
+          <a:lstStyle/>
+          <a:p>
+            <a:r>
+              <a:rPr lang="en-US" altLang="ko-KR"/>
+              <a:t>Templates</a:t>
+            </a:r>
+            <a:endParaRPr lang="ko-KR" altLang="en-US"/>
+          </a:p>
+        </p:txBody>
+      </p:sp>
+      <p:sp>
+        <p:nvSpPr>
+          <p:cNvPr id="10" name="TextBox 9">
+            <a:extLst>
+              <a:ext uri="{FF2B5EF4-FFF2-40B4-BE49-F238E27FC236}">
+                <a16:creationId xmlns:a16="http://schemas.microsoft.com/office/drawing/2014/main" id="{8D171E62-E9A3-43B7-81A7-0D2FFD305C86}"/>
+              </a:ext>
+            </a:extLst>
+          </p:cNvPr>
+          <p:cNvSpPr txBox="1"/>
+          <p:nvPr/>
+        </p:nvSpPr>
+        <p:spPr>
+          <a:xfrm>
+            <a:off x="6007849" y="5023198"/>
+            <a:ext cx="1730829" cy="369332"/>
+          </a:xfrm>
+          <a:prstGeom prst="rect">
+            <a:avLst/>
+          </a:prstGeom>
+          <a:noFill/>
+        </p:spPr>
+        <p:txBody>
+          <a:bodyPr wrap="square" rtlCol="0">
+            <a:spAutoFit/>
+          </a:bodyPr>
+          <a:lstStyle/>
+          <a:p>
+            <a:r>
+              <a:rPr lang="en-US" altLang="ko-KR"/>
+              <a:t>View</a:t>
+            </a:r>
+            <a:endParaRPr lang="ko-KR" altLang="en-US"/>
+          </a:p>
+        </p:txBody>
+      </p:sp>
+      <p:sp>
+        <p:nvSpPr>
+          <p:cNvPr id="11" name="TextBox 10">
+            <a:extLst>
+              <a:ext uri="{FF2B5EF4-FFF2-40B4-BE49-F238E27FC236}">
+                <a16:creationId xmlns:a16="http://schemas.microsoft.com/office/drawing/2014/main" id="{3DA1E884-AA46-4FF4-9692-12497B3B05D4}"/>
+              </a:ext>
+            </a:extLst>
+          </p:cNvPr>
+          <p:cNvSpPr txBox="1"/>
+          <p:nvPr/>
+        </p:nvSpPr>
+        <p:spPr>
+          <a:xfrm>
+            <a:off x="6299633" y="3052701"/>
+            <a:ext cx="1730829" cy="369332"/>
+          </a:xfrm>
+          <a:prstGeom prst="rect">
+            <a:avLst/>
+          </a:prstGeom>
+          <a:noFill/>
+        </p:spPr>
+        <p:txBody>
+          <a:bodyPr wrap="square" rtlCol="0">
+            <a:spAutoFit/>
+          </a:bodyPr>
+          <a:lstStyle/>
+          <a:p>
+            <a:r>
+              <a:rPr lang="en-US" altLang="ko-KR"/>
+              <a:t>Model</a:t>
+            </a:r>
+            <a:endParaRPr lang="ko-KR" altLang="en-US"/>
+          </a:p>
+        </p:txBody>
+      </p:sp>
+      <p:sp>
+        <p:nvSpPr>
+          <p:cNvPr id="12" name="TextBox 11">
+            <a:extLst>
+              <a:ext uri="{FF2B5EF4-FFF2-40B4-BE49-F238E27FC236}">
+                <a16:creationId xmlns:a16="http://schemas.microsoft.com/office/drawing/2014/main" id="{E082A8EF-D04B-41F9-9470-3C4EAB7ABD60}"/>
+              </a:ext>
+            </a:extLst>
+          </p:cNvPr>
+          <p:cNvSpPr txBox="1"/>
+          <p:nvPr/>
+        </p:nvSpPr>
+        <p:spPr>
+          <a:xfrm>
+            <a:off x="5626851" y="3549364"/>
+            <a:ext cx="555170" cy="560282"/>
+          </a:xfrm>
+          <a:prstGeom prst="rect">
+            <a:avLst/>
+          </a:prstGeom>
+          <a:noFill/>
+          <a:ln>
+            <a:solidFill>
+              <a:srgbClr val="00B050"/>
+            </a:solidFill>
+          </a:ln>
+        </p:spPr>
+        <p:txBody>
+          <a:bodyPr wrap="square" rtlCol="0">
+            <a:spAutoFit/>
+          </a:bodyPr>
+          <a:lstStyle/>
+          <a:p>
+            <a:endParaRPr lang="ko-KR" altLang="en-US"/>
+          </a:p>
+        </p:txBody>
+      </p:sp>
+      <p:sp>
+        <p:nvSpPr>
+          <p:cNvPr id="13" name="TextBox 12">
+            <a:extLst>
+              <a:ext uri="{FF2B5EF4-FFF2-40B4-BE49-F238E27FC236}">
+                <a16:creationId xmlns:a16="http://schemas.microsoft.com/office/drawing/2014/main" id="{9B19E9F5-3A47-4FC4-A6FD-0738ADAAB090}"/>
+              </a:ext>
+            </a:extLst>
+          </p:cNvPr>
+          <p:cNvSpPr txBox="1"/>
+          <p:nvPr/>
+        </p:nvSpPr>
+        <p:spPr>
+          <a:xfrm>
+            <a:off x="6387785" y="3549364"/>
+            <a:ext cx="555170" cy="560282"/>
+          </a:xfrm>
+          <a:prstGeom prst="rect">
+            <a:avLst/>
+          </a:prstGeom>
+          <a:noFill/>
+          <a:ln>
+            <a:solidFill>
+              <a:srgbClr val="00B050"/>
+            </a:solidFill>
+          </a:ln>
+        </p:spPr>
+        <p:txBody>
+          <a:bodyPr wrap="square" rtlCol="0">
+            <a:spAutoFit/>
+          </a:bodyPr>
+          <a:lstStyle/>
+          <a:p>
+            <a:endParaRPr lang="ko-KR" altLang="en-US"/>
+          </a:p>
+        </p:txBody>
+      </p:sp>
+      <p:sp>
+        <p:nvSpPr>
+          <p:cNvPr id="14" name="TextBox 13">
+            <a:extLst>
+              <a:ext uri="{FF2B5EF4-FFF2-40B4-BE49-F238E27FC236}">
+                <a16:creationId xmlns:a16="http://schemas.microsoft.com/office/drawing/2014/main" id="{91AA62C2-E639-4874-98A0-5A62CA6A7872}"/>
+              </a:ext>
+            </a:extLst>
+          </p:cNvPr>
+          <p:cNvSpPr txBox="1"/>
+          <p:nvPr/>
+        </p:nvSpPr>
+        <p:spPr>
+          <a:xfrm>
+            <a:off x="7158539" y="3549364"/>
+            <a:ext cx="555170" cy="560282"/>
+          </a:xfrm>
+          <a:prstGeom prst="rect">
+            <a:avLst/>
+          </a:prstGeom>
+          <a:noFill/>
+          <a:ln>
+            <a:solidFill>
+              <a:srgbClr val="00B050"/>
+            </a:solidFill>
+          </a:ln>
+        </p:spPr>
+        <p:txBody>
+          <a:bodyPr wrap="square" rtlCol="0">
+            <a:spAutoFit/>
+          </a:bodyPr>
+          <a:lstStyle/>
+          <a:p>
+            <a:endParaRPr lang="ko-KR" altLang="en-US"/>
+          </a:p>
+        </p:txBody>
+      </p:sp>
+      <p:sp>
+        <p:nvSpPr>
+          <p:cNvPr id="15" name="TextBox 14">
+            <a:extLst>
+              <a:ext uri="{FF2B5EF4-FFF2-40B4-BE49-F238E27FC236}">
+                <a16:creationId xmlns:a16="http://schemas.microsoft.com/office/drawing/2014/main" id="{0BEAAA71-10FF-4395-9B23-7460E8B3FBDA}"/>
+              </a:ext>
+            </a:extLst>
+          </p:cNvPr>
+          <p:cNvSpPr txBox="1"/>
+          <p:nvPr/>
+        </p:nvSpPr>
+        <p:spPr>
+          <a:xfrm>
+            <a:off x="7909767" y="3528623"/>
+            <a:ext cx="555170" cy="560282"/>
+          </a:xfrm>
+          <a:prstGeom prst="rect">
+            <a:avLst/>
+          </a:prstGeom>
+          <a:noFill/>
+          <a:ln>
+            <a:solidFill>
+              <a:srgbClr val="00B050"/>
+            </a:solidFill>
+          </a:ln>
+        </p:spPr>
+        <p:txBody>
+          <a:bodyPr wrap="square" rtlCol="0">
+            <a:spAutoFit/>
+          </a:bodyPr>
+          <a:lstStyle/>
+          <a:p>
+            <a:endParaRPr lang="ko-KR" altLang="en-US"/>
+          </a:p>
+        </p:txBody>
+      </p:sp>
+      <p:sp>
+        <p:nvSpPr>
+          <p:cNvPr id="16" name="TextBox 15">
+            <a:extLst>
+              <a:ext uri="{FF2B5EF4-FFF2-40B4-BE49-F238E27FC236}">
+                <a16:creationId xmlns:a16="http://schemas.microsoft.com/office/drawing/2014/main" id="{04E89BC6-8AB8-4E7E-87E8-BED05CD56CE0}"/>
+              </a:ext>
+            </a:extLst>
+          </p:cNvPr>
+          <p:cNvSpPr txBox="1"/>
+          <p:nvPr/>
+        </p:nvSpPr>
+        <p:spPr>
+          <a:xfrm>
+            <a:off x="4865860" y="3528623"/>
+            <a:ext cx="555170" cy="560282"/>
+          </a:xfrm>
+          <a:prstGeom prst="rect">
+            <a:avLst/>
+          </a:prstGeom>
+          <a:noFill/>
+          <a:ln>
+            <a:solidFill>
+              <a:srgbClr val="00B050"/>
+            </a:solidFill>
+          </a:ln>
+        </p:spPr>
+        <p:txBody>
+          <a:bodyPr wrap="square" rtlCol="0">
+            <a:spAutoFit/>
+          </a:bodyPr>
+          <a:lstStyle/>
+          <a:p>
+            <a:endParaRPr lang="ko-KR" altLang="en-US"/>
+          </a:p>
+        </p:txBody>
+      </p:sp>
+      <p:sp>
+        <p:nvSpPr>
+          <p:cNvPr id="17" name="TextBox 16">
+            <a:extLst>
+              <a:ext uri="{FF2B5EF4-FFF2-40B4-BE49-F238E27FC236}">
+                <a16:creationId xmlns:a16="http://schemas.microsoft.com/office/drawing/2014/main" id="{D533876F-EB61-4CED-8400-0EFF347BEB46}"/>
+              </a:ext>
+            </a:extLst>
+          </p:cNvPr>
+          <p:cNvSpPr txBox="1"/>
+          <p:nvPr/>
+        </p:nvSpPr>
+        <p:spPr>
+          <a:xfrm>
+            <a:off x="10384916" y="4950033"/>
+            <a:ext cx="1730829" cy="369332"/>
+          </a:xfrm>
+          <a:prstGeom prst="rect">
+            <a:avLst/>
+          </a:prstGeom>
+          <a:noFill/>
+        </p:spPr>
+        <p:txBody>
+          <a:bodyPr wrap="square" rtlCol="0">
+            <a:spAutoFit/>
+          </a:bodyPr>
+          <a:lstStyle/>
+          <a:p>
+            <a:r>
+              <a:rPr lang="en-US" altLang="ko-KR"/>
+              <a:t>User</a:t>
+            </a:r>
+            <a:endParaRPr lang="ko-KR" altLang="en-US"/>
+          </a:p>
+        </p:txBody>
+      </p:sp>
+      <p:sp>
+        <p:nvSpPr>
+          <p:cNvPr id="19" name="직사각형 18">
+            <a:extLst>
+              <a:ext uri="{FF2B5EF4-FFF2-40B4-BE49-F238E27FC236}">
+                <a16:creationId xmlns:a16="http://schemas.microsoft.com/office/drawing/2014/main" id="{9584571F-8170-4AD6-BFCD-B711E3F98AE3}"/>
+              </a:ext>
+            </a:extLst>
+          </p:cNvPr>
+          <p:cNvSpPr/>
+          <p:nvPr/>
+        </p:nvSpPr>
+        <p:spPr>
+          <a:xfrm>
+            <a:off x="5421030" y="4609072"/>
+            <a:ext cx="3505846" cy="1420586"/>
+          </a:xfrm>
+          <a:prstGeom prst="rect">
+            <a:avLst/>
+          </a:prstGeom>
+          <a:noFill/>
+          <a:ln w="57150">
+            <a:solidFill>
+              <a:schemeClr val="accent4"/>
+            </a:solidFill>
+          </a:ln>
+        </p:spPr>
+        <p:style>
+          <a:lnRef idx="2">
+            <a:schemeClr val="accent1">
+              <a:shade val="50000"/>
+            </a:schemeClr>
+          </a:lnRef>
+          <a:fillRef idx="1">
+            <a:schemeClr val="accent1"/>
+          </a:fillRef>
+          <a:effectRef idx="0">
+            <a:schemeClr val="accent1"/>
+          </a:effectRef>
+          <a:fontRef idx="minor">
+            <a:schemeClr val="lt1"/>
+          </a:fontRef>
+        </p:style>
+        <p:txBody>
+          <a:bodyPr rtlCol="0" anchor="ctr"/>
+          <a:lstStyle/>
+          <a:p>
+            <a:pPr algn="ctr"/>
+            <a:endParaRPr lang="ko-KR" altLang="en-US"/>
+          </a:p>
+        </p:txBody>
+      </p:sp>
+    </p:spTree>
+    <p:extLst>
+      <p:ext uri="{BB962C8B-B14F-4D97-AF65-F5344CB8AC3E}">
+        <p14:creationId xmlns:p14="http://schemas.microsoft.com/office/powerpoint/2010/main" val="1028801724"/>
+      </p:ext>
+    </p:extLst>
+  </p:cSld>
+  <p:clrMapOvr>
+    <a:masterClrMapping/>
+  </p:clrMapOvr>
+</p:sld>
+</file>
+
+<file path=ppt/slides/slide2.xml><?xml version="1.0" encoding="utf-8"?>
+<p:sld xmlns:a="http://schemas.openxmlformats.org/drawingml/2006/main" xmlns:r="http://schemas.openxmlformats.org/officeDocument/2006/relationships" xmlns:p="http://schemas.openxmlformats.org/presentationml/2006/main">
+  <p:cSld>
+    <p:spTree>
+      <p:nvGrpSpPr>
+        <p:cNvPr id="1" name=""/>
+        <p:cNvGrpSpPr/>
+        <p:nvPr/>
+      </p:nvGrpSpPr>
+      <p:grpSpPr>
+        <a:xfrm>
+          <a:off x="0" y="0"/>
+          <a:ext cx="0" cy="0"/>
+          <a:chOff x="0" y="0"/>
+          <a:chExt cx="0" cy="0"/>
+        </a:xfrm>
+      </p:grpSpPr>
+      <p:sp>
+        <p:nvSpPr>
+          <p:cNvPr id="3" name="TextBox 2">
+            <a:extLst>
+              <a:ext uri="{FF2B5EF4-FFF2-40B4-BE49-F238E27FC236}">
+                <a16:creationId xmlns:a16="http://schemas.microsoft.com/office/drawing/2014/main" id="{D6C112C1-D0D2-4CFD-87C4-F0D27DAFF6F4}"/>
+              </a:ext>
+            </a:extLst>
+          </p:cNvPr>
+          <p:cNvSpPr txBox="1"/>
+          <p:nvPr/>
+        </p:nvSpPr>
+        <p:spPr>
+          <a:xfrm>
+            <a:off x="715618" y="610464"/>
+            <a:ext cx="6096000" cy="646331"/>
+          </a:xfrm>
+          <a:prstGeom prst="rect">
+            <a:avLst/>
+          </a:prstGeom>
+          <a:noFill/>
+        </p:spPr>
+        <p:txBody>
+          <a:bodyPr wrap="square">
+            <a:spAutoFit/>
+          </a:bodyPr>
+          <a:lstStyle/>
+          <a:p>
+            <a:pPr latinLnBrk="1"/>
+            <a:r>
+              <a:rPr lang="ko-KR" altLang="en-US" sz="3600" dirty="0">
+                <a:latin typeface="12롯데마트드림Bold" panose="02020603020101020101" pitchFamily="18" charset="-127"/>
+                <a:ea typeface="12롯데마트드림Bold" panose="02020603020101020101" pitchFamily="18" charset="-127"/>
+              </a:rPr>
+              <a:t>목차</a:t>
+            </a:r>
+          </a:p>
+        </p:txBody>
+      </p:sp>
+      <p:sp>
+        <p:nvSpPr>
+          <p:cNvPr id="4" name="TextBox 3">
+            <a:extLst>
+              <a:ext uri="{FF2B5EF4-FFF2-40B4-BE49-F238E27FC236}">
+                <a16:creationId xmlns:a16="http://schemas.microsoft.com/office/drawing/2014/main" id="{860A80D1-4B58-4B6F-9BDE-E2F87B929DA3}"/>
+              </a:ext>
+            </a:extLst>
+          </p:cNvPr>
+          <p:cNvSpPr txBox="1"/>
+          <p:nvPr/>
+        </p:nvSpPr>
+        <p:spPr>
+          <a:xfrm>
+            <a:off x="1159566" y="1571246"/>
+            <a:ext cx="6096000" cy="3884268"/>
+          </a:xfrm>
+          <a:prstGeom prst="rect">
+            <a:avLst/>
+          </a:prstGeom>
+          <a:noFill/>
+        </p:spPr>
+        <p:txBody>
+          <a:bodyPr wrap="square">
+            <a:spAutoFit/>
+          </a:bodyPr>
+          <a:lstStyle/>
+          <a:p>
+            <a:pPr marL="742950" indent="-742950" latinLnBrk="1">
+              <a:lnSpc>
+                <a:spcPct val="150000"/>
+              </a:lnSpc>
+              <a:buAutoNum type="arabicPeriod"/>
+            </a:pPr>
+            <a:r>
+              <a:rPr lang="ko-KR" altLang="en-US" sz="2400" dirty="0">
+                <a:latin typeface="12롯데마트드림Medium" panose="02020603020101020101" pitchFamily="18" charset="-127"/>
+                <a:ea typeface="12롯데마트드림Medium" panose="02020603020101020101" pitchFamily="18" charset="-127"/>
+              </a:rPr>
+              <a:t>프로젝트 소개</a:t>
+            </a:r>
+            <a:endParaRPr lang="en-US" altLang="ko-KR" sz="2400" dirty="0">
+              <a:latin typeface="12롯데마트드림Medium" panose="02020603020101020101" pitchFamily="18" charset="-127"/>
+              <a:ea typeface="12롯데마트드림Medium" panose="02020603020101020101" pitchFamily="18" charset="-127"/>
+            </a:endParaRPr>
+          </a:p>
+          <a:p>
+            <a:pPr marL="742950" indent="-742950" latinLnBrk="1">
+              <a:lnSpc>
+                <a:spcPct val="150000"/>
+              </a:lnSpc>
+              <a:buAutoNum type="arabicPeriod"/>
+            </a:pPr>
+            <a:r>
+              <a:rPr lang="ko-KR" altLang="en-US" sz="2400" dirty="0">
+                <a:latin typeface="12롯데마트드림Medium" panose="02020603020101020101" pitchFamily="18" charset="-127"/>
+                <a:ea typeface="12롯데마트드림Medium" panose="02020603020101020101" pitchFamily="18" charset="-127"/>
+              </a:rPr>
+              <a:t>프로젝트 개발 단계</a:t>
+            </a:r>
+            <a:endParaRPr lang="en-US" altLang="ko-KR" sz="2400" dirty="0">
+              <a:latin typeface="12롯데마트드림Medium" panose="02020603020101020101" pitchFamily="18" charset="-127"/>
+              <a:ea typeface="12롯데마트드림Medium" panose="02020603020101020101" pitchFamily="18" charset="-127"/>
+            </a:endParaRPr>
+          </a:p>
+          <a:p>
+            <a:pPr latinLnBrk="1">
+              <a:lnSpc>
+                <a:spcPct val="150000"/>
+              </a:lnSpc>
+            </a:pPr>
+            <a:r>
+              <a:rPr lang="en-US" altLang="ko-KR" sz="2400" dirty="0">
+                <a:latin typeface="12롯데마트드림Medium" panose="02020603020101020101" pitchFamily="18" charset="-127"/>
+                <a:ea typeface="12롯데마트드림Medium" panose="02020603020101020101" pitchFamily="18" charset="-127"/>
+              </a:rPr>
+              <a:t>	1) </a:t>
+            </a:r>
+            <a:r>
+              <a:rPr lang="ko-KR" altLang="en-US" sz="2400" dirty="0">
+                <a:latin typeface="12롯데마트드림Medium" panose="02020603020101020101" pitchFamily="18" charset="-127"/>
+                <a:ea typeface="12롯데마트드림Medium" panose="02020603020101020101" pitchFamily="18" charset="-127"/>
+              </a:rPr>
+              <a:t>기획</a:t>
+            </a:r>
+            <a:endParaRPr lang="en-US" altLang="ko-KR" sz="2400" dirty="0">
+              <a:latin typeface="12롯데마트드림Medium" panose="02020603020101020101" pitchFamily="18" charset="-127"/>
+              <a:ea typeface="12롯데마트드림Medium" panose="02020603020101020101" pitchFamily="18" charset="-127"/>
+            </a:endParaRPr>
+          </a:p>
+          <a:p>
+            <a:pPr latinLnBrk="1">
+              <a:lnSpc>
+                <a:spcPct val="150000"/>
+              </a:lnSpc>
+            </a:pPr>
+            <a:r>
+              <a:rPr lang="en-US" altLang="ko-KR" sz="2400" dirty="0">
+                <a:latin typeface="12롯데마트드림Medium" panose="02020603020101020101" pitchFamily="18" charset="-127"/>
+                <a:ea typeface="12롯데마트드림Medium" panose="02020603020101020101" pitchFamily="18" charset="-127"/>
+              </a:rPr>
+              <a:t>	2) </a:t>
+            </a:r>
+            <a:r>
+              <a:rPr lang="ko-KR" altLang="en-US" sz="2400" dirty="0">
+                <a:latin typeface="12롯데마트드림Medium" panose="02020603020101020101" pitchFamily="18" charset="-127"/>
+                <a:ea typeface="12롯데마트드림Medium" panose="02020603020101020101" pitchFamily="18" charset="-127"/>
+              </a:rPr>
+              <a:t>설계</a:t>
+            </a:r>
+            <a:endParaRPr lang="en-US" altLang="ko-KR" sz="2400" dirty="0">
+              <a:latin typeface="12롯데마트드림Medium" panose="02020603020101020101" pitchFamily="18" charset="-127"/>
+              <a:ea typeface="12롯데마트드림Medium" panose="02020603020101020101" pitchFamily="18" charset="-127"/>
+            </a:endParaRPr>
+          </a:p>
+          <a:p>
+            <a:pPr latinLnBrk="1">
+              <a:lnSpc>
+                <a:spcPct val="150000"/>
+              </a:lnSpc>
+            </a:pPr>
+            <a:r>
+              <a:rPr lang="en-US" altLang="ko-KR" sz="2400" dirty="0">
+                <a:latin typeface="12롯데마트드림Medium" panose="02020603020101020101" pitchFamily="18" charset="-127"/>
+                <a:ea typeface="12롯데마트드림Medium" panose="02020603020101020101" pitchFamily="18" charset="-127"/>
+              </a:rPr>
+              <a:t>	3) </a:t>
+            </a:r>
+            <a:r>
+              <a:rPr lang="ko-KR" altLang="en-US" sz="2400" dirty="0">
+                <a:latin typeface="12롯데마트드림Medium" panose="02020603020101020101" pitchFamily="18" charset="-127"/>
+                <a:ea typeface="12롯데마트드림Medium" panose="02020603020101020101" pitchFamily="18" charset="-127"/>
+              </a:rPr>
+              <a:t>구현</a:t>
+            </a:r>
+            <a:endParaRPr lang="en-US" altLang="ko-KR" sz="2400" dirty="0">
+              <a:latin typeface="12롯데마트드림Medium" panose="02020603020101020101" pitchFamily="18" charset="-127"/>
+              <a:ea typeface="12롯데마트드림Medium" panose="02020603020101020101" pitchFamily="18" charset="-127"/>
+            </a:endParaRPr>
+          </a:p>
+          <a:p>
+            <a:pPr latinLnBrk="1">
+              <a:lnSpc>
+                <a:spcPct val="150000"/>
+              </a:lnSpc>
+            </a:pPr>
+            <a:r>
+              <a:rPr lang="en-US" altLang="ko-KR" sz="2400" dirty="0">
+                <a:latin typeface="12롯데마트드림Medium" panose="02020603020101020101" pitchFamily="18" charset="-127"/>
+                <a:ea typeface="12롯데마트드림Medium" panose="02020603020101020101" pitchFamily="18" charset="-127"/>
+              </a:rPr>
+              <a:t>	4) </a:t>
+            </a:r>
+            <a:r>
+              <a:rPr lang="ko-KR" altLang="en-US" sz="2400" dirty="0">
+                <a:latin typeface="12롯데마트드림Medium" panose="02020603020101020101" pitchFamily="18" charset="-127"/>
+                <a:ea typeface="12롯데마트드림Medium" panose="02020603020101020101" pitchFamily="18" charset="-127"/>
+              </a:rPr>
+              <a:t>테스트</a:t>
+            </a:r>
+            <a:endParaRPr lang="en-US" altLang="ko-KR" sz="2400" dirty="0">
+              <a:latin typeface="12롯데마트드림Medium" panose="02020603020101020101" pitchFamily="18" charset="-127"/>
+              <a:ea typeface="12롯데마트드림Medium" panose="02020603020101020101" pitchFamily="18" charset="-127"/>
+            </a:endParaRPr>
+          </a:p>
+          <a:p>
+            <a:pPr latinLnBrk="1">
+              <a:lnSpc>
+                <a:spcPct val="150000"/>
+              </a:lnSpc>
+            </a:pPr>
+            <a:r>
+              <a:rPr lang="en-US" altLang="ko-KR" sz="2400" dirty="0">
+                <a:latin typeface="12롯데마트드림Medium" panose="02020603020101020101" pitchFamily="18" charset="-127"/>
+                <a:ea typeface="12롯데마트드림Medium" panose="02020603020101020101" pitchFamily="18" charset="-127"/>
+              </a:rPr>
+              <a:t>3. </a:t>
+            </a:r>
+            <a:r>
+              <a:rPr lang="ko-KR" altLang="en-US" sz="2400" dirty="0">
+                <a:latin typeface="12롯데마트드림Medium" panose="02020603020101020101" pitchFamily="18" charset="-127"/>
+                <a:ea typeface="12롯데마트드림Medium" panose="02020603020101020101" pitchFamily="18" charset="-127"/>
+              </a:rPr>
+              <a:t>한계점 및 소감</a:t>
+            </a:r>
+            <a:endParaRPr lang="en-US" altLang="ko-KR" sz="2400" dirty="0">
+              <a:latin typeface="12롯데마트드림Medium" panose="02020603020101020101" pitchFamily="18" charset="-127"/>
+              <a:ea typeface="12롯데마트드림Medium" panose="02020603020101020101" pitchFamily="18" charset="-127"/>
+            </a:endParaRPr>
+          </a:p>
+        </p:txBody>
+      </p:sp>
+    </p:spTree>
+    <p:extLst>
+      <p:ext uri="{BB962C8B-B14F-4D97-AF65-F5344CB8AC3E}">
+        <p14:creationId xmlns:p14="http://schemas.microsoft.com/office/powerpoint/2010/main" val="4229367917"/>
+      </p:ext>
+    </p:extLst>
+  </p:cSld>
+  <p:clrMapOvr>
+    <a:masterClrMapping/>
+  </p:clrMapOvr>
+</p:sld>
+</file>
+
+<file path=ppt/slides/slide20.xml><?xml version="1.0" encoding="utf-8"?>
 <p:sld xmlns:a="http://schemas.openxmlformats.org/drawingml/2006/main" xmlns:r="http://schemas.openxmlformats.org/officeDocument/2006/relationships" xmlns:p="http://schemas.openxmlformats.org/presentationml/2006/main">
   <p:cSld>
     <p:spTree>
@@ -6332,7 +9002,7 @@
         <p:spPr>
           <a:xfrm>
             <a:off x="536713" y="392217"/>
-            <a:ext cx="6096000" cy="560282"/>
+            <a:ext cx="6096000" cy="574966"/>
           </a:xfrm>
           <a:prstGeom prst="rect">
             <a:avLst/>
@@ -6351,18 +9021,32 @@
               </a:lnSpc>
             </a:pPr>
             <a:r>
-              <a:rPr lang="en-US" altLang="ko-KR" sz="2400" dirty="0">
+              <a:rPr lang="en-US" altLang="ko-KR" sz="2400">
                 <a:latin typeface="12롯데마트드림Medium" panose="02020603020101020101" pitchFamily="18" charset="-127"/>
                 <a:ea typeface="12롯데마트드림Medium" panose="02020603020101020101" pitchFamily="18" charset="-127"/>
               </a:rPr>
               <a:t>API </a:t>
             </a:r>
             <a:r>
-              <a:rPr lang="ko-KR" altLang="en-US" sz="2400" dirty="0">
+              <a:rPr lang="ko-KR" altLang="en-US" sz="2400">
                 <a:latin typeface="12롯데마트드림Medium" panose="02020603020101020101" pitchFamily="18" charset="-127"/>
                 <a:ea typeface="12롯데마트드림Medium" panose="02020603020101020101" pitchFamily="18" charset="-127"/>
               </a:rPr>
-              <a:t>명세서</a:t>
+              <a:t>명세서 </a:t>
+            </a:r>
+            <a:r>
+              <a:rPr lang="en-US" altLang="ko-KR" sz="2400">
+                <a:latin typeface="12롯데마트드림Medium" panose="02020603020101020101" pitchFamily="18" charset="-127"/>
+                <a:ea typeface="12롯데마트드림Medium" panose="02020603020101020101" pitchFamily="18" charset="-127"/>
+              </a:rPr>
+              <a:t>-</a:t>
+            </a:r>
+            <a:r>
+              <a:rPr lang="ko-KR" altLang="en-US" sz="2400">
+                <a:latin typeface="12롯데마트드림Medium" panose="02020603020101020101" pitchFamily="18" charset="-127"/>
+                <a:ea typeface="12롯데마트드림Medium" panose="02020603020101020101" pitchFamily="18" charset="-127"/>
+              </a:rPr>
+              <a:t>모르겟음</a:t>
             </a:r>
             <a:endParaRPr lang="en-US" altLang="ko-KR" sz="2400" dirty="0">
               <a:latin typeface="12롯데마트드림Medium" panose="02020603020101020101" pitchFamily="18" charset="-127"/>
@@ -6384,7 +9068,7 @@
 </p:sld>
 </file>
 
-<file path=ppt/slides/slide16.xml><?xml version="1.0" encoding="utf-8"?>
+<file path=ppt/slides/slide21.xml><?xml version="1.0" encoding="utf-8"?>
 <p:sld xmlns:a="http://schemas.openxmlformats.org/drawingml/2006/main" xmlns:r="http://schemas.openxmlformats.org/officeDocument/2006/relationships" xmlns:p="http://schemas.openxmlformats.org/presentationml/2006/main">
   <p:cSld>
     <p:spTree>
@@ -6482,7 +9166,7 @@
 </p:sld>
 </file>
 
-<file path=ppt/slides/slide17.xml><?xml version="1.0" encoding="utf-8"?>
+<file path=ppt/slides/slide22.xml><?xml version="1.0" encoding="utf-8"?>
 <p:sld xmlns:a="http://schemas.openxmlformats.org/drawingml/2006/main" xmlns:r="http://schemas.openxmlformats.org/officeDocument/2006/relationships" xmlns:p="http://schemas.openxmlformats.org/presentationml/2006/main">
   <p:cSld>
     <p:spTree>
@@ -6606,7 +9290,7 @@
 </p:sld>
 </file>
 
-<file path=ppt/slides/slide18.xml><?xml version="1.0" encoding="utf-8"?>
+<file path=ppt/slides/slide23.xml><?xml version="1.0" encoding="utf-8"?>
 <p:sld xmlns:a="http://schemas.openxmlformats.org/drawingml/2006/main" xmlns:r="http://schemas.openxmlformats.org/officeDocument/2006/relationships" xmlns:p="http://schemas.openxmlformats.org/presentationml/2006/main">
   <p:cSld>
     <p:spTree>
@@ -6704,7 +9388,7 @@
 </p:sld>
 </file>
 
-<file path=ppt/slides/slide19.xml><?xml version="1.0" encoding="utf-8"?>
+<file path=ppt/slides/slide24.xml><?xml version="1.0" encoding="utf-8"?>
 <p:sld xmlns:a="http://schemas.openxmlformats.org/drawingml/2006/main" xmlns:r="http://schemas.openxmlformats.org/officeDocument/2006/relationships" xmlns:p="http://schemas.openxmlformats.org/presentationml/2006/main">
   <p:cSld>
     <p:spTree>
@@ -6830,267 +9514,6 @@
     <p:extLst>
       <p:ext uri="{BB962C8B-B14F-4D97-AF65-F5344CB8AC3E}">
         <p14:creationId xmlns:p14="http://schemas.microsoft.com/office/powerpoint/2010/main" val="2371310301"/>
-      </p:ext>
-    </p:extLst>
-  </p:cSld>
-  <p:clrMapOvr>
-    <a:masterClrMapping/>
-  </p:clrMapOvr>
-</p:sld>
-</file>
-
-<file path=ppt/slides/slide2.xml><?xml version="1.0" encoding="utf-8"?>
-<p:sld xmlns:a="http://schemas.openxmlformats.org/drawingml/2006/main" xmlns:r="http://schemas.openxmlformats.org/officeDocument/2006/relationships" xmlns:p="http://schemas.openxmlformats.org/presentationml/2006/main">
-  <p:cSld>
-    <p:spTree>
-      <p:nvGrpSpPr>
-        <p:cNvPr id="1" name=""/>
-        <p:cNvGrpSpPr/>
-        <p:nvPr/>
-      </p:nvGrpSpPr>
-      <p:grpSpPr>
-        <a:xfrm>
-          <a:off x="0" y="0"/>
-          <a:ext cx="0" cy="0"/>
-          <a:chOff x="0" y="0"/>
-          <a:chExt cx="0" cy="0"/>
-        </a:xfrm>
-      </p:grpSpPr>
-      <p:sp>
-        <p:nvSpPr>
-          <p:cNvPr id="3" name="TextBox 2">
-            <a:extLst>
-              <a:ext uri="{FF2B5EF4-FFF2-40B4-BE49-F238E27FC236}">
-                <a16:creationId xmlns:a16="http://schemas.microsoft.com/office/drawing/2014/main" id="{D6C112C1-D0D2-4CFD-87C4-F0D27DAFF6F4}"/>
-              </a:ext>
-            </a:extLst>
-          </p:cNvPr>
-          <p:cNvSpPr txBox="1"/>
-          <p:nvPr/>
-        </p:nvSpPr>
-        <p:spPr>
-          <a:xfrm>
-            <a:off x="715618" y="610464"/>
-            <a:ext cx="6096000" cy="646331"/>
-          </a:xfrm>
-          <a:prstGeom prst="rect">
-            <a:avLst/>
-          </a:prstGeom>
-          <a:noFill/>
-        </p:spPr>
-        <p:txBody>
-          <a:bodyPr wrap="square">
-            <a:spAutoFit/>
-          </a:bodyPr>
-          <a:lstStyle/>
-          <a:p>
-            <a:pPr latinLnBrk="1"/>
-            <a:r>
-              <a:rPr lang="ko-KR" altLang="en-US" sz="3600" dirty="0">
-                <a:latin typeface="12롯데마트드림Bold" panose="02020603020101020101" pitchFamily="18" charset="-127"/>
-                <a:ea typeface="12롯데마트드림Bold" panose="02020603020101020101" pitchFamily="18" charset="-127"/>
-              </a:rPr>
-              <a:t>목차</a:t>
-            </a:r>
-          </a:p>
-        </p:txBody>
-      </p:sp>
-      <p:sp>
-        <p:nvSpPr>
-          <p:cNvPr id="4" name="TextBox 3">
-            <a:extLst>
-              <a:ext uri="{FF2B5EF4-FFF2-40B4-BE49-F238E27FC236}">
-                <a16:creationId xmlns:a16="http://schemas.microsoft.com/office/drawing/2014/main" id="{860A80D1-4B58-4B6F-9BDE-E2F87B929DA3}"/>
-              </a:ext>
-            </a:extLst>
-          </p:cNvPr>
-          <p:cNvSpPr txBox="1"/>
-          <p:nvPr/>
-        </p:nvSpPr>
-        <p:spPr>
-          <a:xfrm>
-            <a:off x="1159566" y="1571246"/>
-            <a:ext cx="6096000" cy="3884268"/>
-          </a:xfrm>
-          <a:prstGeom prst="rect">
-            <a:avLst/>
-          </a:prstGeom>
-          <a:noFill/>
-        </p:spPr>
-        <p:txBody>
-          <a:bodyPr wrap="square">
-            <a:spAutoFit/>
-          </a:bodyPr>
-          <a:lstStyle/>
-          <a:p>
-            <a:pPr marL="742950" indent="-742950" latinLnBrk="1">
-              <a:lnSpc>
-                <a:spcPct val="150000"/>
-              </a:lnSpc>
-              <a:buAutoNum type="arabicPeriod"/>
-            </a:pPr>
-            <a:r>
-              <a:rPr lang="ko-KR" altLang="en-US" sz="2400" dirty="0">
-                <a:latin typeface="12롯데마트드림Medium" panose="02020603020101020101" pitchFamily="18" charset="-127"/>
-                <a:ea typeface="12롯데마트드림Medium" panose="02020603020101020101" pitchFamily="18" charset="-127"/>
-              </a:rPr>
-              <a:t>프로젝트 소개</a:t>
-            </a:r>
-            <a:endParaRPr lang="en-US" altLang="ko-KR" sz="2400" dirty="0">
-              <a:latin typeface="12롯데마트드림Medium" panose="02020603020101020101" pitchFamily="18" charset="-127"/>
-              <a:ea typeface="12롯데마트드림Medium" panose="02020603020101020101" pitchFamily="18" charset="-127"/>
-            </a:endParaRPr>
-          </a:p>
-          <a:p>
-            <a:pPr marL="742950" indent="-742950" latinLnBrk="1">
-              <a:lnSpc>
-                <a:spcPct val="150000"/>
-              </a:lnSpc>
-              <a:buAutoNum type="arabicPeriod"/>
-            </a:pPr>
-            <a:r>
-              <a:rPr lang="ko-KR" altLang="en-US" sz="2400" dirty="0">
-                <a:latin typeface="12롯데마트드림Medium" panose="02020603020101020101" pitchFamily="18" charset="-127"/>
-                <a:ea typeface="12롯데마트드림Medium" panose="02020603020101020101" pitchFamily="18" charset="-127"/>
-              </a:rPr>
-              <a:t>프로젝트 개발 단계</a:t>
-            </a:r>
-            <a:endParaRPr lang="en-US" altLang="ko-KR" sz="2400" dirty="0">
-              <a:latin typeface="12롯데마트드림Medium" panose="02020603020101020101" pitchFamily="18" charset="-127"/>
-              <a:ea typeface="12롯데마트드림Medium" panose="02020603020101020101" pitchFamily="18" charset="-127"/>
-            </a:endParaRPr>
-          </a:p>
-          <a:p>
-            <a:pPr latinLnBrk="1">
-              <a:lnSpc>
-                <a:spcPct val="150000"/>
-              </a:lnSpc>
-            </a:pPr>
-            <a:r>
-              <a:rPr lang="en-US" altLang="ko-KR" sz="2400" dirty="0">
-                <a:latin typeface="12롯데마트드림Medium" panose="02020603020101020101" pitchFamily="18" charset="-127"/>
-                <a:ea typeface="12롯데마트드림Medium" panose="02020603020101020101" pitchFamily="18" charset="-127"/>
-              </a:rPr>
-              <a:t>	1) </a:t>
-            </a:r>
-            <a:r>
-              <a:rPr lang="ko-KR" altLang="en-US" sz="2400" dirty="0">
-                <a:latin typeface="12롯데마트드림Medium" panose="02020603020101020101" pitchFamily="18" charset="-127"/>
-                <a:ea typeface="12롯데마트드림Medium" panose="02020603020101020101" pitchFamily="18" charset="-127"/>
-              </a:rPr>
-              <a:t>기획</a:t>
-            </a:r>
-            <a:endParaRPr lang="en-US" altLang="ko-KR" sz="2400" dirty="0">
-              <a:latin typeface="12롯데마트드림Medium" panose="02020603020101020101" pitchFamily="18" charset="-127"/>
-              <a:ea typeface="12롯데마트드림Medium" panose="02020603020101020101" pitchFamily="18" charset="-127"/>
-            </a:endParaRPr>
-          </a:p>
-          <a:p>
-            <a:pPr latinLnBrk="1">
-              <a:lnSpc>
-                <a:spcPct val="150000"/>
-              </a:lnSpc>
-            </a:pPr>
-            <a:r>
-              <a:rPr lang="en-US" altLang="ko-KR" sz="2400" dirty="0">
-                <a:latin typeface="12롯데마트드림Medium" panose="02020603020101020101" pitchFamily="18" charset="-127"/>
-                <a:ea typeface="12롯데마트드림Medium" panose="02020603020101020101" pitchFamily="18" charset="-127"/>
-              </a:rPr>
-              <a:t>	2) </a:t>
-            </a:r>
-            <a:r>
-              <a:rPr lang="ko-KR" altLang="en-US" sz="2400" dirty="0">
-                <a:latin typeface="12롯데마트드림Medium" panose="02020603020101020101" pitchFamily="18" charset="-127"/>
-                <a:ea typeface="12롯데마트드림Medium" panose="02020603020101020101" pitchFamily="18" charset="-127"/>
-              </a:rPr>
-              <a:t>설계</a:t>
-            </a:r>
-            <a:endParaRPr lang="en-US" altLang="ko-KR" sz="2400" dirty="0">
-              <a:latin typeface="12롯데마트드림Medium" panose="02020603020101020101" pitchFamily="18" charset="-127"/>
-              <a:ea typeface="12롯데마트드림Medium" panose="02020603020101020101" pitchFamily="18" charset="-127"/>
-            </a:endParaRPr>
-          </a:p>
-          <a:p>
-            <a:pPr latinLnBrk="1">
-              <a:lnSpc>
-                <a:spcPct val="150000"/>
-              </a:lnSpc>
-            </a:pPr>
-            <a:r>
-              <a:rPr lang="en-US" altLang="ko-KR" sz="2400" dirty="0">
-                <a:latin typeface="12롯데마트드림Medium" panose="02020603020101020101" pitchFamily="18" charset="-127"/>
-                <a:ea typeface="12롯데마트드림Medium" panose="02020603020101020101" pitchFamily="18" charset="-127"/>
-              </a:rPr>
-              <a:t>	3) </a:t>
-            </a:r>
-            <a:r>
-              <a:rPr lang="ko-KR" altLang="en-US" sz="2400" dirty="0">
-                <a:latin typeface="12롯데마트드림Medium" panose="02020603020101020101" pitchFamily="18" charset="-127"/>
-                <a:ea typeface="12롯데마트드림Medium" panose="02020603020101020101" pitchFamily="18" charset="-127"/>
-              </a:rPr>
-              <a:t>구현</a:t>
-            </a:r>
-            <a:endParaRPr lang="en-US" altLang="ko-KR" sz="2400" dirty="0">
-              <a:latin typeface="12롯데마트드림Medium" panose="02020603020101020101" pitchFamily="18" charset="-127"/>
-              <a:ea typeface="12롯데마트드림Medium" panose="02020603020101020101" pitchFamily="18" charset="-127"/>
-            </a:endParaRPr>
-          </a:p>
-          <a:p>
-            <a:pPr latinLnBrk="1">
-              <a:lnSpc>
-                <a:spcPct val="150000"/>
-              </a:lnSpc>
-            </a:pPr>
-            <a:r>
-              <a:rPr lang="en-US" altLang="ko-KR" sz="2400" dirty="0">
-                <a:latin typeface="12롯데마트드림Medium" panose="02020603020101020101" pitchFamily="18" charset="-127"/>
-                <a:ea typeface="12롯데마트드림Medium" panose="02020603020101020101" pitchFamily="18" charset="-127"/>
-              </a:rPr>
-              <a:t>	4) </a:t>
-            </a:r>
-            <a:r>
-              <a:rPr lang="ko-KR" altLang="en-US" sz="2400" dirty="0">
-                <a:latin typeface="12롯데마트드림Medium" panose="02020603020101020101" pitchFamily="18" charset="-127"/>
-                <a:ea typeface="12롯데마트드림Medium" panose="02020603020101020101" pitchFamily="18" charset="-127"/>
-              </a:rPr>
-              <a:t>테스트</a:t>
-            </a:r>
-            <a:endParaRPr lang="en-US" altLang="ko-KR" sz="2400" dirty="0">
-              <a:latin typeface="12롯데마트드림Medium" panose="02020603020101020101" pitchFamily="18" charset="-127"/>
-              <a:ea typeface="12롯데마트드림Medium" panose="02020603020101020101" pitchFamily="18" charset="-127"/>
-            </a:endParaRPr>
-          </a:p>
-          <a:p>
-            <a:pPr latinLnBrk="1">
-              <a:lnSpc>
-                <a:spcPct val="150000"/>
-              </a:lnSpc>
-            </a:pPr>
-            <a:r>
-              <a:rPr lang="en-US" altLang="ko-KR" sz="2400" dirty="0">
-                <a:latin typeface="12롯데마트드림Medium" panose="02020603020101020101" pitchFamily="18" charset="-127"/>
-                <a:ea typeface="12롯데마트드림Medium" panose="02020603020101020101" pitchFamily="18" charset="-127"/>
-              </a:rPr>
-              <a:t>3. </a:t>
-            </a:r>
-            <a:r>
-              <a:rPr lang="ko-KR" altLang="en-US" sz="2400" dirty="0">
-                <a:latin typeface="12롯데마트드림Medium" panose="02020603020101020101" pitchFamily="18" charset="-127"/>
-                <a:ea typeface="12롯데마트드림Medium" panose="02020603020101020101" pitchFamily="18" charset="-127"/>
-              </a:rPr>
-              <a:t>한계점 및 소감</a:t>
-            </a:r>
-            <a:endParaRPr lang="en-US" altLang="ko-KR" sz="2400" dirty="0">
-              <a:latin typeface="12롯데마트드림Medium" panose="02020603020101020101" pitchFamily="18" charset="-127"/>
-              <a:ea typeface="12롯데마트드림Medium" panose="02020603020101020101" pitchFamily="18" charset="-127"/>
-            </a:endParaRPr>
-          </a:p>
-        </p:txBody>
-      </p:sp>
-    </p:spTree>
-    <p:extLst>
-      <p:ext uri="{BB962C8B-B14F-4D97-AF65-F5344CB8AC3E}">
-        <p14:creationId xmlns:p14="http://schemas.microsoft.com/office/powerpoint/2010/main" val="4229367917"/>
       </p:ext>
     </p:extLst>
   </p:cSld>
@@ -7315,10 +9738,10 @@
       </p:grpSpPr>
       <p:sp>
         <p:nvSpPr>
-          <p:cNvPr id="9" name="사각형: 둥근 모서리 8">
-            <a:extLst>
-              <a:ext uri="{FF2B5EF4-FFF2-40B4-BE49-F238E27FC236}">
-                <a16:creationId xmlns:a16="http://schemas.microsoft.com/office/drawing/2014/main" id="{E75B3928-7752-47D3-BB2E-5229A09764BA}"/>
+          <p:cNvPr id="4" name="직사각형 3">
+            <a:extLst>
+              <a:ext uri="{FF2B5EF4-FFF2-40B4-BE49-F238E27FC236}">
+                <a16:creationId xmlns:a16="http://schemas.microsoft.com/office/drawing/2014/main" id="{37941B40-C605-45E2-B154-9ACC9D0DD8F9}"/>
               </a:ext>
             </a:extLst>
           </p:cNvPr>
@@ -7327,25 +9750,20 @@
         </p:nvSpPr>
         <p:spPr>
           <a:xfrm>
-            <a:off x="2527852" y="1237214"/>
-            <a:ext cx="7278757" cy="2814565"/>
-          </a:xfrm>
-          <a:prstGeom prst="roundRect">
-            <a:avLst>
-              <a:gd name="adj" fmla="val 9134"/>
-            </a:avLst>
+            <a:off x="3975652" y="1885121"/>
+            <a:ext cx="4240696" cy="3087757"/>
+          </a:xfrm>
+          <a:prstGeom prst="rect">
+            <a:avLst/>
           </a:prstGeom>
           <a:solidFill>
-            <a:schemeClr val="bg2">
-              <a:lumMod val="90000"/>
+            <a:schemeClr val="tx1">
+              <a:lumMod val="50000"/>
+              <a:lumOff val="50000"/>
             </a:schemeClr>
           </a:solidFill>
           <a:ln>
-            <a:solidFill>
-              <a:schemeClr val="bg2">
-                <a:lumMod val="90000"/>
-              </a:schemeClr>
-            </a:solidFill>
+            <a:noFill/>
           </a:ln>
         </p:spPr>
         <p:style>
@@ -7369,447 +9787,27 @@
           <a:lstStyle/>
           <a:p>
             <a:pPr algn="ctr"/>
-            <a:endParaRPr lang="ko-KR" altLang="en-US"/>
-          </a:p>
-        </p:txBody>
-      </p:sp>
-      <p:sp>
-        <p:nvSpPr>
-          <p:cNvPr id="3" name="TextBox 2">
-            <a:extLst>
-              <a:ext uri="{FF2B5EF4-FFF2-40B4-BE49-F238E27FC236}">
-                <a16:creationId xmlns:a16="http://schemas.microsoft.com/office/drawing/2014/main" id="{6B6D844F-D95F-4B1B-BF64-81AD8A1553E4}"/>
-              </a:ext>
-            </a:extLst>
-          </p:cNvPr>
-          <p:cNvSpPr txBox="1"/>
-          <p:nvPr/>
-        </p:nvSpPr>
-        <p:spPr>
-          <a:xfrm>
-            <a:off x="596348" y="315929"/>
-            <a:ext cx="6096000" cy="560282"/>
-          </a:xfrm>
-          <a:prstGeom prst="rect">
-            <a:avLst/>
-          </a:prstGeom>
-          <a:noFill/>
-        </p:spPr>
-        <p:txBody>
-          <a:bodyPr wrap="square">
-            <a:spAutoFit/>
-          </a:bodyPr>
-          <a:lstStyle/>
-          <a:p>
-            <a:pPr latinLnBrk="1">
-              <a:lnSpc>
-                <a:spcPct val="150000"/>
-              </a:lnSpc>
-            </a:pPr>
-            <a:r>
-              <a:rPr lang="ko-KR" altLang="en-US" sz="2400" dirty="0">
-                <a:latin typeface="12롯데마트드림Medium" panose="02020603020101020101" pitchFamily="18" charset="-127"/>
-                <a:ea typeface="12롯데마트드림Medium" panose="02020603020101020101" pitchFamily="18" charset="-127"/>
-              </a:rPr>
-              <a:t>프로젝트 기획 배경 및 주제</a:t>
-            </a:r>
-            <a:endParaRPr lang="en-US" altLang="ko-KR" sz="2400" dirty="0">
-              <a:latin typeface="12롯데마트드림Medium" panose="02020603020101020101" pitchFamily="18" charset="-127"/>
-              <a:ea typeface="12롯데마트드림Medium" panose="02020603020101020101" pitchFamily="18" charset="-127"/>
-            </a:endParaRPr>
-          </a:p>
-        </p:txBody>
-      </p:sp>
-      <p:sp>
-        <p:nvSpPr>
-          <p:cNvPr id="7" name="TextBox 6">
-            <a:extLst>
-              <a:ext uri="{FF2B5EF4-FFF2-40B4-BE49-F238E27FC236}">
-                <a16:creationId xmlns:a16="http://schemas.microsoft.com/office/drawing/2014/main" id="{D5E7E9DC-C316-4888-8385-BA9DC29E5788}"/>
-              </a:ext>
-            </a:extLst>
-          </p:cNvPr>
-          <p:cNvSpPr txBox="1"/>
-          <p:nvPr/>
-        </p:nvSpPr>
-        <p:spPr>
-          <a:xfrm>
-            <a:off x="2527852" y="1471531"/>
-            <a:ext cx="6765235" cy="2222275"/>
-          </a:xfrm>
-          <a:prstGeom prst="rect">
-            <a:avLst/>
-          </a:prstGeom>
-          <a:noFill/>
-        </p:spPr>
-        <p:txBody>
-          <a:bodyPr wrap="square">
-            <a:spAutoFit/>
-          </a:bodyPr>
-          <a:lstStyle/>
-          <a:p>
-            <a:pPr algn="ctr" latinLnBrk="1">
-              <a:lnSpc>
-                <a:spcPct val="150000"/>
-              </a:lnSpc>
-            </a:pPr>
-            <a:r>
-              <a:rPr lang="ko-KR" altLang="en-US" sz="2400" b="1" dirty="0">
-                <a:solidFill>
-                  <a:schemeClr val="bg1"/>
-                </a:solidFill>
-                <a:latin typeface="12롯데마트드림Medium" panose="02020603020101020101" pitchFamily="18" charset="-127"/>
-                <a:ea typeface="12롯데마트드림Medium" panose="02020603020101020101" pitchFamily="18" charset="-127"/>
-              </a:rPr>
-              <a:t>팀원들 공통 관심사</a:t>
-            </a:r>
-            <a:endParaRPr lang="en-US" altLang="ko-KR" sz="2400" b="1" dirty="0">
-              <a:solidFill>
-                <a:schemeClr val="bg1"/>
-              </a:solidFill>
-              <a:latin typeface="12롯데마트드림Medium" panose="02020603020101020101" pitchFamily="18" charset="-127"/>
-              <a:ea typeface="12롯데마트드림Medium" panose="02020603020101020101" pitchFamily="18" charset="-127"/>
-            </a:endParaRPr>
-          </a:p>
-          <a:p>
-            <a:pPr algn="ctr" latinLnBrk="1">
-              <a:lnSpc>
-                <a:spcPct val="150000"/>
-              </a:lnSpc>
-            </a:pPr>
-            <a:r>
-              <a:rPr lang="en-US" altLang="ko-KR" sz="2400" b="1" dirty="0">
-                <a:solidFill>
-                  <a:schemeClr val="bg1"/>
-                </a:solidFill>
-                <a:latin typeface="12롯데마트드림Medium" panose="02020603020101020101" pitchFamily="18" charset="-127"/>
-                <a:ea typeface="12롯데마트드림Medium" panose="02020603020101020101" pitchFamily="18" charset="-127"/>
-              </a:rPr>
-              <a:t> - </a:t>
-            </a:r>
-            <a:r>
-              <a:rPr lang="ko-KR" altLang="en-US" sz="2400" b="1" dirty="0">
-                <a:solidFill>
-                  <a:schemeClr val="bg1"/>
-                </a:solidFill>
-                <a:latin typeface="12롯데마트드림Medium" panose="02020603020101020101" pitchFamily="18" charset="-127"/>
-                <a:ea typeface="12롯데마트드림Medium" panose="02020603020101020101" pitchFamily="18" charset="-127"/>
-              </a:rPr>
-              <a:t>위치 정보 활용 </a:t>
-            </a:r>
-            <a:r>
-              <a:rPr lang="en-US" altLang="ko-KR" sz="2400" b="1" dirty="0">
-                <a:solidFill>
-                  <a:schemeClr val="bg1"/>
-                </a:solidFill>
-                <a:latin typeface="12롯데마트드림Medium" panose="02020603020101020101" pitchFamily="18" charset="-127"/>
-                <a:ea typeface="12롯데마트드림Medium" panose="02020603020101020101" pitchFamily="18" charset="-127"/>
-              </a:rPr>
-              <a:t>-&gt; </a:t>
-            </a:r>
-            <a:r>
-              <a:rPr lang="ko-KR" altLang="en-US" sz="2400" b="1" dirty="0">
-                <a:solidFill>
-                  <a:schemeClr val="bg1"/>
-                </a:solidFill>
-                <a:latin typeface="12롯데마트드림Medium" panose="02020603020101020101" pitchFamily="18" charset="-127"/>
-                <a:ea typeface="12롯데마트드림Medium" panose="02020603020101020101" pitchFamily="18" charset="-127"/>
-              </a:rPr>
-              <a:t>지도 구현</a:t>
-            </a:r>
-            <a:endParaRPr lang="en-US" altLang="ko-KR" sz="2400" b="1" dirty="0">
-              <a:solidFill>
-                <a:schemeClr val="bg1"/>
-              </a:solidFill>
-              <a:latin typeface="12롯데마트드림Medium" panose="02020603020101020101" pitchFamily="18" charset="-127"/>
-              <a:ea typeface="12롯데마트드림Medium" panose="02020603020101020101" pitchFamily="18" charset="-127"/>
-            </a:endParaRPr>
-          </a:p>
-          <a:p>
-            <a:pPr algn="ctr" latinLnBrk="1">
-              <a:lnSpc>
-                <a:spcPct val="150000"/>
-              </a:lnSpc>
-            </a:pPr>
-            <a:r>
-              <a:rPr lang="en-US" altLang="ko-KR" sz="2400" b="1" dirty="0">
-                <a:solidFill>
-                  <a:schemeClr val="bg1"/>
-                </a:solidFill>
-                <a:latin typeface="12롯데마트드림Medium" panose="02020603020101020101" pitchFamily="18" charset="-127"/>
-                <a:ea typeface="12롯데마트드림Medium" panose="02020603020101020101" pitchFamily="18" charset="-127"/>
-              </a:rPr>
-              <a:t> - </a:t>
-            </a:r>
-            <a:r>
-              <a:rPr lang="ko-KR" altLang="en-US" sz="2400" b="1" dirty="0">
-                <a:solidFill>
-                  <a:schemeClr val="bg1"/>
-                </a:solidFill>
-                <a:latin typeface="12롯데마트드림Medium" panose="02020603020101020101" pitchFamily="18" charset="-127"/>
-                <a:ea typeface="12롯데마트드림Medium" panose="02020603020101020101" pitchFamily="18" charset="-127"/>
-              </a:rPr>
-              <a:t>이용자가 많은 사이트의 포맷 구현</a:t>
-            </a:r>
-            <a:endParaRPr lang="en-US" altLang="ko-KR" sz="2400" b="1" dirty="0">
-              <a:solidFill>
-                <a:schemeClr val="bg1"/>
-              </a:solidFill>
-              <a:latin typeface="12롯데마트드림Medium" panose="02020603020101020101" pitchFamily="18" charset="-127"/>
-              <a:ea typeface="12롯데마트드림Medium" panose="02020603020101020101" pitchFamily="18" charset="-127"/>
-            </a:endParaRPr>
-          </a:p>
-          <a:p>
-            <a:pPr algn="ctr" latinLnBrk="1">
-              <a:lnSpc>
-                <a:spcPct val="150000"/>
-              </a:lnSpc>
-            </a:pPr>
-            <a:r>
-              <a:rPr lang="en-US" altLang="ko-KR" sz="2400" b="1" dirty="0">
-                <a:solidFill>
-                  <a:schemeClr val="bg1"/>
-                </a:solidFill>
-                <a:latin typeface="12롯데마트드림Medium" panose="02020603020101020101" pitchFamily="18" charset="-127"/>
-                <a:ea typeface="12롯데마트드림Medium" panose="02020603020101020101" pitchFamily="18" charset="-127"/>
-              </a:rPr>
-              <a:t>    (UI</a:t>
-            </a:r>
-            <a:r>
-              <a:rPr lang="ko-KR" altLang="en-US" sz="2400" b="1" dirty="0">
-                <a:solidFill>
-                  <a:schemeClr val="bg1"/>
-                </a:solidFill>
-                <a:latin typeface="12롯데마트드림Medium" panose="02020603020101020101" pitchFamily="18" charset="-127"/>
-                <a:ea typeface="12롯데마트드림Medium" panose="02020603020101020101" pitchFamily="18" charset="-127"/>
-              </a:rPr>
-              <a:t> 구성</a:t>
-            </a:r>
-            <a:r>
-              <a:rPr lang="en-US" altLang="ko-KR" sz="2400" b="1" dirty="0">
-                <a:solidFill>
-                  <a:schemeClr val="bg1"/>
-                </a:solidFill>
-                <a:latin typeface="12롯데마트드림Medium" panose="02020603020101020101" pitchFamily="18" charset="-127"/>
-                <a:ea typeface="12롯데마트드림Medium" panose="02020603020101020101" pitchFamily="18" charset="-127"/>
-              </a:rPr>
-              <a:t>, </a:t>
-            </a:r>
-            <a:r>
-              <a:rPr lang="ko-KR" altLang="en-US" sz="2400" b="1" dirty="0">
-                <a:solidFill>
-                  <a:schemeClr val="bg1"/>
-                </a:solidFill>
-                <a:latin typeface="12롯데마트드림Medium" panose="02020603020101020101" pitchFamily="18" charset="-127"/>
-                <a:ea typeface="12롯데마트드림Medium" panose="02020603020101020101" pitchFamily="18" charset="-127"/>
-              </a:rPr>
-              <a:t>스타일</a:t>
-            </a:r>
-            <a:r>
-              <a:rPr lang="en-US" altLang="ko-KR" sz="2400" b="1" dirty="0">
-                <a:solidFill>
-                  <a:schemeClr val="bg1"/>
-                </a:solidFill>
-                <a:latin typeface="12롯데마트드림Medium" panose="02020603020101020101" pitchFamily="18" charset="-127"/>
-                <a:ea typeface="12롯데마트드림Medium" panose="02020603020101020101" pitchFamily="18" charset="-127"/>
-              </a:rPr>
-              <a:t>, </a:t>
-            </a:r>
-            <a:r>
-              <a:rPr lang="ko-KR" altLang="en-US" sz="2400" b="1" dirty="0">
-                <a:solidFill>
-                  <a:schemeClr val="bg1"/>
-                </a:solidFill>
-                <a:latin typeface="12롯데마트드림Medium" panose="02020603020101020101" pitchFamily="18" charset="-127"/>
-                <a:ea typeface="12롯데마트드림Medium" panose="02020603020101020101" pitchFamily="18" charset="-127"/>
-              </a:rPr>
-              <a:t>데이터</a:t>
-            </a:r>
-            <a:r>
-              <a:rPr lang="en-US" altLang="ko-KR" sz="2400" b="1" dirty="0">
-                <a:solidFill>
-                  <a:schemeClr val="bg1"/>
-                </a:solidFill>
-                <a:latin typeface="12롯데마트드림Medium" panose="02020603020101020101" pitchFamily="18" charset="-127"/>
-                <a:ea typeface="12롯데마트드림Medium" panose="02020603020101020101" pitchFamily="18" charset="-127"/>
-              </a:rPr>
-              <a:t>, </a:t>
-            </a:r>
-            <a:r>
-              <a:rPr lang="ko-KR" altLang="en-US" sz="2400" b="1" dirty="0">
-                <a:solidFill>
-                  <a:schemeClr val="bg1"/>
-                </a:solidFill>
-                <a:latin typeface="12롯데마트드림Medium" panose="02020603020101020101" pitchFamily="18" charset="-127"/>
-                <a:ea typeface="12롯데마트드림Medium" panose="02020603020101020101" pitchFamily="18" charset="-127"/>
-              </a:rPr>
-              <a:t>기능 구성 등</a:t>
-            </a:r>
-            <a:r>
-              <a:rPr lang="en-US" altLang="ko-KR" sz="2400" b="1" dirty="0">
-                <a:solidFill>
-                  <a:schemeClr val="bg1"/>
-                </a:solidFill>
-                <a:latin typeface="12롯데마트드림Medium" panose="02020603020101020101" pitchFamily="18" charset="-127"/>
-                <a:ea typeface="12롯데마트드림Medium" panose="02020603020101020101" pitchFamily="18" charset="-127"/>
-              </a:rPr>
-              <a:t>)</a:t>
-            </a:r>
-          </a:p>
-        </p:txBody>
-      </p:sp>
-      <p:pic>
-        <p:nvPicPr>
-          <p:cNvPr id="1028" name="Picture 4" descr="Image result for airbnb 로고">
-            <a:extLst>
-              <a:ext uri="{FF2B5EF4-FFF2-40B4-BE49-F238E27FC236}">
-                <a16:creationId xmlns:a16="http://schemas.microsoft.com/office/drawing/2014/main" id="{E63DB67A-A148-4C0E-9286-A51BDA5F6F3F}"/>
-              </a:ext>
-            </a:extLst>
-          </p:cNvPr>
-          <p:cNvPicPr>
-            <a:picLocks noChangeAspect="1" noChangeArrowheads="1"/>
-          </p:cNvPicPr>
-          <p:nvPr/>
-        </p:nvPicPr>
-        <p:blipFill>
-          <a:blip r:embed="rId2">
-            <a:extLst>
-              <a:ext uri="{28A0092B-C50C-407E-A947-70E740481C1C}">
-                <a14:useLocalDpi xmlns:a14="http://schemas.microsoft.com/office/drawing/2010/main" val="0"/>
-              </a:ext>
-            </a:extLst>
-          </a:blip>
-          <a:srcRect/>
-          <a:stretch>
-            <a:fillRect/>
-          </a:stretch>
-        </p:blipFill>
-        <p:spPr bwMode="auto">
-          <a:xfrm>
-            <a:off x="4240695" y="4915614"/>
-            <a:ext cx="4214190" cy="1572090"/>
-          </a:xfrm>
-          <a:prstGeom prst="rect">
-            <a:avLst/>
-          </a:prstGeom>
-          <a:noFill/>
-          <a:extLst>
-            <a:ext uri="{909E8E84-426E-40DD-AFC4-6F175D3DCCD1}">
-              <a14:hiddenFill xmlns:a14="http://schemas.microsoft.com/office/drawing/2010/main">
-                <a:solidFill>
-                  <a:srgbClr val="FFFFFF"/>
-                </a:solidFill>
-              </a14:hiddenFill>
-            </a:ext>
-          </a:extLst>
-        </p:spPr>
-      </p:pic>
-      <p:sp>
-        <p:nvSpPr>
-          <p:cNvPr id="8" name="화살표: 아래쪽 7">
-            <a:extLst>
-              <a:ext uri="{FF2B5EF4-FFF2-40B4-BE49-F238E27FC236}">
-                <a16:creationId xmlns:a16="http://schemas.microsoft.com/office/drawing/2014/main" id="{A1900CEA-4D7C-4FD4-AA25-FA82106C48E1}"/>
-              </a:ext>
-            </a:extLst>
-          </p:cNvPr>
-          <p:cNvSpPr/>
-          <p:nvPr/>
-        </p:nvSpPr>
-        <p:spPr>
-          <a:xfrm>
-            <a:off x="5777946" y="4213503"/>
-            <a:ext cx="1139687" cy="560282"/>
-          </a:xfrm>
-          <a:prstGeom prst="downArrow">
-            <a:avLst/>
-          </a:prstGeom>
-          <a:solidFill>
-            <a:schemeClr val="bg1"/>
-          </a:solidFill>
-          <a:ln w="38100">
-            <a:solidFill>
-              <a:srgbClr val="FF5A60"/>
-            </a:solidFill>
-          </a:ln>
-        </p:spPr>
-        <p:style>
-          <a:lnRef idx="2">
-            <a:schemeClr val="accent1">
-              <a:shade val="50000"/>
-            </a:schemeClr>
-          </a:lnRef>
-          <a:fillRef idx="1">
-            <a:schemeClr val="accent1"/>
-          </a:fillRef>
-          <a:effectRef idx="0">
-            <a:schemeClr val="accent1"/>
-          </a:effectRef>
-          <a:fontRef idx="minor">
-            <a:schemeClr val="lt1"/>
-          </a:fontRef>
-        </p:style>
-        <p:txBody>
-          <a:bodyPr rtlCol="0" anchor="ctr"/>
-          <a:lstStyle/>
-          <a:p>
-            <a:pPr algn="ctr"/>
-            <a:endParaRPr lang="ko-KR" altLang="en-US"/>
-          </a:p>
-        </p:txBody>
-      </p:sp>
-      <p:pic>
-        <p:nvPicPr>
-          <p:cNvPr id="1030" name="Picture 6" descr="Image result for airbnb 로고">
-            <a:extLst>
-              <a:ext uri="{FF2B5EF4-FFF2-40B4-BE49-F238E27FC236}">
-                <a16:creationId xmlns:a16="http://schemas.microsoft.com/office/drawing/2014/main" id="{BA706EF7-B948-448B-8D27-D3C7CC05AE3B}"/>
-              </a:ext>
-            </a:extLst>
-          </p:cNvPr>
-          <p:cNvPicPr>
-            <a:picLocks noChangeAspect="1" noChangeArrowheads="1"/>
-          </p:cNvPicPr>
-          <p:nvPr/>
-        </p:nvPicPr>
-        <p:blipFill>
-          <a:blip r:embed="rId3">
-            <a:extLst>
-              <a:ext uri="{28A0092B-C50C-407E-A947-70E740481C1C}">
-                <a14:useLocalDpi xmlns:a14="http://schemas.microsoft.com/office/drawing/2010/main" val="0"/>
-              </a:ext>
-            </a:extLst>
-          </a:blip>
-          <a:srcRect/>
-          <a:stretch>
-            <a:fillRect/>
-          </a:stretch>
-        </p:blipFill>
-        <p:spPr bwMode="auto">
-          <a:xfrm>
-            <a:off x="11293836" y="192854"/>
-            <a:ext cx="603632" cy="683357"/>
-          </a:xfrm>
-          <a:prstGeom prst="rect">
-            <a:avLst/>
-          </a:prstGeom>
-          <a:noFill/>
-          <a:extLst>
-            <a:ext uri="{909E8E84-426E-40DD-AFC4-6F175D3DCCD1}">
-              <a14:hiddenFill xmlns:a14="http://schemas.microsoft.com/office/drawing/2010/main">
-                <a:solidFill>
-                  <a:srgbClr val="FFFFFF"/>
-                </a:solidFill>
-              </a14:hiddenFill>
-            </a:ext>
-          </a:extLst>
-        </p:spPr>
-      </p:pic>
+            <a:r>
+              <a:rPr lang="en-US" altLang="ko-KR" sz="3600" dirty="0">
+                <a:latin typeface="12롯데마트드림Bold" panose="02020603020101020101" pitchFamily="18" charset="-127"/>
+                <a:ea typeface="12롯데마트드림Bold" panose="02020603020101020101" pitchFamily="18" charset="-127"/>
+              </a:rPr>
+              <a:t> </a:t>
+            </a:r>
+            <a:r>
+              <a:rPr lang="ko-KR" altLang="en-US" sz="3600" dirty="0">
+                <a:latin typeface="12롯데마트드림Bold" panose="02020603020101020101" pitchFamily="18" charset="-127"/>
+                <a:ea typeface="12롯데마트드림Bold" panose="02020603020101020101" pitchFamily="18" charset="-127"/>
+              </a:rPr>
+              <a:t>프로젝트 설계</a:t>
+            </a:r>
+          </a:p>
+        </p:txBody>
+      </p:sp>
     </p:spTree>
     <p:extLst>
       <p:ext uri="{BB962C8B-B14F-4D97-AF65-F5344CB8AC3E}">
-        <p14:creationId xmlns:p14="http://schemas.microsoft.com/office/powerpoint/2010/main" val="3492613315"/>
+        <p14:creationId xmlns:p14="http://schemas.microsoft.com/office/powerpoint/2010/main" val="4101401998"/>
       </p:ext>
     </p:extLst>
   </p:cSld>
@@ -7838,299 +9836,68 @@
       </p:grpSpPr>
       <p:sp>
         <p:nvSpPr>
-          <p:cNvPr id="3" name="TextBox 2">
-            <a:extLst>
-              <a:ext uri="{FF2B5EF4-FFF2-40B4-BE49-F238E27FC236}">
-                <a16:creationId xmlns:a16="http://schemas.microsoft.com/office/drawing/2014/main" id="{6B6D844F-D95F-4B1B-BF64-81AD8A1553E4}"/>
-              </a:ext>
-            </a:extLst>
-          </p:cNvPr>
-          <p:cNvSpPr txBox="1"/>
+          <p:cNvPr id="4" name="직사각형 3">
+            <a:extLst>
+              <a:ext uri="{FF2B5EF4-FFF2-40B4-BE49-F238E27FC236}">
+                <a16:creationId xmlns:a16="http://schemas.microsoft.com/office/drawing/2014/main" id="{37941B40-C605-45E2-B154-9ACC9D0DD8F9}"/>
+              </a:ext>
+            </a:extLst>
+          </p:cNvPr>
+          <p:cNvSpPr/>
           <p:nvPr/>
         </p:nvSpPr>
         <p:spPr>
           <a:xfrm>
-            <a:off x="675861" y="454230"/>
-            <a:ext cx="6096000" cy="560282"/>
+            <a:off x="3975652" y="1885121"/>
+            <a:ext cx="4240696" cy="3087757"/>
           </a:xfrm>
           <a:prstGeom prst="rect">
             <a:avLst/>
           </a:prstGeom>
-          <a:noFill/>
-        </p:spPr>
-        <p:txBody>
-          <a:bodyPr wrap="square">
-            <a:spAutoFit/>
-          </a:bodyPr>
-          <a:lstStyle/>
-          <a:p>
-            <a:pPr latinLnBrk="1">
-              <a:lnSpc>
-                <a:spcPct val="150000"/>
-              </a:lnSpc>
-            </a:pPr>
-            <a:r>
-              <a:rPr lang="ko-KR" altLang="en-US" sz="2400" dirty="0">
-                <a:latin typeface="12롯데마트드림Medium" panose="02020603020101020101" pitchFamily="18" charset="-127"/>
-                <a:ea typeface="12롯데마트드림Medium" panose="02020603020101020101" pitchFamily="18" charset="-127"/>
-              </a:rPr>
-              <a:t>프로젝트 기획 주제 </a:t>
-            </a:r>
-            <a:r>
-              <a:rPr lang="en-US" altLang="ko-KR" sz="2400" dirty="0">
-                <a:latin typeface="12롯데마트드림Medium" panose="02020603020101020101" pitchFamily="18" charset="-127"/>
-                <a:ea typeface="12롯데마트드림Medium" panose="02020603020101020101" pitchFamily="18" charset="-127"/>
-              </a:rPr>
-              <a:t>– </a:t>
-            </a:r>
-            <a:r>
-              <a:rPr lang="ko-KR" altLang="en-US" sz="2400" dirty="0">
-                <a:latin typeface="12롯데마트드림Medium" panose="02020603020101020101" pitchFamily="18" charset="-127"/>
-                <a:ea typeface="12롯데마트드림Medium" panose="02020603020101020101" pitchFamily="18" charset="-127"/>
-              </a:rPr>
-              <a:t>빼도 </a:t>
-            </a:r>
-            <a:r>
-              <a:rPr lang="ko-KR" altLang="en-US" sz="2400" dirty="0" err="1">
-                <a:latin typeface="12롯데마트드림Medium" panose="02020603020101020101" pitchFamily="18" charset="-127"/>
-                <a:ea typeface="12롯데마트드림Medium" panose="02020603020101020101" pitchFamily="18" charset="-127"/>
-              </a:rPr>
-              <a:t>될듯</a:t>
-            </a:r>
-            <a:endParaRPr lang="en-US" altLang="ko-KR" sz="2400" dirty="0">
-              <a:latin typeface="12롯데마트드림Medium" panose="02020603020101020101" pitchFamily="18" charset="-127"/>
-              <a:ea typeface="12롯데마트드림Medium" panose="02020603020101020101" pitchFamily="18" charset="-127"/>
-            </a:endParaRPr>
-          </a:p>
-        </p:txBody>
-      </p:sp>
-      <p:pic>
-        <p:nvPicPr>
-          <p:cNvPr id="5" name="Picture 4" descr="Image result for airbnb 로고">
-            <a:extLst>
-              <a:ext uri="{FF2B5EF4-FFF2-40B4-BE49-F238E27FC236}">
-                <a16:creationId xmlns:a16="http://schemas.microsoft.com/office/drawing/2014/main" id="{29CA9553-A49B-44CB-943B-401098F59846}"/>
-              </a:ext>
-            </a:extLst>
-          </p:cNvPr>
-          <p:cNvPicPr>
-            <a:picLocks noChangeAspect="1" noChangeArrowheads="1"/>
-          </p:cNvPicPr>
-          <p:nvPr/>
-        </p:nvPicPr>
-        <p:blipFill>
-          <a:blip r:embed="rId2">
-            <a:extLst>
-              <a:ext uri="{28A0092B-C50C-407E-A947-70E740481C1C}">
-                <a14:useLocalDpi xmlns:a14="http://schemas.microsoft.com/office/drawing/2010/main" val="0"/>
-              </a:ext>
-            </a:extLst>
-          </a:blip>
-          <a:srcRect/>
-          <a:stretch>
-            <a:fillRect/>
-          </a:stretch>
-        </p:blipFill>
-        <p:spPr bwMode="auto">
-          <a:xfrm>
-            <a:off x="4348039" y="1729630"/>
-            <a:ext cx="3495921" cy="1304142"/>
-          </a:xfrm>
-          <a:prstGeom prst="rect">
-            <a:avLst/>
-          </a:prstGeom>
-          <a:noFill/>
-          <a:extLst>
-            <a:ext uri="{909E8E84-426E-40DD-AFC4-6F175D3DCCD1}">
-              <a14:hiddenFill xmlns:a14="http://schemas.microsoft.com/office/drawing/2010/main">
-                <a:solidFill>
-                  <a:srgbClr val="FFFFFF"/>
-                </a:solidFill>
-              </a14:hiddenFill>
-            </a:ext>
-          </a:extLst>
-        </p:spPr>
-      </p:pic>
-      <p:sp>
-        <p:nvSpPr>
-          <p:cNvPr id="6" name="TextBox 5">
-            <a:extLst>
-              <a:ext uri="{FF2B5EF4-FFF2-40B4-BE49-F238E27FC236}">
-                <a16:creationId xmlns:a16="http://schemas.microsoft.com/office/drawing/2014/main" id="{F1C40833-8410-42C8-A3D9-03DC2C765FE0}"/>
-              </a:ext>
-            </a:extLst>
-          </p:cNvPr>
-          <p:cNvSpPr txBox="1"/>
-          <p:nvPr/>
-        </p:nvSpPr>
-        <p:spPr>
-          <a:xfrm>
-            <a:off x="1895061" y="3553743"/>
-            <a:ext cx="7023652" cy="1477328"/>
-          </a:xfrm>
-          <a:prstGeom prst="rect">
-            <a:avLst/>
-          </a:prstGeom>
-          <a:noFill/>
-        </p:spPr>
-        <p:txBody>
-          <a:bodyPr wrap="square">
-            <a:spAutoFit/>
-          </a:bodyPr>
-          <a:lstStyle/>
-          <a:p>
-            <a:r>
-              <a:rPr lang="en-US" altLang="ko-KR" b="0" i="0" dirty="0">
-                <a:solidFill>
-                  <a:srgbClr val="373A3C"/>
-                </a:solidFill>
-                <a:effectLst/>
-                <a:latin typeface="Open Sans"/>
-              </a:rPr>
-              <a:t>2008</a:t>
-            </a:r>
-            <a:r>
-              <a:rPr lang="ko-KR" altLang="en-US" b="0" i="0" dirty="0">
-                <a:solidFill>
-                  <a:srgbClr val="373A3C"/>
-                </a:solidFill>
-                <a:effectLst/>
-                <a:latin typeface="Open Sans"/>
-              </a:rPr>
-              <a:t>년 </a:t>
-            </a:r>
-            <a:r>
-              <a:rPr lang="en-US" altLang="ko-KR" b="0" i="0" dirty="0">
-                <a:solidFill>
-                  <a:srgbClr val="373A3C"/>
-                </a:solidFill>
-                <a:effectLst/>
-                <a:latin typeface="Open Sans"/>
-              </a:rPr>
-              <a:t>8</a:t>
-            </a:r>
-            <a:r>
-              <a:rPr lang="ko-KR" altLang="en-US" b="0" i="0" dirty="0">
-                <a:solidFill>
-                  <a:srgbClr val="373A3C"/>
-                </a:solidFill>
-                <a:effectLst/>
-                <a:latin typeface="Open Sans"/>
-              </a:rPr>
-              <a:t>월</a:t>
-            </a:r>
-            <a:r>
-              <a:rPr lang="en-US" altLang="ko-KR" b="0" i="0" dirty="0">
-                <a:solidFill>
-                  <a:srgbClr val="373A3C"/>
-                </a:solidFill>
-                <a:effectLst/>
-                <a:latin typeface="Open Sans"/>
-              </a:rPr>
-              <a:t>, </a:t>
-            </a:r>
-            <a:r>
-              <a:rPr lang="ko-KR" altLang="en-US" b="0" i="0" u="none" strike="noStrike" dirty="0">
-                <a:solidFill>
-                  <a:srgbClr val="0275D8"/>
-                </a:solidFill>
-                <a:effectLst/>
-                <a:latin typeface="Open Sans"/>
-                <a:hlinkClick r:id="rId3" tooltip="미국"/>
-              </a:rPr>
-              <a:t>미국</a:t>
-            </a:r>
-            <a:r>
-              <a:rPr lang="ko-KR" altLang="en-US" b="0" i="0" dirty="0">
-                <a:solidFill>
-                  <a:srgbClr val="373A3C"/>
-                </a:solidFill>
-                <a:effectLst/>
-                <a:latin typeface="Open Sans"/>
-              </a:rPr>
-              <a:t> </a:t>
-            </a:r>
-            <a:r>
-              <a:rPr lang="ko-KR" altLang="en-US" b="0" i="0" u="none" strike="noStrike" dirty="0">
-                <a:solidFill>
-                  <a:srgbClr val="0275D8"/>
-                </a:solidFill>
-                <a:effectLst/>
-                <a:latin typeface="Open Sans"/>
-                <a:hlinkClick r:id="rId4" tooltip="샌프란시스코"/>
-              </a:rPr>
-              <a:t>샌프란시스코</a:t>
-            </a:r>
-            <a:r>
-              <a:rPr lang="ko-KR" altLang="en-US" b="0" i="0" dirty="0">
-                <a:solidFill>
-                  <a:srgbClr val="373A3C"/>
-                </a:solidFill>
-                <a:effectLst/>
-                <a:latin typeface="Open Sans"/>
-              </a:rPr>
-              <a:t>에서 시작된 </a:t>
-            </a:r>
-            <a:r>
-              <a:rPr lang="ko-KR" altLang="en-US" b="1" i="0" dirty="0">
-                <a:solidFill>
-                  <a:srgbClr val="373A3C"/>
-                </a:solidFill>
-                <a:effectLst/>
-                <a:latin typeface="Open Sans"/>
-              </a:rPr>
-              <a:t>숙박 공유 서비스</a:t>
-            </a:r>
-            <a:r>
-              <a:rPr lang="en-US" altLang="ko-KR" b="1" i="0" dirty="0">
-                <a:solidFill>
-                  <a:srgbClr val="373A3C"/>
-                </a:solidFill>
-                <a:effectLst/>
-                <a:latin typeface="Open Sans"/>
-              </a:rPr>
-              <a:t>.</a:t>
-            </a:r>
-          </a:p>
-          <a:p>
-            <a:r>
-              <a:rPr lang="ko-KR" altLang="en-US" dirty="0"/>
-              <a:t>전세계의 이용자를 보유</a:t>
-            </a:r>
-            <a:r>
-              <a:rPr lang="en-US" altLang="ko-KR" dirty="0"/>
+          <a:solidFill>
+            <a:schemeClr val="tx1">
+              <a:lumMod val="50000"/>
+              <a:lumOff val="50000"/>
+            </a:schemeClr>
+          </a:solidFill>
+          <a:ln>
+            <a:noFill/>
+          </a:ln>
+        </p:spPr>
+        <p:style>
+          <a:lnRef idx="2">
+            <a:schemeClr val="accent1">
+              <a:shade val="50000"/>
+            </a:schemeClr>
+          </a:lnRef>
+          <a:fillRef idx="1">
+            <a:schemeClr val="accent1"/>
+          </a:fillRef>
+          <a:effectRef idx="0">
+            <a:schemeClr val="accent1"/>
+          </a:effectRef>
+          <a:fontRef idx="minor">
+            <a:schemeClr val="lt1"/>
+          </a:fontRef>
+        </p:style>
+        <p:txBody>
+          <a:bodyPr rtlCol="0" anchor="ctr"/>
+          <a:lstStyle/>
+          <a:p>
+            <a:pPr algn="ctr"/>
+            <a:r>
+              <a:rPr lang="en-US" altLang="ko-KR" sz="3600" dirty="0">
+                <a:latin typeface="12롯데마트드림Bold" panose="02020603020101020101" pitchFamily="18" charset="-127"/>
+                <a:ea typeface="12롯데마트드림Bold" panose="02020603020101020101" pitchFamily="18" charset="-127"/>
+              </a:rPr>
               <a:t> </a:t>
             </a:r>
             <a:r>
-              <a:rPr lang="ko-KR" altLang="en-US" dirty="0"/>
-              <a:t>중</a:t>
-            </a:r>
-            <a:r>
-              <a:rPr lang="en-US" altLang="ko-KR" dirty="0"/>
-              <a:t>.</a:t>
-            </a:r>
-          </a:p>
-          <a:p>
-            <a:r>
-              <a:rPr lang="ko-KR" altLang="en-US" dirty="0"/>
-              <a:t>배낭여행객들 사이에서 인기</a:t>
-            </a:r>
-            <a:endParaRPr lang="en-US" altLang="ko-KR" dirty="0"/>
-          </a:p>
-          <a:p>
-            <a:r>
-              <a:rPr lang="ko-KR" altLang="en-US" dirty="0"/>
-              <a:t>기본 취지는 호스트가 방을 빌려주고 함께 생활하는 것이었지만</a:t>
-            </a:r>
-            <a:r>
-              <a:rPr lang="en-US" altLang="ko-KR" dirty="0"/>
-              <a:t>,</a:t>
-            </a:r>
-          </a:p>
-          <a:p>
-            <a:r>
-              <a:rPr lang="ko-KR" altLang="en-US" dirty="0"/>
-              <a:t>집 전체를 빌려주는 방향으로 변화됨</a:t>
+              <a:rPr lang="ko-KR" altLang="en-US" sz="3600" dirty="0">
+                <a:latin typeface="12롯데마트드림Bold" panose="02020603020101020101" pitchFamily="18" charset="-127"/>
+                <a:ea typeface="12롯데마트드림Bold" panose="02020603020101020101" pitchFamily="18" charset="-127"/>
+              </a:rPr>
+              <a:t>프로젝트 구현</a:t>
             </a:r>
           </a:p>
         </p:txBody>
@@ -8138,7 +9905,7 @@
     </p:spTree>
     <p:extLst>
       <p:ext uri="{BB962C8B-B14F-4D97-AF65-F5344CB8AC3E}">
-        <p14:creationId xmlns:p14="http://schemas.microsoft.com/office/powerpoint/2010/main" val="2235403909"/>
+        <p14:creationId xmlns:p14="http://schemas.microsoft.com/office/powerpoint/2010/main" val="3684765820"/>
       </p:ext>
     </p:extLst>
   </p:cSld>
@@ -8167,10 +9934,70 @@
       </p:grpSpPr>
       <p:sp>
         <p:nvSpPr>
+          <p:cNvPr id="9" name="사각형: 둥근 모서리 8">
+            <a:extLst>
+              <a:ext uri="{FF2B5EF4-FFF2-40B4-BE49-F238E27FC236}">
+                <a16:creationId xmlns:a16="http://schemas.microsoft.com/office/drawing/2014/main" id="{E75B3928-7752-47D3-BB2E-5229A09764BA}"/>
+              </a:ext>
+            </a:extLst>
+          </p:cNvPr>
+          <p:cNvSpPr/>
+          <p:nvPr/>
+        </p:nvSpPr>
+        <p:spPr>
+          <a:xfrm>
+            <a:off x="2527852" y="1237214"/>
+            <a:ext cx="7278757" cy="2814565"/>
+          </a:xfrm>
+          <a:prstGeom prst="roundRect">
+            <a:avLst>
+              <a:gd name="adj" fmla="val 9134"/>
+            </a:avLst>
+          </a:prstGeom>
+          <a:solidFill>
+            <a:schemeClr val="bg2">
+              <a:lumMod val="90000"/>
+            </a:schemeClr>
+          </a:solidFill>
+          <a:ln>
+            <a:solidFill>
+              <a:schemeClr val="bg2">
+                <a:lumMod val="90000"/>
+              </a:schemeClr>
+            </a:solidFill>
+          </a:ln>
+        </p:spPr>
+        <p:style>
+          <a:lnRef idx="2">
+            <a:schemeClr val="accent1">
+              <a:shade val="50000"/>
+            </a:schemeClr>
+          </a:lnRef>
+          <a:fillRef idx="1">
+            <a:schemeClr val="accent1"/>
+          </a:fillRef>
+          <a:effectRef idx="0">
+            <a:schemeClr val="accent1"/>
+          </a:effectRef>
+          <a:fontRef idx="minor">
+            <a:schemeClr val="lt1"/>
+          </a:fontRef>
+        </p:style>
+        <p:txBody>
+          <a:bodyPr rtlCol="0" anchor="ctr"/>
+          <a:lstStyle/>
+          <a:p>
+            <a:pPr algn="ctr"/>
+            <a:endParaRPr lang="ko-KR" altLang="en-US"/>
+          </a:p>
+        </p:txBody>
+      </p:sp>
+      <p:sp>
+        <p:nvSpPr>
           <p:cNvPr id="3" name="TextBox 2">
             <a:extLst>
               <a:ext uri="{FF2B5EF4-FFF2-40B4-BE49-F238E27FC236}">
-                <a16:creationId xmlns:a16="http://schemas.microsoft.com/office/drawing/2014/main" id="{26BC2A35-815B-4A14-9E82-72A367EDFCB7}"/>
+                <a16:creationId xmlns:a16="http://schemas.microsoft.com/office/drawing/2014/main" id="{6B6D844F-D95F-4B1B-BF64-81AD8A1553E4}"/>
               </a:ext>
             </a:extLst>
           </p:cNvPr>
@@ -8179,7 +10006,7 @@
         </p:nvSpPr>
         <p:spPr>
           <a:xfrm>
-            <a:off x="728869" y="546995"/>
+            <a:off x="596348" y="315929"/>
             <a:ext cx="6096000" cy="560282"/>
           </a:xfrm>
           <a:prstGeom prst="rect">
@@ -8203,7 +10030,7 @@
                 <a:latin typeface="12롯데마트드림Medium" panose="02020603020101020101" pitchFamily="18" charset="-127"/>
                 <a:ea typeface="12롯데마트드림Medium" panose="02020603020101020101" pitchFamily="18" charset="-127"/>
               </a:rPr>
-              <a:t>기대효과</a:t>
+              <a:t>프로젝트 기획 배경 및 주제</a:t>
             </a:r>
             <a:endParaRPr lang="en-US" altLang="ko-KR" sz="2400" dirty="0">
               <a:latin typeface="12롯데마트드림Medium" panose="02020603020101020101" pitchFamily="18" charset="-127"/>
@@ -8214,10 +10041,10 @@
       </p:sp>
       <p:sp>
         <p:nvSpPr>
-          <p:cNvPr id="4" name="TextBox 3">
-            <a:extLst>
-              <a:ext uri="{FF2B5EF4-FFF2-40B4-BE49-F238E27FC236}">
-                <a16:creationId xmlns:a16="http://schemas.microsoft.com/office/drawing/2014/main" id="{374EC594-35B2-4269-8A97-385C0EAC0B21}"/>
+          <p:cNvPr id="7" name="TextBox 6">
+            <a:extLst>
+              <a:ext uri="{FF2B5EF4-FFF2-40B4-BE49-F238E27FC236}">
+                <a16:creationId xmlns:a16="http://schemas.microsoft.com/office/drawing/2014/main" id="{D5E7E9DC-C316-4888-8385-BA9DC29E5788}"/>
               </a:ext>
             </a:extLst>
           </p:cNvPr>
@@ -8226,8 +10053,8 @@
         </p:nvSpPr>
         <p:spPr>
           <a:xfrm>
-            <a:off x="937591" y="1564296"/>
-            <a:ext cx="10923105" cy="2222275"/>
+            <a:off x="2527852" y="1471531"/>
+            <a:ext cx="6765235" cy="2222275"/>
           </a:xfrm>
           <a:prstGeom prst="rect">
             <a:avLst/>
@@ -8240,89 +10067,368 @@
           </a:bodyPr>
           <a:lstStyle/>
           <a:p>
-            <a:pPr latinLnBrk="1">
+            <a:pPr algn="ctr" latinLnBrk="1">
               <a:lnSpc>
                 <a:spcPct val="150000"/>
               </a:lnSpc>
             </a:pPr>
             <a:r>
-              <a:rPr lang="ko-KR" altLang="en-US" sz="2400" dirty="0">
+              <a:rPr lang="ko-KR" altLang="en-US" sz="2400" b="1" dirty="0">
+                <a:solidFill>
+                  <a:schemeClr val="bg1"/>
+                </a:solidFill>
                 <a:latin typeface="12롯데마트드림Medium" panose="02020603020101020101" pitchFamily="18" charset="-127"/>
                 <a:ea typeface="12롯데마트드림Medium" panose="02020603020101020101" pitchFamily="18" charset="-127"/>
               </a:rPr>
-              <a:t>전세계 이용자들을 대상으로 운영되는 인기 사이트인만큼</a:t>
-            </a:r>
-            <a:r>
-              <a:rPr lang="en-US" altLang="ko-KR" sz="2400" dirty="0">
-                <a:latin typeface="12롯데마트드림Medium" panose="02020603020101020101" pitchFamily="18" charset="-127"/>
-                <a:ea typeface="12롯데마트드림Medium" panose="02020603020101020101" pitchFamily="18" charset="-127"/>
-              </a:rPr>
-              <a:t>, </a:t>
-            </a:r>
-            <a:r>
-              <a:rPr lang="ko-KR" altLang="en-US" sz="2400" dirty="0">
-                <a:latin typeface="12롯데마트드림Medium" panose="02020603020101020101" pitchFamily="18" charset="-127"/>
-                <a:ea typeface="12롯데마트드림Medium" panose="02020603020101020101" pitchFamily="18" charset="-127"/>
-              </a:rPr>
-              <a:t>웹 페이지의 많은 기능을 포함하고 있으므로 클론 사이트 개발 프로젝트를 통해 다양한 기능을 배우고 구현해 볼 수 있음</a:t>
-            </a:r>
-            <a:endParaRPr lang="en-US" altLang="ko-KR" sz="2400" dirty="0">
+              <a:t>팀원들 공통 관심사</a:t>
+            </a:r>
+            <a:endParaRPr lang="en-US" altLang="ko-KR" sz="2400" b="1" dirty="0">
+              <a:solidFill>
+                <a:schemeClr val="bg1"/>
+              </a:solidFill>
               <a:latin typeface="12롯데마트드림Medium" panose="02020603020101020101" pitchFamily="18" charset="-127"/>
               <a:ea typeface="12롯데마트드림Medium" panose="02020603020101020101" pitchFamily="18" charset="-127"/>
             </a:endParaRPr>
           </a:p>
           <a:p>
-            <a:pPr latinLnBrk="1">
+            <a:pPr algn="ctr" latinLnBrk="1">
               <a:lnSpc>
                 <a:spcPct val="150000"/>
               </a:lnSpc>
             </a:pPr>
             <a:r>
-              <a:rPr lang="en-US" altLang="ko-KR" sz="2400" dirty="0">
+              <a:rPr lang="en-US" altLang="ko-KR" sz="2400" b="1" dirty="0">
+                <a:solidFill>
+                  <a:schemeClr val="bg1"/>
+                </a:solidFill>
                 <a:latin typeface="12롯데마트드림Medium" panose="02020603020101020101" pitchFamily="18" charset="-127"/>
                 <a:ea typeface="12롯데마트드림Medium" panose="02020603020101020101" pitchFamily="18" charset="-127"/>
               </a:rPr>
-              <a:t> - google API, </a:t>
-            </a:r>
-            <a:r>
-              <a:rPr lang="ko-KR" altLang="en-US" sz="2400" dirty="0">
+              <a:t> - </a:t>
+            </a:r>
+            <a:r>
+              <a:rPr lang="ko-KR" altLang="en-US" sz="2400" b="1" dirty="0">
+                <a:solidFill>
+                  <a:schemeClr val="bg1"/>
+                </a:solidFill>
                 <a:latin typeface="12롯데마트드림Medium" panose="02020603020101020101" pitchFamily="18" charset="-127"/>
                 <a:ea typeface="12롯데마트드림Medium" panose="02020603020101020101" pitchFamily="18" charset="-127"/>
               </a:rPr>
-              <a:t>데이터 </a:t>
-            </a:r>
-            <a:r>
-              <a:rPr lang="ko-KR" altLang="en-US" sz="2400" dirty="0" err="1">
+              <a:t>위치 정보 활용 </a:t>
+            </a:r>
+            <a:r>
+              <a:rPr lang="en-US" altLang="ko-KR" sz="2400" b="1" dirty="0">
+                <a:solidFill>
+                  <a:schemeClr val="bg1"/>
+                </a:solidFill>
                 <a:latin typeface="12롯데마트드림Medium" panose="02020603020101020101" pitchFamily="18" charset="-127"/>
                 <a:ea typeface="12롯데마트드림Medium" panose="02020603020101020101" pitchFamily="18" charset="-127"/>
               </a:rPr>
-              <a:t>스크래핑</a:t>
-            </a:r>
-            <a:r>
-              <a:rPr lang="en-US" altLang="ko-KR" sz="2400" dirty="0">
+              <a:t>-&gt; </a:t>
+            </a:r>
+            <a:r>
+              <a:rPr lang="ko-KR" altLang="en-US" sz="2400" b="1" dirty="0">
+                <a:solidFill>
+                  <a:schemeClr val="bg1"/>
+                </a:solidFill>
                 <a:latin typeface="12롯데마트드림Medium" panose="02020603020101020101" pitchFamily="18" charset="-127"/>
                 <a:ea typeface="12롯데마트드림Medium" panose="02020603020101020101" pitchFamily="18" charset="-127"/>
               </a:rPr>
-              <a:t>, </a:t>
-            </a:r>
-            <a:r>
-              <a:rPr lang="ko-KR" altLang="en-US" sz="2400" dirty="0">
-                <a:latin typeface="12롯데마트드림Medium" panose="02020603020101020101" pitchFamily="18" charset="-127"/>
-                <a:ea typeface="12롯데마트드림Medium" panose="02020603020101020101" pitchFamily="18" charset="-127"/>
-              </a:rPr>
-              <a:t>세부 검색 필터 기능</a:t>
-            </a:r>
-            <a:endParaRPr lang="en-US" altLang="ko-KR" sz="2400" dirty="0">
+              <a:t>지도 구현</a:t>
+            </a:r>
+            <a:endParaRPr lang="en-US" altLang="ko-KR" sz="2400" b="1" dirty="0">
+              <a:solidFill>
+                <a:schemeClr val="bg1"/>
+              </a:solidFill>
               <a:latin typeface="12롯데마트드림Medium" panose="02020603020101020101" pitchFamily="18" charset="-127"/>
               <a:ea typeface="12롯데마트드림Medium" panose="02020603020101020101" pitchFamily="18" charset="-127"/>
             </a:endParaRPr>
           </a:p>
-        </p:txBody>
-      </p:sp>
+          <a:p>
+            <a:pPr algn="ctr" latinLnBrk="1">
+              <a:lnSpc>
+                <a:spcPct val="150000"/>
+              </a:lnSpc>
+            </a:pPr>
+            <a:r>
+              <a:rPr lang="en-US" altLang="ko-KR" sz="2400" b="1" dirty="0">
+                <a:solidFill>
+                  <a:schemeClr val="bg1"/>
+                </a:solidFill>
+                <a:latin typeface="12롯데마트드림Medium" panose="02020603020101020101" pitchFamily="18" charset="-127"/>
+                <a:ea typeface="12롯데마트드림Medium" panose="02020603020101020101" pitchFamily="18" charset="-127"/>
+              </a:rPr>
+              <a:t> - </a:t>
+            </a:r>
+            <a:r>
+              <a:rPr lang="ko-KR" altLang="en-US" sz="2400" b="1" dirty="0">
+                <a:solidFill>
+                  <a:schemeClr val="bg1"/>
+                </a:solidFill>
+                <a:latin typeface="12롯데마트드림Medium" panose="02020603020101020101" pitchFamily="18" charset="-127"/>
+                <a:ea typeface="12롯데마트드림Medium" panose="02020603020101020101" pitchFamily="18" charset="-127"/>
+              </a:rPr>
+              <a:t>이용자가 많은 사이트의 포맷 구현</a:t>
+            </a:r>
+            <a:endParaRPr lang="en-US" altLang="ko-KR" sz="2400" b="1" dirty="0">
+              <a:solidFill>
+                <a:schemeClr val="bg1"/>
+              </a:solidFill>
+              <a:latin typeface="12롯데마트드림Medium" panose="02020603020101020101" pitchFamily="18" charset="-127"/>
+              <a:ea typeface="12롯데마트드림Medium" panose="02020603020101020101" pitchFamily="18" charset="-127"/>
+            </a:endParaRPr>
+          </a:p>
+          <a:p>
+            <a:pPr algn="ctr" latinLnBrk="1">
+              <a:lnSpc>
+                <a:spcPct val="150000"/>
+              </a:lnSpc>
+            </a:pPr>
+            <a:r>
+              <a:rPr lang="en-US" altLang="ko-KR" sz="2400" b="1" dirty="0">
+                <a:solidFill>
+                  <a:schemeClr val="bg1"/>
+                </a:solidFill>
+                <a:latin typeface="12롯데마트드림Medium" panose="02020603020101020101" pitchFamily="18" charset="-127"/>
+                <a:ea typeface="12롯데마트드림Medium" panose="02020603020101020101" pitchFamily="18" charset="-127"/>
+              </a:rPr>
+              <a:t>    (UI</a:t>
+            </a:r>
+            <a:r>
+              <a:rPr lang="ko-KR" altLang="en-US" sz="2400" b="1" dirty="0">
+                <a:solidFill>
+                  <a:schemeClr val="bg1"/>
+                </a:solidFill>
+                <a:latin typeface="12롯데마트드림Medium" panose="02020603020101020101" pitchFamily="18" charset="-127"/>
+                <a:ea typeface="12롯데마트드림Medium" panose="02020603020101020101" pitchFamily="18" charset="-127"/>
+              </a:rPr>
+              <a:t> 구성</a:t>
+            </a:r>
+            <a:r>
+              <a:rPr lang="en-US" altLang="ko-KR" sz="2400" b="1" dirty="0">
+                <a:solidFill>
+                  <a:schemeClr val="bg1"/>
+                </a:solidFill>
+                <a:latin typeface="12롯데마트드림Medium" panose="02020603020101020101" pitchFamily="18" charset="-127"/>
+                <a:ea typeface="12롯데마트드림Medium" panose="02020603020101020101" pitchFamily="18" charset="-127"/>
+              </a:rPr>
+              <a:t>, </a:t>
+            </a:r>
+            <a:r>
+              <a:rPr lang="ko-KR" altLang="en-US" sz="2400" b="1" dirty="0">
+                <a:solidFill>
+                  <a:schemeClr val="bg1"/>
+                </a:solidFill>
+                <a:latin typeface="12롯데마트드림Medium" panose="02020603020101020101" pitchFamily="18" charset="-127"/>
+                <a:ea typeface="12롯데마트드림Medium" panose="02020603020101020101" pitchFamily="18" charset="-127"/>
+              </a:rPr>
+              <a:t>스타일</a:t>
+            </a:r>
+            <a:r>
+              <a:rPr lang="en-US" altLang="ko-KR" sz="2400" b="1" dirty="0">
+                <a:solidFill>
+                  <a:schemeClr val="bg1"/>
+                </a:solidFill>
+                <a:latin typeface="12롯데마트드림Medium" panose="02020603020101020101" pitchFamily="18" charset="-127"/>
+                <a:ea typeface="12롯데마트드림Medium" panose="02020603020101020101" pitchFamily="18" charset="-127"/>
+              </a:rPr>
+              <a:t>, </a:t>
+            </a:r>
+            <a:r>
+              <a:rPr lang="ko-KR" altLang="en-US" sz="2400" b="1" dirty="0">
+                <a:solidFill>
+                  <a:schemeClr val="bg1"/>
+                </a:solidFill>
+                <a:latin typeface="12롯데마트드림Medium" panose="02020603020101020101" pitchFamily="18" charset="-127"/>
+                <a:ea typeface="12롯데마트드림Medium" panose="02020603020101020101" pitchFamily="18" charset="-127"/>
+              </a:rPr>
+              <a:t>데이터</a:t>
+            </a:r>
+            <a:r>
+              <a:rPr lang="en-US" altLang="ko-KR" sz="2400" b="1" dirty="0">
+                <a:solidFill>
+                  <a:schemeClr val="bg1"/>
+                </a:solidFill>
+                <a:latin typeface="12롯데마트드림Medium" panose="02020603020101020101" pitchFamily="18" charset="-127"/>
+                <a:ea typeface="12롯데마트드림Medium" panose="02020603020101020101" pitchFamily="18" charset="-127"/>
+              </a:rPr>
+              <a:t>, </a:t>
+            </a:r>
+            <a:r>
+              <a:rPr lang="ko-KR" altLang="en-US" sz="2400" b="1" dirty="0">
+                <a:solidFill>
+                  <a:schemeClr val="bg1"/>
+                </a:solidFill>
+                <a:latin typeface="12롯데마트드림Medium" panose="02020603020101020101" pitchFamily="18" charset="-127"/>
+                <a:ea typeface="12롯데마트드림Medium" panose="02020603020101020101" pitchFamily="18" charset="-127"/>
+              </a:rPr>
+              <a:t>기능 구성 등</a:t>
+            </a:r>
+            <a:r>
+              <a:rPr lang="en-US" altLang="ko-KR" sz="2400" b="1" dirty="0">
+                <a:solidFill>
+                  <a:schemeClr val="bg1"/>
+                </a:solidFill>
+                <a:latin typeface="12롯데마트드림Medium" panose="02020603020101020101" pitchFamily="18" charset="-127"/>
+                <a:ea typeface="12롯데마트드림Medium" panose="02020603020101020101" pitchFamily="18" charset="-127"/>
+              </a:rPr>
+              <a:t>)</a:t>
+            </a:r>
+          </a:p>
+        </p:txBody>
+      </p:sp>
+      <p:pic>
+        <p:nvPicPr>
+          <p:cNvPr id="1028" name="Picture 4" descr="Image result for airbnb 로고">
+            <a:extLst>
+              <a:ext uri="{FF2B5EF4-FFF2-40B4-BE49-F238E27FC236}">
+                <a16:creationId xmlns:a16="http://schemas.microsoft.com/office/drawing/2014/main" id="{E63DB67A-A148-4C0E-9286-A51BDA5F6F3F}"/>
+              </a:ext>
+            </a:extLst>
+          </p:cNvPr>
+          <p:cNvPicPr>
+            <a:picLocks noChangeAspect="1" noChangeArrowheads="1"/>
+          </p:cNvPicPr>
+          <p:nvPr/>
+        </p:nvPicPr>
+        <p:blipFill>
+          <a:blip r:embed="rId2">
+            <a:extLst>
+              <a:ext uri="{28A0092B-C50C-407E-A947-70E740481C1C}">
+                <a14:useLocalDpi xmlns:a14="http://schemas.microsoft.com/office/drawing/2010/main" val="0"/>
+              </a:ext>
+            </a:extLst>
+          </a:blip>
+          <a:srcRect/>
+          <a:stretch>
+            <a:fillRect/>
+          </a:stretch>
+        </p:blipFill>
+        <p:spPr bwMode="auto">
+          <a:xfrm>
+            <a:off x="4240695" y="4915614"/>
+            <a:ext cx="4214190" cy="1572090"/>
+          </a:xfrm>
+          <a:prstGeom prst="rect">
+            <a:avLst/>
+          </a:prstGeom>
+          <a:noFill/>
+          <a:extLst>
+            <a:ext uri="{909E8E84-426E-40DD-AFC4-6F175D3DCCD1}">
+              <a14:hiddenFill xmlns:a14="http://schemas.microsoft.com/office/drawing/2010/main">
+                <a:solidFill>
+                  <a:srgbClr val="FFFFFF"/>
+                </a:solidFill>
+              </a14:hiddenFill>
+            </a:ext>
+          </a:extLst>
+        </p:spPr>
+      </p:pic>
+      <p:sp>
+        <p:nvSpPr>
+          <p:cNvPr id="8" name="화살표: 아래쪽 7">
+            <a:extLst>
+              <a:ext uri="{FF2B5EF4-FFF2-40B4-BE49-F238E27FC236}">
+                <a16:creationId xmlns:a16="http://schemas.microsoft.com/office/drawing/2014/main" id="{A1900CEA-4D7C-4FD4-AA25-FA82106C48E1}"/>
+              </a:ext>
+            </a:extLst>
+          </p:cNvPr>
+          <p:cNvSpPr/>
+          <p:nvPr/>
+        </p:nvSpPr>
+        <p:spPr>
+          <a:xfrm>
+            <a:off x="5777946" y="4213503"/>
+            <a:ext cx="1139687" cy="560282"/>
+          </a:xfrm>
+          <a:prstGeom prst="downArrow">
+            <a:avLst/>
+          </a:prstGeom>
+          <a:solidFill>
+            <a:schemeClr val="bg1"/>
+          </a:solidFill>
+          <a:ln w="38100">
+            <a:solidFill>
+              <a:srgbClr val="FF5A60"/>
+            </a:solidFill>
+          </a:ln>
+        </p:spPr>
+        <p:style>
+          <a:lnRef idx="2">
+            <a:schemeClr val="accent1">
+              <a:shade val="50000"/>
+            </a:schemeClr>
+          </a:lnRef>
+          <a:fillRef idx="1">
+            <a:schemeClr val="accent1"/>
+          </a:fillRef>
+          <a:effectRef idx="0">
+            <a:schemeClr val="accent1"/>
+          </a:effectRef>
+          <a:fontRef idx="minor">
+            <a:schemeClr val="lt1"/>
+          </a:fontRef>
+        </p:style>
+        <p:txBody>
+          <a:bodyPr rtlCol="0" anchor="ctr"/>
+          <a:lstStyle/>
+          <a:p>
+            <a:pPr algn="ctr"/>
+            <a:endParaRPr lang="ko-KR" altLang="en-US"/>
+          </a:p>
+        </p:txBody>
+      </p:sp>
+      <p:pic>
+        <p:nvPicPr>
+          <p:cNvPr id="1030" name="Picture 6" descr="Image result for airbnb 로고">
+            <a:extLst>
+              <a:ext uri="{FF2B5EF4-FFF2-40B4-BE49-F238E27FC236}">
+                <a16:creationId xmlns:a16="http://schemas.microsoft.com/office/drawing/2014/main" id="{BA706EF7-B948-448B-8D27-D3C7CC05AE3B}"/>
+              </a:ext>
+            </a:extLst>
+          </p:cNvPr>
+          <p:cNvPicPr>
+            <a:picLocks noChangeAspect="1" noChangeArrowheads="1"/>
+          </p:cNvPicPr>
+          <p:nvPr/>
+        </p:nvPicPr>
+        <p:blipFill>
+          <a:blip r:embed="rId3">
+            <a:extLst>
+              <a:ext uri="{28A0092B-C50C-407E-A947-70E740481C1C}">
+                <a14:useLocalDpi xmlns:a14="http://schemas.microsoft.com/office/drawing/2010/main" val="0"/>
+              </a:ext>
+            </a:extLst>
+          </a:blip>
+          <a:srcRect/>
+          <a:stretch>
+            <a:fillRect/>
+          </a:stretch>
+        </p:blipFill>
+        <p:spPr bwMode="auto">
+          <a:xfrm>
+            <a:off x="11293836" y="192854"/>
+            <a:ext cx="603632" cy="683357"/>
+          </a:xfrm>
+          <a:prstGeom prst="rect">
+            <a:avLst/>
+          </a:prstGeom>
+          <a:noFill/>
+          <a:extLst>
+            <a:ext uri="{909E8E84-426E-40DD-AFC4-6F175D3DCCD1}">
+              <a14:hiddenFill xmlns:a14="http://schemas.microsoft.com/office/drawing/2010/main">
+                <a:solidFill>
+                  <a:srgbClr val="FFFFFF"/>
+                </a:solidFill>
+              </a14:hiddenFill>
+            </a:ext>
+          </a:extLst>
+        </p:spPr>
+      </p:pic>
     </p:spTree>
     <p:extLst>
       <p:ext uri="{BB962C8B-B14F-4D97-AF65-F5344CB8AC3E}">
-        <p14:creationId xmlns:p14="http://schemas.microsoft.com/office/powerpoint/2010/main" val="2332327930"/>
+        <p14:creationId xmlns:p14="http://schemas.microsoft.com/office/powerpoint/2010/main" val="3492613315"/>
       </p:ext>
     </p:extLst>
   </p:cSld>
@@ -8351,10 +10457,10 @@
       </p:grpSpPr>
       <p:sp>
         <p:nvSpPr>
-          <p:cNvPr id="4" name="TextBox 3">
-            <a:extLst>
-              <a:ext uri="{FF2B5EF4-FFF2-40B4-BE49-F238E27FC236}">
-                <a16:creationId xmlns:a16="http://schemas.microsoft.com/office/drawing/2014/main" id="{0DC4E754-3401-402D-90C1-1D6DCE0DC6EE}"/>
+          <p:cNvPr id="3" name="TextBox 2">
+            <a:extLst>
+              <a:ext uri="{FF2B5EF4-FFF2-40B4-BE49-F238E27FC236}">
+                <a16:creationId xmlns:a16="http://schemas.microsoft.com/office/drawing/2014/main" id="{6B6D844F-D95F-4B1B-BF64-81AD8A1553E4}"/>
               </a:ext>
             </a:extLst>
           </p:cNvPr>
@@ -8363,7 +10469,7 @@
         </p:nvSpPr>
         <p:spPr>
           <a:xfrm>
-            <a:off x="609600" y="348213"/>
+            <a:off x="675861" y="454230"/>
             <a:ext cx="6096000" cy="560282"/>
           </a:xfrm>
           <a:prstGeom prst="rect">
@@ -8387,14 +10493,28 @@
                 <a:latin typeface="12롯데마트드림Medium" panose="02020603020101020101" pitchFamily="18" charset="-127"/>
                 <a:ea typeface="12롯데마트드림Medium" panose="02020603020101020101" pitchFamily="18" charset="-127"/>
               </a:rPr>
-              <a:t>일정 </a:t>
+              <a:t>프로젝트 기획 주제 </a:t>
+            </a:r>
+            <a:r>
+              <a:rPr lang="en-US" altLang="ko-KR" sz="2400" dirty="0">
+                <a:latin typeface="12롯데마트드림Medium" panose="02020603020101020101" pitchFamily="18" charset="-127"/>
+                <a:ea typeface="12롯데마트드림Medium" panose="02020603020101020101" pitchFamily="18" charset="-127"/>
+              </a:rPr>
+              <a:t>– </a:t>
+            </a:r>
+            <a:r>
+              <a:rPr lang="ko-KR" altLang="en-US" sz="2400" dirty="0">
+                <a:latin typeface="12롯데마트드림Medium" panose="02020603020101020101" pitchFamily="18" charset="-127"/>
+                <a:ea typeface="12롯데마트드림Medium" panose="02020603020101020101" pitchFamily="18" charset="-127"/>
+              </a:rPr>
+              <a:t>빼도 </a:t>
             </a:r>
             <a:r>
               <a:rPr lang="ko-KR" altLang="en-US" sz="2400" dirty="0" err="1">
                 <a:latin typeface="12롯데마트드림Medium" panose="02020603020101020101" pitchFamily="18" charset="-127"/>
                 <a:ea typeface="12롯데마트드림Medium" panose="02020603020101020101" pitchFamily="18" charset="-127"/>
               </a:rPr>
-              <a:t>플래너</a:t>
+              <a:t>될듯</a:t>
             </a:r>
             <a:endParaRPr lang="en-US" altLang="ko-KR" sz="2400" dirty="0">
               <a:latin typeface="12롯데마트드림Medium" panose="02020603020101020101" pitchFamily="18" charset="-127"/>
@@ -8405,42 +10525,239 @@
       </p:sp>
       <p:pic>
         <p:nvPicPr>
-          <p:cNvPr id="5" name="그림 4">
-            <a:extLst>
-              <a:ext uri="{FF2B5EF4-FFF2-40B4-BE49-F238E27FC236}">
-                <a16:creationId xmlns:a16="http://schemas.microsoft.com/office/drawing/2014/main" id="{1801B434-EAC6-46E4-ADCA-8CF0BEDE5AB1}"/>
+          <p:cNvPr id="5" name="Picture 4" descr="Image result for airbnb 로고">
+            <a:extLst>
+              <a:ext uri="{FF2B5EF4-FFF2-40B4-BE49-F238E27FC236}">
+                <a16:creationId xmlns:a16="http://schemas.microsoft.com/office/drawing/2014/main" id="{29CA9553-A49B-44CB-943B-401098F59846}"/>
               </a:ext>
             </a:extLst>
           </p:cNvPr>
           <p:cNvPicPr>
-            <a:picLocks noChangeAspect="1"/>
+            <a:picLocks noChangeAspect="1" noChangeArrowheads="1"/>
           </p:cNvPicPr>
           <p:nvPr/>
         </p:nvPicPr>
-        <p:blipFill rotWithShape="1">
-          <a:blip r:embed="rId2"/>
-          <a:srcRect l="1151"/>
-          <a:stretch/>
+        <p:blipFill>
+          <a:blip r:embed="rId2">
+            <a:extLst>
+              <a:ext uri="{28A0092B-C50C-407E-A947-70E740481C1C}">
+                <a14:useLocalDpi xmlns:a14="http://schemas.microsoft.com/office/drawing/2010/main" val="0"/>
+              </a:ext>
+            </a:extLst>
+          </a:blip>
+          <a:srcRect/>
+          <a:stretch>
+            <a:fillRect/>
+          </a:stretch>
         </p:blipFill>
-        <p:spPr>
+        <p:spPr bwMode="auto">
           <a:xfrm>
-            <a:off x="1208611" y="2635567"/>
-            <a:ext cx="9774778" cy="3704069"/>
+            <a:off x="4348039" y="1729630"/>
+            <a:ext cx="3495921" cy="1304142"/>
           </a:xfrm>
           <a:prstGeom prst="rect">
             <a:avLst/>
           </a:prstGeom>
-          <a:ln>
-            <a:solidFill>
-              <a:schemeClr val="bg2"/>
-            </a:solidFill>
-          </a:ln>
+          <a:noFill/>
+          <a:extLst>
+            <a:ext uri="{909E8E84-426E-40DD-AFC4-6F175D3DCCD1}">
+              <a14:hiddenFill xmlns:a14="http://schemas.microsoft.com/office/drawing/2010/main">
+                <a:solidFill>
+                  <a:srgbClr val="FFFFFF"/>
+                </a:solidFill>
+              </a14:hiddenFill>
+            </a:ext>
+          </a:extLst>
         </p:spPr>
       </p:pic>
+      <p:sp>
+        <p:nvSpPr>
+          <p:cNvPr id="6" name="TextBox 5">
+            <a:extLst>
+              <a:ext uri="{FF2B5EF4-FFF2-40B4-BE49-F238E27FC236}">
+                <a16:creationId xmlns:a16="http://schemas.microsoft.com/office/drawing/2014/main" id="{F1C40833-8410-42C8-A3D9-03DC2C765FE0}"/>
+              </a:ext>
+            </a:extLst>
+          </p:cNvPr>
+          <p:cNvSpPr txBox="1"/>
+          <p:nvPr/>
+        </p:nvSpPr>
+        <p:spPr>
+          <a:xfrm>
+            <a:off x="1895061" y="3553743"/>
+            <a:ext cx="7023652" cy="1477328"/>
+          </a:xfrm>
+          <a:prstGeom prst="rect">
+            <a:avLst/>
+          </a:prstGeom>
+          <a:noFill/>
+        </p:spPr>
+        <p:txBody>
+          <a:bodyPr wrap="square">
+            <a:spAutoFit/>
+          </a:bodyPr>
+          <a:lstStyle/>
+          <a:p>
+            <a:r>
+              <a:rPr lang="en-US" altLang="ko-KR" b="0" i="0" dirty="0">
+                <a:solidFill>
+                  <a:srgbClr val="373A3C"/>
+                </a:solidFill>
+                <a:effectLst/>
+                <a:latin typeface="Open Sans"/>
+              </a:rPr>
+              <a:t>2008</a:t>
+            </a:r>
+            <a:r>
+              <a:rPr lang="ko-KR" altLang="en-US" b="0" i="0" dirty="0">
+                <a:solidFill>
+                  <a:srgbClr val="373A3C"/>
+                </a:solidFill>
+                <a:effectLst/>
+                <a:latin typeface="Open Sans"/>
+              </a:rPr>
+              <a:t>년 </a:t>
+            </a:r>
+            <a:r>
+              <a:rPr lang="en-US" altLang="ko-KR" b="0" i="0" dirty="0">
+                <a:solidFill>
+                  <a:srgbClr val="373A3C"/>
+                </a:solidFill>
+                <a:effectLst/>
+                <a:latin typeface="Open Sans"/>
+              </a:rPr>
+              <a:t>8</a:t>
+            </a:r>
+            <a:r>
+              <a:rPr lang="ko-KR" altLang="en-US" b="0" i="0" dirty="0">
+                <a:solidFill>
+                  <a:srgbClr val="373A3C"/>
+                </a:solidFill>
+                <a:effectLst/>
+                <a:latin typeface="Open Sans"/>
+              </a:rPr>
+              <a:t>월</a:t>
+            </a:r>
+            <a:r>
+              <a:rPr lang="en-US" altLang="ko-KR" b="0" i="0" dirty="0">
+                <a:solidFill>
+                  <a:srgbClr val="373A3C"/>
+                </a:solidFill>
+                <a:effectLst/>
+                <a:latin typeface="Open Sans"/>
+              </a:rPr>
+              <a:t>, </a:t>
+            </a:r>
+            <a:r>
+              <a:rPr lang="ko-KR" altLang="en-US" b="0" i="0" u="none" strike="noStrike" dirty="0">
+                <a:solidFill>
+                  <a:srgbClr val="0275D8"/>
+                </a:solidFill>
+                <a:effectLst/>
+                <a:latin typeface="Open Sans"/>
+                <a:hlinkClick r:id="rId3" tooltip="미국"/>
+              </a:rPr>
+              <a:t>미국</a:t>
+            </a:r>
+            <a:r>
+              <a:rPr lang="ko-KR" altLang="en-US" b="0" i="0" dirty="0">
+                <a:solidFill>
+                  <a:srgbClr val="373A3C"/>
+                </a:solidFill>
+                <a:effectLst/>
+                <a:latin typeface="Open Sans"/>
+              </a:rPr>
+              <a:t> </a:t>
+            </a:r>
+            <a:r>
+              <a:rPr lang="ko-KR" altLang="en-US" b="0" i="0" u="none" strike="noStrike" dirty="0">
+                <a:solidFill>
+                  <a:srgbClr val="0275D8"/>
+                </a:solidFill>
+                <a:effectLst/>
+                <a:latin typeface="Open Sans"/>
+                <a:hlinkClick r:id="rId4" tooltip="샌프란시스코"/>
+              </a:rPr>
+              <a:t>샌프란시스코</a:t>
+            </a:r>
+            <a:r>
+              <a:rPr lang="ko-KR" altLang="en-US" b="0" i="0" dirty="0">
+                <a:solidFill>
+                  <a:srgbClr val="373A3C"/>
+                </a:solidFill>
+                <a:effectLst/>
+                <a:latin typeface="Open Sans"/>
+              </a:rPr>
+              <a:t>에서 시작된 </a:t>
+            </a:r>
+            <a:r>
+              <a:rPr lang="ko-KR" altLang="en-US" b="1" i="0" dirty="0">
+                <a:solidFill>
+                  <a:srgbClr val="373A3C"/>
+                </a:solidFill>
+                <a:effectLst/>
+                <a:latin typeface="Open Sans"/>
+              </a:rPr>
+              <a:t>숙박 공유 서비스</a:t>
+            </a:r>
+            <a:r>
+              <a:rPr lang="en-US" altLang="ko-KR" b="1" i="0" dirty="0">
+                <a:solidFill>
+                  <a:srgbClr val="373A3C"/>
+                </a:solidFill>
+                <a:effectLst/>
+                <a:latin typeface="Open Sans"/>
+              </a:rPr>
+              <a:t>.</a:t>
+            </a:r>
+          </a:p>
+          <a:p>
+            <a:r>
+              <a:rPr lang="ko-KR" altLang="en-US" dirty="0"/>
+              <a:t>전세계의 이용자를 보유</a:t>
+            </a:r>
+            <a:r>
+              <a:rPr lang="en-US" altLang="ko-KR" dirty="0"/>
+              <a:t> </a:t>
+            </a:r>
+            <a:r>
+              <a:rPr lang="ko-KR" altLang="en-US" dirty="0"/>
+              <a:t>중</a:t>
+            </a:r>
+            <a:r>
+              <a:rPr lang="en-US" altLang="ko-KR" dirty="0"/>
+              <a:t>.</a:t>
+            </a:r>
+          </a:p>
+          <a:p>
+            <a:r>
+              <a:rPr lang="ko-KR" altLang="en-US" dirty="0"/>
+              <a:t>배낭여행객들 사이에서 인기</a:t>
+            </a:r>
+            <a:endParaRPr lang="en-US" altLang="ko-KR" dirty="0"/>
+          </a:p>
+          <a:p>
+            <a:r>
+              <a:rPr lang="ko-KR" altLang="en-US" dirty="0"/>
+              <a:t>기본 취지는 호스트가 방을 빌려주고 함께 생활하는 것이었지만</a:t>
+            </a:r>
+            <a:r>
+              <a:rPr lang="en-US" altLang="ko-KR" dirty="0"/>
+              <a:t>,</a:t>
+            </a:r>
+          </a:p>
+          <a:p>
+            <a:r>
+              <a:rPr lang="ko-KR" altLang="en-US" dirty="0"/>
+              <a:t>집 전체를 빌려주는 방향으로 변화됨</a:t>
+            </a:r>
+          </a:p>
+        </p:txBody>
+      </p:sp>
     </p:spTree>
     <p:extLst>
       <p:ext uri="{BB962C8B-B14F-4D97-AF65-F5344CB8AC3E}">
-        <p14:creationId xmlns:p14="http://schemas.microsoft.com/office/powerpoint/2010/main" val="966395617"/>
+        <p14:creationId xmlns:p14="http://schemas.microsoft.com/office/powerpoint/2010/main" val="2235403909"/>
       </p:ext>
     </p:extLst>
   </p:cSld>
@@ -8469,76 +10786,162 @@
       </p:grpSpPr>
       <p:sp>
         <p:nvSpPr>
-          <p:cNvPr id="4" name="직사각형 3">
-            <a:extLst>
-              <a:ext uri="{FF2B5EF4-FFF2-40B4-BE49-F238E27FC236}">
-                <a16:creationId xmlns:a16="http://schemas.microsoft.com/office/drawing/2014/main" id="{37941B40-C605-45E2-B154-9ACC9D0DD8F9}"/>
-              </a:ext>
-            </a:extLst>
-          </p:cNvPr>
-          <p:cNvSpPr/>
+          <p:cNvPr id="3" name="TextBox 2">
+            <a:extLst>
+              <a:ext uri="{FF2B5EF4-FFF2-40B4-BE49-F238E27FC236}">
+                <a16:creationId xmlns:a16="http://schemas.microsoft.com/office/drawing/2014/main" id="{26BC2A35-815B-4A14-9E82-72A367EDFCB7}"/>
+              </a:ext>
+            </a:extLst>
+          </p:cNvPr>
+          <p:cNvSpPr txBox="1"/>
           <p:nvPr/>
         </p:nvSpPr>
         <p:spPr>
           <a:xfrm>
-            <a:off x="3975652" y="1885121"/>
-            <a:ext cx="4240696" cy="3087757"/>
+            <a:off x="728869" y="546995"/>
+            <a:ext cx="6096000" cy="560282"/>
           </a:xfrm>
           <a:prstGeom prst="rect">
             <a:avLst/>
           </a:prstGeom>
-          <a:solidFill>
-            <a:schemeClr val="tx1">
-              <a:lumMod val="50000"/>
-              <a:lumOff val="50000"/>
-            </a:schemeClr>
-          </a:solidFill>
-          <a:ln>
-            <a:noFill/>
-          </a:ln>
-        </p:spPr>
-        <p:style>
-          <a:lnRef idx="2">
-            <a:schemeClr val="accent1">
-              <a:shade val="50000"/>
-            </a:schemeClr>
-          </a:lnRef>
-          <a:fillRef idx="1">
-            <a:schemeClr val="accent1"/>
-          </a:fillRef>
-          <a:effectRef idx="0">
-            <a:schemeClr val="accent1"/>
-          </a:effectRef>
-          <a:fontRef idx="minor">
-            <a:schemeClr val="lt1"/>
-          </a:fontRef>
-        </p:style>
-        <p:txBody>
-          <a:bodyPr rtlCol="0" anchor="ctr"/>
-          <a:lstStyle/>
-          <a:p>
-            <a:pPr algn="ctr"/>
-            <a:r>
-              <a:rPr lang="en-US" altLang="ko-KR" sz="3600" dirty="0">
-                <a:latin typeface="12롯데마트드림Bold" panose="02020603020101020101" pitchFamily="18" charset="-127"/>
-                <a:ea typeface="12롯데마트드림Bold" panose="02020603020101020101" pitchFamily="18" charset="-127"/>
-              </a:rPr>
-              <a:t> </a:t>
-            </a:r>
-            <a:r>
-              <a:rPr lang="ko-KR" altLang="en-US" sz="3600" dirty="0">
-                <a:latin typeface="12롯데마트드림Bold" panose="02020603020101020101" pitchFamily="18" charset="-127"/>
-                <a:ea typeface="12롯데마트드림Bold" panose="02020603020101020101" pitchFamily="18" charset="-127"/>
-              </a:rPr>
-              <a:t>프로젝트 설계</a:t>
-            </a:r>
+          <a:noFill/>
+        </p:spPr>
+        <p:txBody>
+          <a:bodyPr wrap="square">
+            <a:spAutoFit/>
+          </a:bodyPr>
+          <a:lstStyle/>
+          <a:p>
+            <a:pPr latinLnBrk="1">
+              <a:lnSpc>
+                <a:spcPct val="150000"/>
+              </a:lnSpc>
+            </a:pPr>
+            <a:r>
+              <a:rPr lang="ko-KR" altLang="en-US" sz="2400" dirty="0">
+                <a:latin typeface="12롯데마트드림Medium" panose="02020603020101020101" pitchFamily="18" charset="-127"/>
+                <a:ea typeface="12롯데마트드림Medium" panose="02020603020101020101" pitchFamily="18" charset="-127"/>
+              </a:rPr>
+              <a:t>기대효과</a:t>
+            </a:r>
+            <a:endParaRPr lang="en-US" altLang="ko-KR" sz="2400" dirty="0">
+              <a:latin typeface="12롯데마트드림Medium" panose="02020603020101020101" pitchFamily="18" charset="-127"/>
+              <a:ea typeface="12롯데마트드림Medium" panose="02020603020101020101" pitchFamily="18" charset="-127"/>
+            </a:endParaRPr>
+          </a:p>
+        </p:txBody>
+      </p:sp>
+      <p:sp>
+        <p:nvSpPr>
+          <p:cNvPr id="4" name="TextBox 3">
+            <a:extLst>
+              <a:ext uri="{FF2B5EF4-FFF2-40B4-BE49-F238E27FC236}">
+                <a16:creationId xmlns:a16="http://schemas.microsoft.com/office/drawing/2014/main" id="{374EC594-35B2-4269-8A97-385C0EAC0B21}"/>
+              </a:ext>
+            </a:extLst>
+          </p:cNvPr>
+          <p:cNvSpPr txBox="1"/>
+          <p:nvPr/>
+        </p:nvSpPr>
+        <p:spPr>
+          <a:xfrm>
+            <a:off x="937591" y="1564296"/>
+            <a:ext cx="10923105" cy="2222275"/>
+          </a:xfrm>
+          <a:prstGeom prst="rect">
+            <a:avLst/>
+          </a:prstGeom>
+          <a:noFill/>
+        </p:spPr>
+        <p:txBody>
+          <a:bodyPr wrap="square">
+            <a:spAutoFit/>
+          </a:bodyPr>
+          <a:lstStyle/>
+          <a:p>
+            <a:pPr latinLnBrk="1">
+              <a:lnSpc>
+                <a:spcPct val="150000"/>
+              </a:lnSpc>
+            </a:pPr>
+            <a:r>
+              <a:rPr lang="ko-KR" altLang="en-US" sz="2400" dirty="0">
+                <a:latin typeface="12롯데마트드림Medium" panose="02020603020101020101" pitchFamily="18" charset="-127"/>
+                <a:ea typeface="12롯데마트드림Medium" panose="02020603020101020101" pitchFamily="18" charset="-127"/>
+              </a:rPr>
+              <a:t>전세계 이용자들을 대상으로 운영되는 인기 사이트인만큼</a:t>
+            </a:r>
+            <a:r>
+              <a:rPr lang="en-US" altLang="ko-KR" sz="2400" dirty="0">
+                <a:latin typeface="12롯데마트드림Medium" panose="02020603020101020101" pitchFamily="18" charset="-127"/>
+                <a:ea typeface="12롯데마트드림Medium" panose="02020603020101020101" pitchFamily="18" charset="-127"/>
+              </a:rPr>
+              <a:t>, </a:t>
+            </a:r>
+            <a:r>
+              <a:rPr lang="ko-KR" altLang="en-US" sz="2400" dirty="0">
+                <a:latin typeface="12롯데마트드림Medium" panose="02020603020101020101" pitchFamily="18" charset="-127"/>
+                <a:ea typeface="12롯데마트드림Medium" panose="02020603020101020101" pitchFamily="18" charset="-127"/>
+              </a:rPr>
+              <a:t>웹 페이지의 많은 기능을 포함하고 있으므로 클론 사이트 개발 프로젝트를 통해 다양한 기능을 배우고 구현해 볼 수 있음</a:t>
+            </a:r>
+            <a:endParaRPr lang="en-US" altLang="ko-KR" sz="2400" dirty="0">
+              <a:latin typeface="12롯데마트드림Medium" panose="02020603020101020101" pitchFamily="18" charset="-127"/>
+              <a:ea typeface="12롯데마트드림Medium" panose="02020603020101020101" pitchFamily="18" charset="-127"/>
+            </a:endParaRPr>
+          </a:p>
+          <a:p>
+            <a:pPr latinLnBrk="1">
+              <a:lnSpc>
+                <a:spcPct val="150000"/>
+              </a:lnSpc>
+            </a:pPr>
+            <a:r>
+              <a:rPr lang="en-US" altLang="ko-KR" sz="2400" dirty="0">
+                <a:latin typeface="12롯데마트드림Medium" panose="02020603020101020101" pitchFamily="18" charset="-127"/>
+                <a:ea typeface="12롯데마트드림Medium" panose="02020603020101020101" pitchFamily="18" charset="-127"/>
+              </a:rPr>
+              <a:t> - google API, </a:t>
+            </a:r>
+            <a:r>
+              <a:rPr lang="ko-KR" altLang="en-US" sz="2400" dirty="0">
+                <a:latin typeface="12롯데마트드림Medium" panose="02020603020101020101" pitchFamily="18" charset="-127"/>
+                <a:ea typeface="12롯데마트드림Medium" panose="02020603020101020101" pitchFamily="18" charset="-127"/>
+              </a:rPr>
+              <a:t>데이터 </a:t>
+            </a:r>
+            <a:r>
+              <a:rPr lang="ko-KR" altLang="en-US" sz="2400" dirty="0" err="1">
+                <a:latin typeface="12롯데마트드림Medium" panose="02020603020101020101" pitchFamily="18" charset="-127"/>
+                <a:ea typeface="12롯데마트드림Medium" panose="02020603020101020101" pitchFamily="18" charset="-127"/>
+              </a:rPr>
+              <a:t>스크래핑</a:t>
+            </a:r>
+            <a:r>
+              <a:rPr lang="en-US" altLang="ko-KR" sz="2400" dirty="0">
+                <a:latin typeface="12롯데마트드림Medium" panose="02020603020101020101" pitchFamily="18" charset="-127"/>
+                <a:ea typeface="12롯데마트드림Medium" panose="02020603020101020101" pitchFamily="18" charset="-127"/>
+              </a:rPr>
+              <a:t>, </a:t>
+            </a:r>
+            <a:r>
+              <a:rPr lang="ko-KR" altLang="en-US" sz="2400" dirty="0">
+                <a:latin typeface="12롯데마트드림Medium" panose="02020603020101020101" pitchFamily="18" charset="-127"/>
+                <a:ea typeface="12롯데마트드림Medium" panose="02020603020101020101" pitchFamily="18" charset="-127"/>
+              </a:rPr>
+              <a:t>세부 검색 필터 기능</a:t>
+            </a:r>
+            <a:endParaRPr lang="en-US" altLang="ko-KR" sz="2400" dirty="0">
+              <a:latin typeface="12롯데마트드림Medium" panose="02020603020101020101" pitchFamily="18" charset="-127"/>
+              <a:ea typeface="12롯데마트드림Medium" panose="02020603020101020101" pitchFamily="18" charset="-127"/>
+            </a:endParaRPr>
           </a:p>
         </p:txBody>
       </p:sp>
     </p:spTree>
     <p:extLst>
       <p:ext uri="{BB962C8B-B14F-4D97-AF65-F5344CB8AC3E}">
-        <p14:creationId xmlns:p14="http://schemas.microsoft.com/office/powerpoint/2010/main" val="790206975"/>
+        <p14:creationId xmlns:p14="http://schemas.microsoft.com/office/powerpoint/2010/main" val="2332327930"/>
       </p:ext>
     </p:extLst>
   </p:cSld>

--- a/presentation_template.pptx
+++ b/presentation_template.pptx
@@ -282,7 +282,7 @@
           <a:p>
             <a:fld id="{1E27CE76-79F2-4C52-95BD-F1BB7FE044A8}" type="datetimeFigureOut">
               <a:rPr lang="ko-KR" altLang="en-US" smtClean="0"/>
-              <a:t>2021-02-14</a:t>
+              <a:t>2021-02-15</a:t>
             </a:fld>
             <a:endParaRPr lang="ko-KR" altLang="en-US"/>
           </a:p>
@@ -480,7 +480,7 @@
           <a:p>
             <a:fld id="{1E27CE76-79F2-4C52-95BD-F1BB7FE044A8}" type="datetimeFigureOut">
               <a:rPr lang="ko-KR" altLang="en-US" smtClean="0"/>
-              <a:t>2021-02-14</a:t>
+              <a:t>2021-02-15</a:t>
             </a:fld>
             <a:endParaRPr lang="ko-KR" altLang="en-US"/>
           </a:p>
@@ -688,7 +688,7 @@
           <a:p>
             <a:fld id="{1E27CE76-79F2-4C52-95BD-F1BB7FE044A8}" type="datetimeFigureOut">
               <a:rPr lang="ko-KR" altLang="en-US" smtClean="0"/>
-              <a:t>2021-02-14</a:t>
+              <a:t>2021-02-15</a:t>
             </a:fld>
             <a:endParaRPr lang="ko-KR" altLang="en-US"/>
           </a:p>
@@ -886,7 +886,7 @@
           <a:p>
             <a:fld id="{1E27CE76-79F2-4C52-95BD-F1BB7FE044A8}" type="datetimeFigureOut">
               <a:rPr lang="ko-KR" altLang="en-US" smtClean="0"/>
-              <a:t>2021-02-14</a:t>
+              <a:t>2021-02-15</a:t>
             </a:fld>
             <a:endParaRPr lang="ko-KR" altLang="en-US"/>
           </a:p>
@@ -1161,7 +1161,7 @@
           <a:p>
             <a:fld id="{1E27CE76-79F2-4C52-95BD-F1BB7FE044A8}" type="datetimeFigureOut">
               <a:rPr lang="ko-KR" altLang="en-US" smtClean="0"/>
-              <a:t>2021-02-14</a:t>
+              <a:t>2021-02-15</a:t>
             </a:fld>
             <a:endParaRPr lang="ko-KR" altLang="en-US"/>
           </a:p>
@@ -1426,7 +1426,7 @@
           <a:p>
             <a:fld id="{1E27CE76-79F2-4C52-95BD-F1BB7FE044A8}" type="datetimeFigureOut">
               <a:rPr lang="ko-KR" altLang="en-US" smtClean="0"/>
-              <a:t>2021-02-14</a:t>
+              <a:t>2021-02-15</a:t>
             </a:fld>
             <a:endParaRPr lang="ko-KR" altLang="en-US"/>
           </a:p>
@@ -1838,7 +1838,7 @@
           <a:p>
             <a:fld id="{1E27CE76-79F2-4C52-95BD-F1BB7FE044A8}" type="datetimeFigureOut">
               <a:rPr lang="ko-KR" altLang="en-US" smtClean="0"/>
-              <a:t>2021-02-14</a:t>
+              <a:t>2021-02-15</a:t>
             </a:fld>
             <a:endParaRPr lang="ko-KR" altLang="en-US"/>
           </a:p>
@@ -1979,7 +1979,7 @@
           <a:p>
             <a:fld id="{1E27CE76-79F2-4C52-95BD-F1BB7FE044A8}" type="datetimeFigureOut">
               <a:rPr lang="ko-KR" altLang="en-US" smtClean="0"/>
-              <a:t>2021-02-14</a:t>
+              <a:t>2021-02-15</a:t>
             </a:fld>
             <a:endParaRPr lang="ko-KR" altLang="en-US"/>
           </a:p>
@@ -2092,7 +2092,7 @@
           <a:p>
             <a:fld id="{1E27CE76-79F2-4C52-95BD-F1BB7FE044A8}" type="datetimeFigureOut">
               <a:rPr lang="ko-KR" altLang="en-US" smtClean="0"/>
-              <a:t>2021-02-14</a:t>
+              <a:t>2021-02-15</a:t>
             </a:fld>
             <a:endParaRPr lang="ko-KR" altLang="en-US"/>
           </a:p>
@@ -2403,7 +2403,7 @@
           <a:p>
             <a:fld id="{1E27CE76-79F2-4C52-95BD-F1BB7FE044A8}" type="datetimeFigureOut">
               <a:rPr lang="ko-KR" altLang="en-US" smtClean="0"/>
-              <a:t>2021-02-14</a:t>
+              <a:t>2021-02-15</a:t>
             </a:fld>
             <a:endParaRPr lang="ko-KR" altLang="en-US"/>
           </a:p>
@@ -2691,7 +2691,7 @@
           <a:p>
             <a:fld id="{1E27CE76-79F2-4C52-95BD-F1BB7FE044A8}" type="datetimeFigureOut">
               <a:rPr lang="ko-KR" altLang="en-US" smtClean="0"/>
-              <a:t>2021-02-14</a:t>
+              <a:t>2021-02-15</a:t>
             </a:fld>
             <a:endParaRPr lang="ko-KR" altLang="en-US"/>
           </a:p>
@@ -2932,7 +2932,7 @@
           <a:p>
             <a:fld id="{1E27CE76-79F2-4C52-95BD-F1BB7FE044A8}" type="datetimeFigureOut">
               <a:rPr lang="ko-KR" altLang="en-US" smtClean="0"/>
-              <a:t>2021-02-14</a:t>
+              <a:t>2021-02-15</a:t>
             </a:fld>
             <a:endParaRPr lang="ko-KR" altLang="en-US"/>
           </a:p>
@@ -3947,98 +3947,6 @@
           </a:ln>
         </p:spPr>
       </p:pic>
-      <p:sp>
-        <p:nvSpPr>
-          <p:cNvPr id="3" name="직사각형 2">
-            <a:extLst>
-              <a:ext uri="{FF2B5EF4-FFF2-40B4-BE49-F238E27FC236}">
-                <a16:creationId xmlns:a16="http://schemas.microsoft.com/office/drawing/2014/main" id="{F70F8910-5EA8-42EF-B4EA-DA8C36D7F2C5}"/>
-              </a:ext>
-            </a:extLst>
-          </p:cNvPr>
-          <p:cNvSpPr/>
-          <p:nvPr/>
-        </p:nvSpPr>
-        <p:spPr>
-          <a:xfrm>
-            <a:off x="7168243" y="518364"/>
-            <a:ext cx="3020786" cy="560282"/>
-          </a:xfrm>
-          <a:prstGeom prst="rect">
-            <a:avLst/>
-          </a:prstGeom>
-        </p:spPr>
-        <p:style>
-          <a:lnRef idx="2">
-            <a:schemeClr val="accent1">
-              <a:shade val="50000"/>
-            </a:schemeClr>
-          </a:lnRef>
-          <a:fillRef idx="1">
-            <a:schemeClr val="accent1"/>
-          </a:fillRef>
-          <a:effectRef idx="0">
-            <a:schemeClr val="accent1"/>
-          </a:effectRef>
-          <a:fontRef idx="minor">
-            <a:schemeClr val="lt1"/>
-          </a:fontRef>
-        </p:style>
-        <p:txBody>
-          <a:bodyPr rtlCol="0" anchor="ctr"/>
-          <a:lstStyle/>
-          <a:p>
-            <a:pPr algn="ctr"/>
-            <a:endParaRPr lang="ko-KR" altLang="en-US"/>
-          </a:p>
-        </p:txBody>
-      </p:sp>
-      <p:sp>
-        <p:nvSpPr>
-          <p:cNvPr id="6" name="직사각형 5">
-            <a:extLst>
-              <a:ext uri="{FF2B5EF4-FFF2-40B4-BE49-F238E27FC236}">
-                <a16:creationId xmlns:a16="http://schemas.microsoft.com/office/drawing/2014/main" id="{3CA792AB-D8C8-4BCE-AC1E-542C5F36A614}"/>
-              </a:ext>
-            </a:extLst>
-          </p:cNvPr>
-          <p:cNvSpPr/>
-          <p:nvPr/>
-        </p:nvSpPr>
-        <p:spPr>
-          <a:xfrm>
-            <a:off x="4098471" y="67915"/>
-            <a:ext cx="3020786" cy="1789192"/>
-          </a:xfrm>
-          <a:prstGeom prst="rect">
-            <a:avLst/>
-          </a:prstGeom>
-        </p:spPr>
-        <p:style>
-          <a:lnRef idx="2">
-            <a:schemeClr val="accent1">
-              <a:shade val="50000"/>
-            </a:schemeClr>
-          </a:lnRef>
-          <a:fillRef idx="1">
-            <a:schemeClr val="accent1"/>
-          </a:fillRef>
-          <a:effectRef idx="0">
-            <a:schemeClr val="accent1"/>
-          </a:effectRef>
-          <a:fontRef idx="minor">
-            <a:schemeClr val="lt1"/>
-          </a:fontRef>
-        </p:style>
-        <p:txBody>
-          <a:bodyPr rtlCol="0" anchor="ctr"/>
-          <a:lstStyle/>
-          <a:p>
-            <a:pPr algn="ctr"/>
-            <a:endParaRPr lang="ko-KR" altLang="en-US"/>
-          </a:p>
-        </p:txBody>
-      </p:sp>
     </p:spTree>
     <p:extLst>
       <p:ext uri="{BB962C8B-B14F-4D97-AF65-F5344CB8AC3E}">
